--- a/4 ⚙️ Solution/60 🧰 Edge/62 🦋 Ephemerals/.📎 Assets/🦋 .pptx
+++ b/4 ⚙️ Solution/60 🧰 Edge/62 🦋 Ephemerals/.📎 Assets/🦋 .pptx
@@ -5,32 +5,33 @@
     <p:sldMasterId id="2147483648" r:id="rId1"/>
   </p:sldMasterIdLst>
   <p:notesMasterIdLst>
-    <p:notesMasterId r:id="rId5"/>
+    <p:notesMasterId r:id="rId6"/>
   </p:notesMasterIdLst>
   <p:handoutMasterIdLst>
-    <p:handoutMasterId r:id="rId6"/>
+    <p:handoutMasterId r:id="rId7"/>
   </p:handoutMasterIdLst>
   <p:sldIdLst>
     <p:sldId id="1837" r:id="rId2"/>
     <p:sldId id="1798" r:id="rId3"/>
-    <p:sldId id="1838" r:id="rId4"/>
+    <p:sldId id="1839" r:id="rId4"/>
+    <p:sldId id="1838" r:id="rId5"/>
   </p:sldIdLst>
   <p:sldSz cx="12192000" cy="6858000"/>
   <p:notesSz cx="6858000" cy="9144000"/>
   <p:embeddedFontLst>
     <p:embeddedFont>
       <p:font typeface="Amazon Ember" panose="020B0603020204020204" pitchFamily="34" charset="0"/>
-      <p:regular r:id="rId7"/>
-      <p:bold r:id="rId8"/>
-      <p:italic r:id="rId9"/>
-      <p:boldItalic r:id="rId10"/>
+      <p:regular r:id="rId8"/>
+      <p:bold r:id="rId9"/>
+      <p:italic r:id="rId10"/>
+      <p:boldItalic r:id="rId11"/>
     </p:embeddedFont>
     <p:embeddedFont>
-      <p:font typeface="Amazon Ember Display" panose="020B0603020204020204" pitchFamily="34" charset="0"/>
-      <p:regular r:id="rId11"/>
-      <p:bold r:id="rId12"/>
-      <p:italic r:id="rId13"/>
-      <p:boldItalic r:id="rId14"/>
+      <p:font typeface="Amazon Ember Display" panose="020F0603020204020204" pitchFamily="34" charset="0"/>
+      <p:regular r:id="rId12"/>
+      <p:bold r:id="rId13"/>
+      <p:italic r:id="rId14"/>
+      <p:boldItalic r:id="rId15"/>
     </p:embeddedFont>
   </p:embeddedFontLst>
   <p:defaultTextStyle>
@@ -135,6 +136,7 @@
           <p14:sldIdLst>
             <p14:sldId id="1837"/>
             <p14:sldId id="1798"/>
+            <p14:sldId id="1839"/>
             <p14:sldId id="1838"/>
           </p14:sldIdLst>
         </p14:section>
@@ -7313,6 +7315,5432 @@
         <p:cNvPr id="1" name="">
           <a:extLst>
             <a:ext uri="{FF2B5EF4-FFF2-40B4-BE49-F238E27FC236}">
+              <a16:creationId xmlns:a16="http://schemas.microsoft.com/office/drawing/2014/main" id="{EFD9FC8D-1171-E79E-8AAB-AECAB568B78C}"/>
+            </a:ext>
+          </a:extLst>
+        </p:cNvPr>
+        <p:cNvGrpSpPr/>
+        <p:nvPr/>
+      </p:nvGrpSpPr>
+      <p:grpSpPr>
+        <a:xfrm>
+          <a:off x="0" y="0"/>
+          <a:ext cx="0" cy="0"/>
+          <a:chOff x="0" y="0"/>
+          <a:chExt cx="0" cy="0"/>
+        </a:xfrm>
+      </p:grpSpPr>
+      <p:sp>
+        <p:nvSpPr>
+          <p:cNvPr id="41" name="Rectangle 40">
+            <a:extLst>
+              <a:ext uri="{FF2B5EF4-FFF2-40B4-BE49-F238E27FC236}">
+                <a16:creationId xmlns:a16="http://schemas.microsoft.com/office/drawing/2014/main" id="{4CDA9016-842C-099A-2241-447D1FC99283}"/>
+              </a:ext>
+            </a:extLst>
+          </p:cNvPr>
+          <p:cNvSpPr/>
+          <p:nvPr/>
+        </p:nvSpPr>
+        <p:spPr>
+          <a:xfrm>
+            <a:off x="4462271" y="256029"/>
+            <a:ext cx="3739897" cy="6433006"/>
+          </a:xfrm>
+          <a:prstGeom prst="rect">
+            <a:avLst/>
+          </a:prstGeom>
+          <a:solidFill>
+            <a:schemeClr val="bg1">
+              <a:lumMod val="85000"/>
+              <a:lumOff val="15000"/>
+            </a:schemeClr>
+          </a:solidFill>
+          <a:ln w="28575">
+            <a:noFill/>
+            <a:prstDash val="dash"/>
+          </a:ln>
+        </p:spPr>
+        <p:style>
+          <a:lnRef idx="2">
+            <a:schemeClr val="accent1">
+              <a:shade val="50000"/>
+            </a:schemeClr>
+          </a:lnRef>
+          <a:fillRef idx="1">
+            <a:schemeClr val="accent1"/>
+          </a:fillRef>
+          <a:effectRef idx="0">
+            <a:schemeClr val="accent1"/>
+          </a:effectRef>
+          <a:fontRef idx="minor">
+            <a:schemeClr val="lt1"/>
+          </a:fontRef>
+        </p:style>
+        <p:txBody>
+          <a:bodyPr lIns="144000" tIns="144000" rIns="144000" bIns="144000" anchor="t"/>
+          <a:lstStyle/>
+          <a:p>
+            <a:endParaRPr lang="en-GB" sz="2000" i="1" dirty="0">
+              <a:solidFill>
+                <a:schemeClr val="bg2">
+                  <a:lumMod val="40000"/>
+                  <a:lumOff val="60000"/>
+                </a:schemeClr>
+              </a:solidFill>
+              <a:effectLst>
+                <a:glow>
+                  <a:schemeClr val="bg1"/>
+                </a:glow>
+              </a:effectLst>
+            </a:endParaRPr>
+          </a:p>
+        </p:txBody>
+      </p:sp>
+      <p:grpSp>
+        <p:nvGrpSpPr>
+          <p:cNvPr id="4" name="Group 3">
+            <a:extLst>
+              <a:ext uri="{FF2B5EF4-FFF2-40B4-BE49-F238E27FC236}">
+                <a16:creationId xmlns:a16="http://schemas.microsoft.com/office/drawing/2014/main" id="{241462C1-ACA2-320B-B21F-33F84A0AEC7B}"/>
+              </a:ext>
+            </a:extLst>
+          </p:cNvPr>
+          <p:cNvGrpSpPr/>
+          <p:nvPr/>
+        </p:nvGrpSpPr>
+        <p:grpSpPr>
+          <a:xfrm>
+            <a:off x="8401175" y="1018695"/>
+            <a:ext cx="2395358" cy="1038741"/>
+            <a:chOff x="7507403" y="1006813"/>
+            <a:chExt cx="1034295" cy="1038741"/>
+          </a:xfrm>
+        </p:grpSpPr>
+        <p:sp>
+          <p:nvSpPr>
+            <p:cNvPr id="17" name="Rectangle 16">
+              <a:extLst>
+                <a:ext uri="{FF2B5EF4-FFF2-40B4-BE49-F238E27FC236}">
+                  <a16:creationId xmlns:a16="http://schemas.microsoft.com/office/drawing/2014/main" id="{F1900B8B-A315-2E9F-FDE3-BD21F890D2E0}"/>
+                </a:ext>
+              </a:extLst>
+            </p:cNvPr>
+            <p:cNvSpPr/>
+            <p:nvPr/>
+          </p:nvSpPr>
+          <p:spPr>
+            <a:xfrm>
+              <a:off x="7507403" y="1006813"/>
+              <a:ext cx="1034295" cy="1038741"/>
+            </a:xfrm>
+            <a:prstGeom prst="rect">
+              <a:avLst/>
+            </a:prstGeom>
+            <a:solidFill>
+              <a:schemeClr val="bg1"/>
+            </a:solidFill>
+            <a:ln w="12700">
+              <a:solidFill>
+                <a:srgbClr val="5A6B86"/>
+              </a:solidFill>
+              <a:prstDash val="dash"/>
+            </a:ln>
+          </p:spPr>
+          <p:style>
+            <a:lnRef idx="2">
+              <a:schemeClr val="accent1">
+                <a:shade val="50000"/>
+              </a:schemeClr>
+            </a:lnRef>
+            <a:fillRef idx="1">
+              <a:schemeClr val="accent1"/>
+            </a:fillRef>
+            <a:effectRef idx="0">
+              <a:schemeClr val="accent1"/>
+            </a:effectRef>
+            <a:fontRef idx="minor">
+              <a:schemeClr val="lt1"/>
+            </a:fontRef>
+          </p:style>
+          <p:txBody>
+            <a:bodyPr tIns="36000"/>
+            <a:lstStyle/>
+            <a:p>
+              <a:pPr eaLnBrk="1" fontAlgn="auto" hangingPunct="1">
+                <a:spcBef>
+                  <a:spcPts val="0"/>
+                </a:spcBef>
+                <a:spcAft>
+                  <a:spcPts val="0"/>
+                </a:spcAft>
+                <a:defRPr/>
+              </a:pPr>
+              <a:r>
+                <a:rPr lang="en-GB" sz="2800" baseline="-9000" dirty="0">
+                  <a:solidFill>
+                    <a:schemeClr val="bg2">
+                      <a:lumMod val="40000"/>
+                      <a:lumOff val="60000"/>
+                    </a:schemeClr>
+                  </a:solidFill>
+                  <a:effectLst>
+                    <a:glow>
+                      <a:schemeClr val="bg1"/>
+                    </a:glow>
+                  </a:effectLst>
+                </a:rPr>
+                <a:t>🤗</a:t>
+              </a:r>
+              <a:r>
+                <a:rPr lang="en-GB" sz="2000" i="1" dirty="0">
+                  <a:solidFill>
+                    <a:schemeClr val="bg2">
+                      <a:lumMod val="40000"/>
+                      <a:lumOff val="60000"/>
+                    </a:schemeClr>
+                  </a:solidFill>
+                  <a:effectLst>
+                    <a:glow>
+                      <a:schemeClr val="bg1"/>
+                    </a:glow>
+                  </a:effectLst>
+                </a:rPr>
+                <a:t> </a:t>
+              </a:r>
+              <a:r>
+                <a:rPr lang="en-US" sz="2000" i="1" dirty="0">
+                  <a:solidFill>
+                    <a:schemeClr val="bg2">
+                      <a:lumMod val="40000"/>
+                      <a:lumOff val="60000"/>
+                    </a:schemeClr>
+                  </a:solidFill>
+                  <a:effectLst>
+                    <a:glow>
+                      <a:schemeClr val="bg1"/>
+                    </a:glow>
+                  </a:effectLst>
+                </a:rPr>
+                <a:t>host</a:t>
+              </a:r>
+            </a:p>
+          </p:txBody>
+        </p:sp>
+        <p:sp>
+          <p:nvSpPr>
+            <p:cNvPr id="16" name="Rectangle 15">
+              <a:extLst>
+                <a:ext uri="{FF2B5EF4-FFF2-40B4-BE49-F238E27FC236}">
+                  <a16:creationId xmlns:a16="http://schemas.microsoft.com/office/drawing/2014/main" id="{5F1A23B7-DEDF-AC9F-6C83-EA37637EE86C}"/>
+                </a:ext>
+              </a:extLst>
+            </p:cNvPr>
+            <p:cNvSpPr/>
+            <p:nvPr/>
+          </p:nvSpPr>
+          <p:spPr>
+            <a:xfrm>
+              <a:off x="7538137" y="1403791"/>
+              <a:ext cx="964918" cy="562183"/>
+            </a:xfrm>
+            <a:prstGeom prst="rect">
+              <a:avLst/>
+            </a:prstGeom>
+            <a:solidFill>
+              <a:schemeClr val="tx1">
+                <a:lumMod val="95000"/>
+              </a:schemeClr>
+            </a:solidFill>
+            <a:ln w="28575">
+              <a:solidFill>
+                <a:schemeClr val="tx1">
+                  <a:lumMod val="50000"/>
+                </a:schemeClr>
+              </a:solidFill>
+              <a:prstDash val="solid"/>
+            </a:ln>
+          </p:spPr>
+          <p:style>
+            <a:lnRef idx="2">
+              <a:schemeClr val="accent1">
+                <a:shade val="50000"/>
+              </a:schemeClr>
+            </a:lnRef>
+            <a:fillRef idx="1">
+              <a:schemeClr val="accent1"/>
+            </a:fillRef>
+            <a:effectRef idx="0">
+              <a:schemeClr val="accent1"/>
+            </a:effectRef>
+            <a:fontRef idx="minor">
+              <a:schemeClr val="lt1"/>
+            </a:fontRef>
+          </p:style>
+          <p:txBody>
+            <a:bodyPr lIns="144000" tIns="144000" rIns="144000" bIns="144000" anchor="ctr"/>
+            <a:lstStyle/>
+            <a:p>
+              <a:r>
+                <a:rPr lang="en-GB" sz="3200" baseline="-9000" dirty="0">
+                  <a:solidFill>
+                    <a:schemeClr val="bg2">
+                      <a:lumMod val="40000"/>
+                      <a:lumOff val="60000"/>
+                    </a:schemeClr>
+                  </a:solidFill>
+                  <a:effectLst>
+                    <a:glow>
+                      <a:schemeClr val="bg1"/>
+                    </a:glow>
+                  </a:effectLst>
+                </a:rPr>
+                <a:t>🏧</a:t>
+              </a:r>
+              <a:r>
+                <a:rPr lang="en-GB" sz="2400" dirty="0">
+                  <a:solidFill>
+                    <a:sysClr val="windowText" lastClr="000000"/>
+                  </a:solidFill>
+                  <a:latin typeface="+mj-lt"/>
+                  <a:cs typeface="Arial" panose="020B0604020202020204" pitchFamily="34" charset="0"/>
+                </a:rPr>
+                <a:t> ATM co.</a:t>
+              </a:r>
+            </a:p>
+          </p:txBody>
+        </p:sp>
+      </p:grpSp>
+      <p:grpSp>
+        <p:nvGrpSpPr>
+          <p:cNvPr id="43" name="Group 42">
+            <a:extLst>
+              <a:ext uri="{FF2B5EF4-FFF2-40B4-BE49-F238E27FC236}">
+                <a16:creationId xmlns:a16="http://schemas.microsoft.com/office/drawing/2014/main" id="{DD267C8E-8DC1-AD39-B893-D58AE1BC7660}"/>
+              </a:ext>
+            </a:extLst>
+          </p:cNvPr>
+          <p:cNvGrpSpPr/>
+          <p:nvPr/>
+        </p:nvGrpSpPr>
+        <p:grpSpPr>
+          <a:xfrm>
+            <a:off x="6670993" y="4682194"/>
+            <a:ext cx="540635" cy="1033460"/>
+            <a:chOff x="5971132" y="3645743"/>
+            <a:chExt cx="1438957" cy="1375538"/>
+          </a:xfrm>
+        </p:grpSpPr>
+        <p:sp>
+          <p:nvSpPr>
+            <p:cNvPr id="46" name="Rectangle 45">
+              <a:extLst>
+                <a:ext uri="{FF2B5EF4-FFF2-40B4-BE49-F238E27FC236}">
+                  <a16:creationId xmlns:a16="http://schemas.microsoft.com/office/drawing/2014/main" id="{38527B36-2FC5-AB25-CCED-29DA3D6D9A12}"/>
+                </a:ext>
+              </a:extLst>
+            </p:cNvPr>
+            <p:cNvSpPr/>
+            <p:nvPr/>
+          </p:nvSpPr>
+          <p:spPr>
+            <a:xfrm>
+              <a:off x="5971132" y="3860148"/>
+              <a:ext cx="1438957" cy="1161133"/>
+            </a:xfrm>
+            <a:prstGeom prst="rect">
+              <a:avLst/>
+            </a:prstGeom>
+            <a:solidFill>
+              <a:schemeClr val="bg1"/>
+            </a:solidFill>
+            <a:ln w="19050">
+              <a:solidFill>
+                <a:srgbClr val="5A6B86"/>
+              </a:solidFill>
+              <a:prstDash val="solid"/>
+            </a:ln>
+          </p:spPr>
+          <p:style>
+            <a:lnRef idx="2">
+              <a:schemeClr val="accent1">
+                <a:shade val="50000"/>
+              </a:schemeClr>
+            </a:lnRef>
+            <a:fillRef idx="1">
+              <a:schemeClr val="accent1"/>
+            </a:fillRef>
+            <a:effectRef idx="0">
+              <a:schemeClr val="accent1"/>
+            </a:effectRef>
+            <a:fontRef idx="minor">
+              <a:schemeClr val="lt1"/>
+            </a:fontRef>
+          </p:style>
+          <p:txBody>
+            <a:bodyPr lIns="0" tIns="36000" rIns="0" anchor="b"/>
+            <a:lstStyle/>
+            <a:p>
+              <a:pPr marL="15875" algn="ctr" eaLnBrk="1" fontAlgn="auto" hangingPunct="1">
+                <a:spcBef>
+                  <a:spcPts val="0"/>
+                </a:spcBef>
+                <a:spcAft>
+                  <a:spcPts val="0"/>
+                </a:spcAft>
+                <a:defRPr/>
+              </a:pPr>
+              <a:endParaRPr lang="en-US" sz="2000" i="1" dirty="0">
+                <a:solidFill>
+                  <a:schemeClr val="bg2">
+                    <a:lumMod val="40000"/>
+                    <a:lumOff val="60000"/>
+                  </a:schemeClr>
+                </a:solidFill>
+                <a:effectLst>
+                  <a:glow>
+                    <a:schemeClr val="bg1"/>
+                  </a:glow>
+                </a:effectLst>
+              </a:endParaRPr>
+            </a:p>
+            <a:p>
+              <a:pPr marL="15875" algn="ctr" eaLnBrk="1" fontAlgn="auto" hangingPunct="1">
+                <a:spcBef>
+                  <a:spcPts val="0"/>
+                </a:spcBef>
+                <a:spcAft>
+                  <a:spcPts val="0"/>
+                </a:spcAft>
+                <a:defRPr/>
+              </a:pPr>
+              <a:r>
+                <a:rPr lang="en-US" sz="2000" dirty="0">
+                  <a:solidFill>
+                    <a:schemeClr val="bg2">
+                      <a:lumMod val="40000"/>
+                      <a:lumOff val="60000"/>
+                    </a:schemeClr>
+                  </a:solidFill>
+                  <a:effectLst>
+                    <a:glow>
+                      <a:schemeClr val="bg1"/>
+                    </a:glow>
+                  </a:effectLst>
+                </a:rPr>
+                <a:t>#2</a:t>
+              </a:r>
+            </a:p>
+          </p:txBody>
+        </p:sp>
+        <p:sp>
+          <p:nvSpPr>
+            <p:cNvPr id="47" name="TextBox 46">
+              <a:extLst>
+                <a:ext uri="{FF2B5EF4-FFF2-40B4-BE49-F238E27FC236}">
+                  <a16:creationId xmlns:a16="http://schemas.microsoft.com/office/drawing/2014/main" id="{0260C41B-CAC8-D022-06D9-7BBDA1F4E3E3}"/>
+                </a:ext>
+              </a:extLst>
+            </p:cNvPr>
+            <p:cNvSpPr txBox="1"/>
+            <p:nvPr/>
+          </p:nvSpPr>
+          <p:spPr>
+            <a:xfrm>
+              <a:off x="6123794" y="3645743"/>
+              <a:ext cx="1133631" cy="830998"/>
+            </a:xfrm>
+            <a:prstGeom prst="rect">
+              <a:avLst/>
+            </a:prstGeom>
+            <a:noFill/>
+          </p:spPr>
+          <p:txBody>
+            <a:bodyPr wrap="square">
+              <a:spAutoFit/>
+            </a:bodyPr>
+            <a:lstStyle/>
+            <a:p>
+              <a:pPr algn="ctr"/>
+              <a:r>
+                <a:rPr lang="en-GB" sz="4800" baseline="-11000" dirty="0">
+                  <a:solidFill>
+                    <a:schemeClr val="bg2">
+                      <a:lumMod val="40000"/>
+                      <a:lumOff val="60000"/>
+                    </a:schemeClr>
+                  </a:solidFill>
+                  <a:effectLst>
+                    <a:glow>
+                      <a:schemeClr val="bg1"/>
+                    </a:glow>
+                  </a:effectLst>
+                </a:rPr>
+                <a:t>💵</a:t>
+              </a:r>
+              <a:endParaRPr lang="en-US" sz="4800" dirty="0"/>
+            </a:p>
+          </p:txBody>
+        </p:sp>
+      </p:grpSp>
+      <p:sp>
+        <p:nvSpPr>
+          <p:cNvPr id="70" name="TextBox 69">
+            <a:extLst>
+              <a:ext uri="{FF2B5EF4-FFF2-40B4-BE49-F238E27FC236}">
+                <a16:creationId xmlns:a16="http://schemas.microsoft.com/office/drawing/2014/main" id="{3A9D3470-1511-81AF-8F38-A5BC83272F92}"/>
+              </a:ext>
+            </a:extLst>
+          </p:cNvPr>
+          <p:cNvSpPr txBox="1"/>
+          <p:nvPr/>
+        </p:nvSpPr>
+        <p:spPr>
+          <a:xfrm>
+            <a:off x="4695326" y="4339167"/>
+            <a:ext cx="1741137" cy="385592"/>
+          </a:xfrm>
+          <a:prstGeom prst="rect">
+            <a:avLst/>
+          </a:prstGeom>
+          <a:solidFill>
+            <a:schemeClr val="bg1"/>
+          </a:solidFill>
+          <a:ln w="19050">
+            <a:solidFill>
+              <a:srgbClr val="5A6B86"/>
+            </a:solidFill>
+            <a:prstDash val="solid"/>
+          </a:ln>
+        </p:spPr>
+        <p:style>
+          <a:lnRef idx="2">
+            <a:schemeClr val="accent1">
+              <a:shade val="50000"/>
+            </a:schemeClr>
+          </a:lnRef>
+          <a:fillRef idx="1">
+            <a:schemeClr val="accent1"/>
+          </a:fillRef>
+          <a:effectRef idx="0">
+            <a:schemeClr val="accent1"/>
+          </a:effectRef>
+          <a:fontRef idx="minor">
+            <a:schemeClr val="lt1"/>
+          </a:fontRef>
+        </p:style>
+        <p:txBody>
+          <a:bodyPr lIns="0" tIns="36000" rIns="0" anchor="b"/>
+          <a:lstStyle>
+            <a:defPPr>
+              <a:defRPr lang="en-US"/>
+            </a:defPPr>
+            <a:lvl1pPr marL="15875" algn="ctr" fontAlgn="auto">
+              <a:spcBef>
+                <a:spcPts val="0"/>
+              </a:spcBef>
+              <a:spcAft>
+                <a:spcPts val="0"/>
+              </a:spcAft>
+              <a:defRPr sz="2000" i="1">
+                <a:solidFill>
+                  <a:schemeClr val="bg2">
+                    <a:lumMod val="40000"/>
+                    <a:lumOff val="60000"/>
+                  </a:schemeClr>
+                </a:solidFill>
+                <a:effectLst>
+                  <a:glow>
+                    <a:schemeClr val="bg1"/>
+                  </a:glow>
+                </a:effectLst>
+              </a:defRPr>
+            </a:lvl1pPr>
+            <a:lvl2pPr>
+              <a:defRPr>
+                <a:solidFill>
+                  <a:schemeClr val="lt1"/>
+                </a:solidFill>
+              </a:defRPr>
+            </a:lvl2pPr>
+            <a:lvl3pPr>
+              <a:defRPr>
+                <a:solidFill>
+                  <a:schemeClr val="lt1"/>
+                </a:solidFill>
+              </a:defRPr>
+            </a:lvl3pPr>
+            <a:lvl4pPr>
+              <a:defRPr>
+                <a:solidFill>
+                  <a:schemeClr val="lt1"/>
+                </a:solidFill>
+              </a:defRPr>
+            </a:lvl4pPr>
+            <a:lvl5pPr>
+              <a:defRPr>
+                <a:solidFill>
+                  <a:schemeClr val="lt1"/>
+                </a:solidFill>
+              </a:defRPr>
+            </a:lvl5pPr>
+            <a:lvl6pPr>
+              <a:defRPr>
+                <a:solidFill>
+                  <a:schemeClr val="lt1"/>
+                </a:solidFill>
+              </a:defRPr>
+            </a:lvl6pPr>
+            <a:lvl7pPr>
+              <a:defRPr>
+                <a:solidFill>
+                  <a:schemeClr val="lt1"/>
+                </a:solidFill>
+              </a:defRPr>
+            </a:lvl7pPr>
+            <a:lvl8pPr>
+              <a:defRPr>
+                <a:solidFill>
+                  <a:schemeClr val="lt1"/>
+                </a:solidFill>
+              </a:defRPr>
+            </a:lvl8pPr>
+            <a:lvl9pPr>
+              <a:defRPr>
+                <a:solidFill>
+                  <a:schemeClr val="lt1"/>
+                </a:solidFill>
+              </a:defRPr>
+            </a:lvl9pPr>
+          </a:lstStyle>
+          <a:p>
+            <a:r>
+              <a:rPr lang="en-GB" sz="2800" i="0" baseline="-9000" dirty="0"/>
+              <a:t>🦋</a:t>
+            </a:r>
+            <a:r>
+              <a:rPr lang="en-GB" i="0" dirty="0"/>
+              <a:t> ephemeral</a:t>
+            </a:r>
+            <a:endParaRPr lang="en-US" i="0" dirty="0"/>
+          </a:p>
+        </p:txBody>
+      </p:sp>
+      <p:sp>
+        <p:nvSpPr>
+          <p:cNvPr id="71" name="TextBox 70">
+            <a:extLst>
+              <a:ext uri="{FF2B5EF4-FFF2-40B4-BE49-F238E27FC236}">
+                <a16:creationId xmlns:a16="http://schemas.microsoft.com/office/drawing/2014/main" id="{AB83B217-FC5A-B991-C3A7-D2D278CF036D}"/>
+              </a:ext>
+            </a:extLst>
+          </p:cNvPr>
+          <p:cNvSpPr txBox="1"/>
+          <p:nvPr/>
+        </p:nvSpPr>
+        <p:spPr>
+          <a:xfrm>
+            <a:off x="6670596" y="4341112"/>
+            <a:ext cx="540635" cy="385592"/>
+          </a:xfrm>
+          <a:prstGeom prst="rect">
+            <a:avLst/>
+          </a:prstGeom>
+          <a:solidFill>
+            <a:schemeClr val="bg1"/>
+          </a:solidFill>
+          <a:ln w="19050">
+            <a:solidFill>
+              <a:srgbClr val="5A6B86"/>
+            </a:solidFill>
+            <a:prstDash val="solid"/>
+          </a:ln>
+        </p:spPr>
+        <p:style>
+          <a:lnRef idx="2">
+            <a:schemeClr val="accent1">
+              <a:shade val="50000"/>
+            </a:schemeClr>
+          </a:lnRef>
+          <a:fillRef idx="1">
+            <a:schemeClr val="accent1"/>
+          </a:fillRef>
+          <a:effectRef idx="0">
+            <a:schemeClr val="accent1"/>
+          </a:effectRef>
+          <a:fontRef idx="minor">
+            <a:schemeClr val="lt1"/>
+          </a:fontRef>
+        </p:style>
+        <p:txBody>
+          <a:bodyPr lIns="0" tIns="36000" rIns="0" anchor="b"/>
+          <a:lstStyle>
+            <a:defPPr>
+              <a:defRPr lang="en-US"/>
+            </a:defPPr>
+            <a:lvl1pPr marL="15875" algn="ctr" fontAlgn="auto">
+              <a:spcBef>
+                <a:spcPts val="0"/>
+              </a:spcBef>
+              <a:spcAft>
+                <a:spcPts val="0"/>
+              </a:spcAft>
+              <a:defRPr sz="2000" i="1">
+                <a:solidFill>
+                  <a:schemeClr val="bg2">
+                    <a:lumMod val="40000"/>
+                    <a:lumOff val="60000"/>
+                  </a:schemeClr>
+                </a:solidFill>
+                <a:effectLst>
+                  <a:glow>
+                    <a:schemeClr val="bg1"/>
+                  </a:glow>
+                </a:effectLst>
+              </a:defRPr>
+            </a:lvl1pPr>
+            <a:lvl2pPr>
+              <a:defRPr>
+                <a:solidFill>
+                  <a:schemeClr val="lt1"/>
+                </a:solidFill>
+              </a:defRPr>
+            </a:lvl2pPr>
+            <a:lvl3pPr>
+              <a:defRPr>
+                <a:solidFill>
+                  <a:schemeClr val="lt1"/>
+                </a:solidFill>
+              </a:defRPr>
+            </a:lvl3pPr>
+            <a:lvl4pPr>
+              <a:defRPr>
+                <a:solidFill>
+                  <a:schemeClr val="lt1"/>
+                </a:solidFill>
+              </a:defRPr>
+            </a:lvl4pPr>
+            <a:lvl5pPr>
+              <a:defRPr>
+                <a:solidFill>
+                  <a:schemeClr val="lt1"/>
+                </a:solidFill>
+              </a:defRPr>
+            </a:lvl5pPr>
+            <a:lvl6pPr>
+              <a:defRPr>
+                <a:solidFill>
+                  <a:schemeClr val="lt1"/>
+                </a:solidFill>
+              </a:defRPr>
+            </a:lvl6pPr>
+            <a:lvl7pPr>
+              <a:defRPr>
+                <a:solidFill>
+                  <a:schemeClr val="lt1"/>
+                </a:solidFill>
+              </a:defRPr>
+            </a:lvl7pPr>
+            <a:lvl8pPr>
+              <a:defRPr>
+                <a:solidFill>
+                  <a:schemeClr val="lt1"/>
+                </a:solidFill>
+              </a:defRPr>
+            </a:lvl8pPr>
+            <a:lvl9pPr>
+              <a:defRPr>
+                <a:solidFill>
+                  <a:schemeClr val="lt1"/>
+                </a:solidFill>
+              </a:defRPr>
+            </a:lvl9pPr>
+          </a:lstStyle>
+          <a:p>
+            <a:r>
+              <a:rPr lang="en-GB" sz="2800" i="0" baseline="-9000" dirty="0"/>
+              <a:t>🦋</a:t>
+            </a:r>
+            <a:r>
+              <a:rPr lang="en-GB" i="0" dirty="0"/>
+              <a:t>  </a:t>
+            </a:r>
+            <a:endParaRPr lang="en-US" i="0" dirty="0"/>
+          </a:p>
+        </p:txBody>
+      </p:sp>
+      <p:cxnSp>
+        <p:nvCxnSpPr>
+          <p:cNvPr id="72" name="Straight Arrow Connector 12">
+            <a:extLst>
+              <a:ext uri="{FF2B5EF4-FFF2-40B4-BE49-F238E27FC236}">
+                <a16:creationId xmlns:a16="http://schemas.microsoft.com/office/drawing/2014/main" id="{FC6B1AFF-E4D4-0B92-6018-A8BA09934468}"/>
+              </a:ext>
+            </a:extLst>
+          </p:cNvPr>
+          <p:cNvCxnSpPr>
+            <a:cxnSpLocks/>
+            <a:stCxn id="100" idx="0"/>
+            <a:endCxn id="88" idx="1"/>
+          </p:cNvCxnSpPr>
+          <p:nvPr/>
+        </p:nvCxnSpPr>
+        <p:spPr>
+          <a:xfrm rot="5400000" flipH="1" flipV="1">
+            <a:off x="3031700" y="-729734"/>
+            <a:ext cx="266339" cy="2977965"/>
+          </a:xfrm>
+          <a:prstGeom prst="bentConnector2">
+            <a:avLst/>
+          </a:prstGeom>
+          <a:ln>
+            <a:solidFill>
+              <a:schemeClr val="tx1">
+                <a:lumMod val="85000"/>
+              </a:schemeClr>
+            </a:solidFill>
+            <a:tailEnd type="triangle" w="lg" len="lg"/>
+          </a:ln>
+        </p:spPr>
+        <p:style>
+          <a:lnRef idx="3">
+            <a:schemeClr val="accent2"/>
+          </a:lnRef>
+          <a:fillRef idx="0">
+            <a:schemeClr val="accent2"/>
+          </a:fillRef>
+          <a:effectRef idx="2">
+            <a:schemeClr val="accent2"/>
+          </a:effectRef>
+          <a:fontRef idx="minor">
+            <a:schemeClr val="tx1"/>
+          </a:fontRef>
+        </p:style>
+      </p:cxnSp>
+      <p:sp>
+        <p:nvSpPr>
+          <p:cNvPr id="77" name="TextBox 76">
+            <a:extLst>
+              <a:ext uri="{FF2B5EF4-FFF2-40B4-BE49-F238E27FC236}">
+                <a16:creationId xmlns:a16="http://schemas.microsoft.com/office/drawing/2014/main" id="{6ABBAFFF-ABF9-AB24-70AC-D80795ADEFC5}"/>
+              </a:ext>
+            </a:extLst>
+          </p:cNvPr>
+          <p:cNvSpPr txBox="1"/>
+          <p:nvPr/>
+        </p:nvSpPr>
+        <p:spPr>
+          <a:xfrm>
+            <a:off x="7445364" y="4339167"/>
+            <a:ext cx="540635" cy="385592"/>
+          </a:xfrm>
+          <a:prstGeom prst="rect">
+            <a:avLst/>
+          </a:prstGeom>
+          <a:solidFill>
+            <a:schemeClr val="bg1"/>
+          </a:solidFill>
+          <a:ln w="19050">
+            <a:solidFill>
+              <a:srgbClr val="5A6B86"/>
+            </a:solidFill>
+            <a:prstDash val="solid"/>
+          </a:ln>
+        </p:spPr>
+        <p:style>
+          <a:lnRef idx="2">
+            <a:schemeClr val="accent1">
+              <a:shade val="50000"/>
+            </a:schemeClr>
+          </a:lnRef>
+          <a:fillRef idx="1">
+            <a:schemeClr val="accent1"/>
+          </a:fillRef>
+          <a:effectRef idx="0">
+            <a:schemeClr val="accent1"/>
+          </a:effectRef>
+          <a:fontRef idx="minor">
+            <a:schemeClr val="lt1"/>
+          </a:fontRef>
+        </p:style>
+        <p:txBody>
+          <a:bodyPr lIns="0" tIns="36000" rIns="0" anchor="b"/>
+          <a:lstStyle>
+            <a:defPPr>
+              <a:defRPr lang="en-US"/>
+            </a:defPPr>
+            <a:lvl1pPr marL="15875" algn="ctr" fontAlgn="auto">
+              <a:spcBef>
+                <a:spcPts val="0"/>
+              </a:spcBef>
+              <a:spcAft>
+                <a:spcPts val="0"/>
+              </a:spcAft>
+              <a:defRPr sz="2000" i="1">
+                <a:solidFill>
+                  <a:schemeClr val="bg2">
+                    <a:lumMod val="40000"/>
+                    <a:lumOff val="60000"/>
+                  </a:schemeClr>
+                </a:solidFill>
+                <a:effectLst>
+                  <a:glow>
+                    <a:schemeClr val="bg1"/>
+                  </a:glow>
+                </a:effectLst>
+              </a:defRPr>
+            </a:lvl1pPr>
+            <a:lvl2pPr>
+              <a:defRPr>
+                <a:solidFill>
+                  <a:schemeClr val="lt1"/>
+                </a:solidFill>
+              </a:defRPr>
+            </a:lvl2pPr>
+            <a:lvl3pPr>
+              <a:defRPr>
+                <a:solidFill>
+                  <a:schemeClr val="lt1"/>
+                </a:solidFill>
+              </a:defRPr>
+            </a:lvl3pPr>
+            <a:lvl4pPr>
+              <a:defRPr>
+                <a:solidFill>
+                  <a:schemeClr val="lt1"/>
+                </a:solidFill>
+              </a:defRPr>
+            </a:lvl4pPr>
+            <a:lvl5pPr>
+              <a:defRPr>
+                <a:solidFill>
+                  <a:schemeClr val="lt1"/>
+                </a:solidFill>
+              </a:defRPr>
+            </a:lvl5pPr>
+            <a:lvl6pPr>
+              <a:defRPr>
+                <a:solidFill>
+                  <a:schemeClr val="lt1"/>
+                </a:solidFill>
+              </a:defRPr>
+            </a:lvl6pPr>
+            <a:lvl7pPr>
+              <a:defRPr>
+                <a:solidFill>
+                  <a:schemeClr val="lt1"/>
+                </a:solidFill>
+              </a:defRPr>
+            </a:lvl7pPr>
+            <a:lvl8pPr>
+              <a:defRPr>
+                <a:solidFill>
+                  <a:schemeClr val="lt1"/>
+                </a:solidFill>
+              </a:defRPr>
+            </a:lvl8pPr>
+            <a:lvl9pPr>
+              <a:defRPr>
+                <a:solidFill>
+                  <a:schemeClr val="lt1"/>
+                </a:solidFill>
+              </a:defRPr>
+            </a:lvl9pPr>
+          </a:lstStyle>
+          <a:p>
+            <a:r>
+              <a:rPr lang="en-GB" sz="2800" i="0" baseline="-9000" dirty="0"/>
+              <a:t>🦋</a:t>
+            </a:r>
+            <a:r>
+              <a:rPr lang="en-GB" i="0" dirty="0"/>
+              <a:t>  </a:t>
+            </a:r>
+            <a:endParaRPr lang="en-US" i="0" dirty="0"/>
+          </a:p>
+        </p:txBody>
+      </p:sp>
+      <p:grpSp>
+        <p:nvGrpSpPr>
+          <p:cNvPr id="79" name="Group 78">
+            <a:extLst>
+              <a:ext uri="{FF2B5EF4-FFF2-40B4-BE49-F238E27FC236}">
+                <a16:creationId xmlns:a16="http://schemas.microsoft.com/office/drawing/2014/main" id="{0EBF1CD2-2395-8B34-06E6-65F1806E011D}"/>
+              </a:ext>
+            </a:extLst>
+          </p:cNvPr>
+          <p:cNvGrpSpPr/>
+          <p:nvPr/>
+        </p:nvGrpSpPr>
+        <p:grpSpPr>
+          <a:xfrm>
+            <a:off x="7446156" y="4682194"/>
+            <a:ext cx="540635" cy="1033460"/>
+            <a:chOff x="5971132" y="3645743"/>
+            <a:chExt cx="1438957" cy="1375538"/>
+          </a:xfrm>
+        </p:grpSpPr>
+        <p:sp>
+          <p:nvSpPr>
+            <p:cNvPr id="80" name="Rectangle 79">
+              <a:extLst>
+                <a:ext uri="{FF2B5EF4-FFF2-40B4-BE49-F238E27FC236}">
+                  <a16:creationId xmlns:a16="http://schemas.microsoft.com/office/drawing/2014/main" id="{6B423290-F82D-08A3-3DDE-2137258BB929}"/>
+                </a:ext>
+              </a:extLst>
+            </p:cNvPr>
+            <p:cNvSpPr/>
+            <p:nvPr/>
+          </p:nvSpPr>
+          <p:spPr>
+            <a:xfrm>
+              <a:off x="5971132" y="3860148"/>
+              <a:ext cx="1438957" cy="1161133"/>
+            </a:xfrm>
+            <a:prstGeom prst="rect">
+              <a:avLst/>
+            </a:prstGeom>
+            <a:solidFill>
+              <a:schemeClr val="bg1"/>
+            </a:solidFill>
+            <a:ln w="19050">
+              <a:solidFill>
+                <a:srgbClr val="5A6B86"/>
+              </a:solidFill>
+              <a:prstDash val="solid"/>
+            </a:ln>
+          </p:spPr>
+          <p:style>
+            <a:lnRef idx="2">
+              <a:schemeClr val="accent1">
+                <a:shade val="50000"/>
+              </a:schemeClr>
+            </a:lnRef>
+            <a:fillRef idx="1">
+              <a:schemeClr val="accent1"/>
+            </a:fillRef>
+            <a:effectRef idx="0">
+              <a:schemeClr val="accent1"/>
+            </a:effectRef>
+            <a:fontRef idx="minor">
+              <a:schemeClr val="lt1"/>
+            </a:fontRef>
+          </p:style>
+          <p:txBody>
+            <a:bodyPr lIns="0" tIns="36000" rIns="0" anchor="b"/>
+            <a:lstStyle/>
+            <a:p>
+              <a:pPr marL="15875" algn="ctr" eaLnBrk="1" fontAlgn="auto" hangingPunct="1">
+                <a:spcBef>
+                  <a:spcPts val="0"/>
+                </a:spcBef>
+                <a:spcAft>
+                  <a:spcPts val="0"/>
+                </a:spcAft>
+                <a:defRPr/>
+              </a:pPr>
+              <a:endParaRPr lang="en-US" sz="2000" i="1" dirty="0">
+                <a:solidFill>
+                  <a:schemeClr val="bg2">
+                    <a:lumMod val="40000"/>
+                    <a:lumOff val="60000"/>
+                  </a:schemeClr>
+                </a:solidFill>
+                <a:effectLst>
+                  <a:glow>
+                    <a:schemeClr val="bg1"/>
+                  </a:glow>
+                </a:effectLst>
+              </a:endParaRPr>
+            </a:p>
+            <a:p>
+              <a:pPr marL="15875" algn="ctr" eaLnBrk="1" fontAlgn="auto" hangingPunct="1">
+                <a:spcBef>
+                  <a:spcPts val="0"/>
+                </a:spcBef>
+                <a:spcAft>
+                  <a:spcPts val="0"/>
+                </a:spcAft>
+                <a:defRPr/>
+              </a:pPr>
+              <a:r>
+                <a:rPr lang="en-US" sz="2000" dirty="0">
+                  <a:solidFill>
+                    <a:schemeClr val="bg2">
+                      <a:lumMod val="40000"/>
+                      <a:lumOff val="60000"/>
+                    </a:schemeClr>
+                  </a:solidFill>
+                  <a:effectLst>
+                    <a:glow>
+                      <a:schemeClr val="bg1"/>
+                    </a:glow>
+                  </a:effectLst>
+                </a:rPr>
+                <a:t>#N</a:t>
+              </a:r>
+            </a:p>
+          </p:txBody>
+        </p:sp>
+        <p:sp>
+          <p:nvSpPr>
+            <p:cNvPr id="84" name="TextBox 83">
+              <a:extLst>
+                <a:ext uri="{FF2B5EF4-FFF2-40B4-BE49-F238E27FC236}">
+                  <a16:creationId xmlns:a16="http://schemas.microsoft.com/office/drawing/2014/main" id="{A8AC58F9-7F97-E9E9-BE8C-2CA50302A2BC}"/>
+                </a:ext>
+              </a:extLst>
+            </p:cNvPr>
+            <p:cNvSpPr txBox="1"/>
+            <p:nvPr/>
+          </p:nvSpPr>
+          <p:spPr>
+            <a:xfrm>
+              <a:off x="6123794" y="3645743"/>
+              <a:ext cx="1133631" cy="830998"/>
+            </a:xfrm>
+            <a:prstGeom prst="rect">
+              <a:avLst/>
+            </a:prstGeom>
+            <a:noFill/>
+          </p:spPr>
+          <p:txBody>
+            <a:bodyPr wrap="square">
+              <a:spAutoFit/>
+            </a:bodyPr>
+            <a:lstStyle/>
+            <a:p>
+              <a:pPr algn="ctr"/>
+              <a:r>
+                <a:rPr lang="en-GB" sz="4800" baseline="-11000" dirty="0">
+                  <a:solidFill>
+                    <a:schemeClr val="bg2">
+                      <a:lumMod val="40000"/>
+                      <a:lumOff val="60000"/>
+                    </a:schemeClr>
+                  </a:solidFill>
+                  <a:effectLst>
+                    <a:glow>
+                      <a:schemeClr val="bg1"/>
+                    </a:glow>
+                  </a:effectLst>
+                </a:rPr>
+                <a:t>💵</a:t>
+              </a:r>
+              <a:endParaRPr lang="en-US" sz="4800" dirty="0"/>
+            </a:p>
+          </p:txBody>
+        </p:sp>
+      </p:grpSp>
+      <p:sp>
+        <p:nvSpPr>
+          <p:cNvPr id="88" name="Rectangle 87">
+            <a:extLst>
+              <a:ext uri="{FF2B5EF4-FFF2-40B4-BE49-F238E27FC236}">
+                <a16:creationId xmlns:a16="http://schemas.microsoft.com/office/drawing/2014/main" id="{240656B1-C122-6E7D-FDD5-E202396EA45B}"/>
+              </a:ext>
+            </a:extLst>
+          </p:cNvPr>
+          <p:cNvSpPr/>
+          <p:nvPr/>
+        </p:nvSpPr>
+        <p:spPr>
+          <a:xfrm>
+            <a:off x="4653852" y="431949"/>
+            <a:ext cx="1955590" cy="388257"/>
+          </a:xfrm>
+          <a:prstGeom prst="rect">
+            <a:avLst/>
+          </a:prstGeom>
+          <a:solidFill>
+            <a:schemeClr val="bg1"/>
+          </a:solidFill>
+          <a:ln w="19050">
+            <a:solidFill>
+              <a:srgbClr val="5A6B86"/>
+            </a:solidFill>
+            <a:prstDash val="solid"/>
+          </a:ln>
+        </p:spPr>
+        <p:style>
+          <a:lnRef idx="2">
+            <a:schemeClr val="accent1">
+              <a:shade val="50000"/>
+            </a:schemeClr>
+          </a:lnRef>
+          <a:fillRef idx="1">
+            <a:schemeClr val="accent1"/>
+          </a:fillRef>
+          <a:effectRef idx="0">
+            <a:schemeClr val="accent1"/>
+          </a:effectRef>
+          <a:fontRef idx="minor">
+            <a:schemeClr val="lt1"/>
+          </a:fontRef>
+        </p:style>
+        <p:txBody>
+          <a:bodyPr tIns="36000" rIns="0"/>
+          <a:lstStyle/>
+          <a:p>
+            <a:pPr marL="312738" indent="-304800" eaLnBrk="1" fontAlgn="auto" hangingPunct="1">
+              <a:spcBef>
+                <a:spcPts val="0"/>
+              </a:spcBef>
+              <a:spcAft>
+                <a:spcPts val="0"/>
+              </a:spcAft>
+              <a:defRPr/>
+            </a:pPr>
+            <a:r>
+              <a:rPr lang="en-GB" sz="2800" baseline="-11000" dirty="0">
+                <a:solidFill>
+                  <a:schemeClr val="bg2">
+                    <a:lumMod val="40000"/>
+                    <a:lumOff val="60000"/>
+                  </a:schemeClr>
+                </a:solidFill>
+                <a:effectLst>
+                  <a:glow>
+                    <a:schemeClr val="bg1"/>
+                  </a:glow>
+                </a:effectLst>
+              </a:rPr>
+              <a:t>🔆 </a:t>
+            </a:r>
+            <a:r>
+              <a:rPr lang="en-US" sz="2000" dirty="0">
+                <a:solidFill>
+                  <a:schemeClr val="bg2">
+                    <a:lumMod val="40000"/>
+                    <a:lumOff val="60000"/>
+                  </a:schemeClr>
+                </a:solidFill>
+                <a:effectLst>
+                  <a:glow>
+                    <a:schemeClr val="bg1"/>
+                  </a:glow>
+                </a:effectLst>
+              </a:rPr>
+              <a:t>ATM locator</a:t>
+            </a:r>
+          </a:p>
+        </p:txBody>
+      </p:sp>
+      <p:grpSp>
+        <p:nvGrpSpPr>
+          <p:cNvPr id="95" name="Group 94">
+            <a:extLst>
+              <a:ext uri="{FF2B5EF4-FFF2-40B4-BE49-F238E27FC236}">
+                <a16:creationId xmlns:a16="http://schemas.microsoft.com/office/drawing/2014/main" id="{E80896A0-74E3-52D7-C8CB-03364BB54797}"/>
+              </a:ext>
+            </a:extLst>
+          </p:cNvPr>
+          <p:cNvGrpSpPr/>
+          <p:nvPr/>
+        </p:nvGrpSpPr>
+        <p:grpSpPr>
+          <a:xfrm>
+            <a:off x="222816" y="884912"/>
+            <a:ext cx="2906142" cy="1446550"/>
+            <a:chOff x="882399" y="719544"/>
+            <a:chExt cx="2906142" cy="1446550"/>
+          </a:xfrm>
+        </p:grpSpPr>
+        <p:grpSp>
+          <p:nvGrpSpPr>
+            <p:cNvPr id="97" name="Group 96">
+              <a:extLst>
+                <a:ext uri="{FF2B5EF4-FFF2-40B4-BE49-F238E27FC236}">
+                  <a16:creationId xmlns:a16="http://schemas.microsoft.com/office/drawing/2014/main" id="{B737C00F-4549-8585-9121-AE49BC314DA9}"/>
+                </a:ext>
+              </a:extLst>
+            </p:cNvPr>
+            <p:cNvGrpSpPr/>
+            <p:nvPr/>
+          </p:nvGrpSpPr>
+          <p:grpSpPr>
+            <a:xfrm>
+              <a:off x="882399" y="727049"/>
+              <a:ext cx="2906142" cy="1376872"/>
+              <a:chOff x="5578804" y="162390"/>
+              <a:chExt cx="2906142" cy="1376872"/>
+            </a:xfrm>
+          </p:grpSpPr>
+          <p:sp>
+            <p:nvSpPr>
+              <p:cNvPr id="100" name="Rectangle 99">
+                <a:extLst>
+                  <a:ext uri="{FF2B5EF4-FFF2-40B4-BE49-F238E27FC236}">
+                    <a16:creationId xmlns:a16="http://schemas.microsoft.com/office/drawing/2014/main" id="{EAA2A76A-AC4A-0FCC-1741-0A7319A80176}"/>
+                  </a:ext>
+                </a:extLst>
+              </p:cNvPr>
+              <p:cNvSpPr/>
+              <p:nvPr/>
+            </p:nvSpPr>
+            <p:spPr>
+              <a:xfrm>
+                <a:off x="5578804" y="162390"/>
+                <a:ext cx="2906142" cy="1316816"/>
+              </a:xfrm>
+              <a:prstGeom prst="rect">
+                <a:avLst/>
+              </a:prstGeom>
+              <a:solidFill>
+                <a:schemeClr val="bg1">
+                  <a:lumMod val="85000"/>
+                  <a:lumOff val="15000"/>
+                </a:schemeClr>
+              </a:solidFill>
+              <a:ln w="12700">
+                <a:solidFill>
+                  <a:srgbClr val="5A6B86"/>
+                </a:solidFill>
+                <a:prstDash val="dash"/>
+              </a:ln>
+            </p:spPr>
+            <p:style>
+              <a:lnRef idx="2">
+                <a:schemeClr val="accent1">
+                  <a:shade val="50000"/>
+                </a:schemeClr>
+              </a:lnRef>
+              <a:fillRef idx="1">
+                <a:schemeClr val="accent1"/>
+              </a:fillRef>
+              <a:effectRef idx="0">
+                <a:schemeClr val="accent1"/>
+              </a:effectRef>
+              <a:fontRef idx="minor">
+                <a:schemeClr val="lt1"/>
+              </a:fontRef>
+            </p:style>
+            <p:txBody>
+              <a:bodyPr tIns="36000"/>
+              <a:lstStyle/>
+              <a:p>
+                <a:endParaRPr lang="en-US" sz="2000" dirty="0">
+                  <a:solidFill>
+                    <a:schemeClr val="bg2">
+                      <a:lumMod val="40000"/>
+                      <a:lumOff val="60000"/>
+                    </a:schemeClr>
+                  </a:solidFill>
+                  <a:effectLst>
+                    <a:glow>
+                      <a:schemeClr val="bg1"/>
+                    </a:glow>
+                  </a:effectLst>
+                </a:endParaRPr>
+              </a:p>
+            </p:txBody>
+          </p:sp>
+          <p:sp>
+            <p:nvSpPr>
+              <p:cNvPr id="101" name="Rectangle 100">
+                <a:extLst>
+                  <a:ext uri="{FF2B5EF4-FFF2-40B4-BE49-F238E27FC236}">
+                    <a16:creationId xmlns:a16="http://schemas.microsoft.com/office/drawing/2014/main" id="{A8D1623D-EFFA-9DA0-24E5-10420C43AC2B}"/>
+                  </a:ext>
+                </a:extLst>
+              </p:cNvPr>
+              <p:cNvSpPr/>
+              <p:nvPr/>
+            </p:nvSpPr>
+            <p:spPr>
+              <a:xfrm>
+                <a:off x="6593268" y="253686"/>
+                <a:ext cx="1791009" cy="562183"/>
+              </a:xfrm>
+              <a:prstGeom prst="rect">
+                <a:avLst/>
+              </a:prstGeom>
+              <a:solidFill>
+                <a:schemeClr val="tx1">
+                  <a:lumMod val="95000"/>
+                </a:schemeClr>
+              </a:solidFill>
+              <a:ln w="28575">
+                <a:solidFill>
+                  <a:schemeClr val="tx1">
+                    <a:lumMod val="50000"/>
+                  </a:schemeClr>
+                </a:solidFill>
+                <a:prstDash val="solid"/>
+              </a:ln>
+            </p:spPr>
+            <p:style>
+              <a:lnRef idx="2">
+                <a:schemeClr val="accent1">
+                  <a:shade val="50000"/>
+                </a:schemeClr>
+              </a:lnRef>
+              <a:fillRef idx="1">
+                <a:schemeClr val="accent1"/>
+              </a:fillRef>
+              <a:effectRef idx="0">
+                <a:schemeClr val="accent1"/>
+              </a:effectRef>
+              <a:fontRef idx="minor">
+                <a:schemeClr val="lt1"/>
+              </a:fontRef>
+            </p:style>
+            <p:txBody>
+              <a:bodyPr lIns="144000" tIns="144000" rIns="144000" bIns="144000" anchor="ctr"/>
+              <a:lstStyle/>
+              <a:p>
+                <a:r>
+                  <a:rPr lang="en-GB" sz="2400" dirty="0">
+                    <a:solidFill>
+                      <a:sysClr val="windowText" lastClr="000000"/>
+                    </a:solidFill>
+                    <a:latin typeface="+mj-lt"/>
+                    <a:cs typeface="Arial" panose="020B0604020202020204" pitchFamily="34" charset="0"/>
+                  </a:rPr>
+                  <a:t>    Wallet</a:t>
+                </a:r>
+              </a:p>
+            </p:txBody>
+          </p:sp>
+          <p:sp>
+            <p:nvSpPr>
+              <p:cNvPr id="102" name="Rectangle 101">
+                <a:extLst>
+                  <a:ext uri="{FF2B5EF4-FFF2-40B4-BE49-F238E27FC236}">
+                    <a16:creationId xmlns:a16="http://schemas.microsoft.com/office/drawing/2014/main" id="{99F54B82-AEC5-4070-5714-15469B6ED7F3}"/>
+                  </a:ext>
+                </a:extLst>
+              </p:cNvPr>
+              <p:cNvSpPr/>
+              <p:nvPr/>
+            </p:nvSpPr>
+            <p:spPr>
+              <a:xfrm>
+                <a:off x="7229651" y="898992"/>
+                <a:ext cx="530040" cy="482053"/>
+              </a:xfrm>
+              <a:prstGeom prst="rect">
+                <a:avLst/>
+              </a:prstGeom>
+              <a:solidFill>
+                <a:schemeClr val="tx1">
+                  <a:lumMod val="95000"/>
+                </a:schemeClr>
+              </a:solidFill>
+              <a:ln w="28575">
+                <a:solidFill>
+                  <a:schemeClr val="tx1">
+                    <a:lumMod val="50000"/>
+                  </a:schemeClr>
+                </a:solidFill>
+                <a:prstDash val="solid"/>
+              </a:ln>
+            </p:spPr>
+            <p:style>
+              <a:lnRef idx="2">
+                <a:schemeClr val="accent1">
+                  <a:shade val="50000"/>
+                </a:schemeClr>
+              </a:lnRef>
+              <a:fillRef idx="1">
+                <a:schemeClr val="accent1"/>
+              </a:fillRef>
+              <a:effectRef idx="0">
+                <a:schemeClr val="accent1"/>
+              </a:effectRef>
+              <a:fontRef idx="minor">
+                <a:schemeClr val="lt1"/>
+              </a:fontRef>
+            </p:style>
+            <p:txBody>
+              <a:bodyPr lIns="144000" tIns="144000" rIns="144000" bIns="144000" anchor="ctr"/>
+              <a:lstStyle/>
+              <a:p>
+                <a:pPr>
+                  <a:lnSpc>
+                    <a:spcPts val="1500"/>
+                  </a:lnSpc>
+                  <a:defRPr/>
+                </a:pPr>
+                <a:r>
+                  <a:rPr lang="en-GB" sz="3200" baseline="-9000" dirty="0">
+                    <a:solidFill>
+                      <a:schemeClr val="bg2">
+                        <a:lumMod val="40000"/>
+                        <a:lumOff val="60000"/>
+                      </a:schemeClr>
+                    </a:solidFill>
+                    <a:effectLst>
+                      <a:glow>
+                        <a:schemeClr val="bg1"/>
+                      </a:glow>
+                    </a:effectLst>
+                  </a:rPr>
+                  <a:t> 📣</a:t>
+                </a:r>
+                <a:endParaRPr lang="en-GB" sz="2400" dirty="0">
+                  <a:solidFill>
+                    <a:sysClr val="windowText" lastClr="000000"/>
+                  </a:solidFill>
+                  <a:latin typeface="+mj-lt"/>
+                  <a:cs typeface="Arial" panose="020B0604020202020204" pitchFamily="34" charset="0"/>
+                </a:endParaRPr>
+              </a:p>
+            </p:txBody>
+          </p:sp>
+          <p:sp>
+            <p:nvSpPr>
+              <p:cNvPr id="103" name="Rectangle 102">
+                <a:extLst>
+                  <a:ext uri="{FF2B5EF4-FFF2-40B4-BE49-F238E27FC236}">
+                    <a16:creationId xmlns:a16="http://schemas.microsoft.com/office/drawing/2014/main" id="{E5A35067-FA38-553F-D9E7-65FC61F78A0E}"/>
+                  </a:ext>
+                </a:extLst>
+              </p:cNvPr>
+              <p:cNvSpPr/>
+              <p:nvPr/>
+            </p:nvSpPr>
+            <p:spPr>
+              <a:xfrm>
+                <a:off x="7861924" y="898991"/>
+                <a:ext cx="530040" cy="482053"/>
+              </a:xfrm>
+              <a:prstGeom prst="rect">
+                <a:avLst/>
+              </a:prstGeom>
+              <a:solidFill>
+                <a:schemeClr val="tx1">
+                  <a:lumMod val="95000"/>
+                </a:schemeClr>
+              </a:solidFill>
+              <a:ln w="28575">
+                <a:solidFill>
+                  <a:schemeClr val="tx1">
+                    <a:lumMod val="50000"/>
+                  </a:schemeClr>
+                </a:solidFill>
+                <a:prstDash val="solid"/>
+              </a:ln>
+            </p:spPr>
+            <p:style>
+              <a:lnRef idx="2">
+                <a:schemeClr val="accent1">
+                  <a:shade val="50000"/>
+                </a:schemeClr>
+              </a:lnRef>
+              <a:fillRef idx="1">
+                <a:schemeClr val="accent1"/>
+              </a:fillRef>
+              <a:effectRef idx="0">
+                <a:schemeClr val="accent1"/>
+              </a:effectRef>
+              <a:fontRef idx="minor">
+                <a:schemeClr val="lt1"/>
+              </a:fontRef>
+            </p:style>
+            <p:txBody>
+              <a:bodyPr lIns="144000" tIns="144000" rIns="144000" bIns="144000" anchor="ctr"/>
+              <a:lstStyle/>
+              <a:p>
+                <a:pPr>
+                  <a:lnSpc>
+                    <a:spcPts val="1500"/>
+                  </a:lnSpc>
+                  <a:defRPr/>
+                </a:pPr>
+                <a:r>
+                  <a:rPr lang="en-GB" sz="3200" baseline="-9000" dirty="0">
+                    <a:solidFill>
+                      <a:schemeClr val="bg2">
+                        <a:lumMod val="40000"/>
+                        <a:lumOff val="60000"/>
+                      </a:schemeClr>
+                    </a:solidFill>
+                    <a:effectLst>
+                      <a:glow>
+                        <a:schemeClr val="bg1"/>
+                      </a:glow>
+                    </a:effectLst>
+                  </a:rPr>
+                  <a:t> </a:t>
+                </a:r>
+                <a:r>
+                  <a:rPr lang="en-GB" sz="3200" baseline="-10000" dirty="0"/>
+                  <a:t>📱</a:t>
+                </a:r>
+                <a:endParaRPr lang="en-GB" sz="2400" dirty="0">
+                  <a:solidFill>
+                    <a:sysClr val="windowText" lastClr="000000"/>
+                  </a:solidFill>
+                  <a:latin typeface="+mj-lt"/>
+                  <a:cs typeface="Arial" panose="020B0604020202020204" pitchFamily="34" charset="0"/>
+                </a:endParaRPr>
+              </a:p>
+            </p:txBody>
+          </p:sp>
+          <p:sp>
+            <p:nvSpPr>
+              <p:cNvPr id="104" name="Rectangle 103">
+                <a:extLst>
+                  <a:ext uri="{FF2B5EF4-FFF2-40B4-BE49-F238E27FC236}">
+                    <a16:creationId xmlns:a16="http://schemas.microsoft.com/office/drawing/2014/main" id="{7837B98A-1045-7C2B-FAC8-EC9AA34D4B37}"/>
+                  </a:ext>
+                </a:extLst>
+              </p:cNvPr>
+              <p:cNvSpPr/>
+              <p:nvPr/>
+            </p:nvSpPr>
+            <p:spPr>
+              <a:xfrm>
+                <a:off x="6589696" y="898992"/>
+                <a:ext cx="530040" cy="482053"/>
+              </a:xfrm>
+              <a:prstGeom prst="rect">
+                <a:avLst/>
+              </a:prstGeom>
+              <a:solidFill>
+                <a:schemeClr val="tx1">
+                  <a:lumMod val="95000"/>
+                </a:schemeClr>
+              </a:solidFill>
+              <a:ln w="28575">
+                <a:solidFill>
+                  <a:schemeClr val="tx1">
+                    <a:lumMod val="50000"/>
+                  </a:schemeClr>
+                </a:solidFill>
+                <a:prstDash val="solid"/>
+              </a:ln>
+            </p:spPr>
+            <p:style>
+              <a:lnRef idx="2">
+                <a:schemeClr val="accent1">
+                  <a:shade val="50000"/>
+                </a:schemeClr>
+              </a:lnRef>
+              <a:fillRef idx="1">
+                <a:schemeClr val="accent1"/>
+              </a:fillRef>
+              <a:effectRef idx="0">
+                <a:schemeClr val="accent1"/>
+              </a:effectRef>
+              <a:fontRef idx="minor">
+                <a:schemeClr val="lt1"/>
+              </a:fontRef>
+            </p:style>
+            <p:txBody>
+              <a:bodyPr lIns="144000" tIns="144000" rIns="144000" bIns="144000" anchor="ctr"/>
+              <a:lstStyle/>
+              <a:p>
+                <a:pPr>
+                  <a:lnSpc>
+                    <a:spcPts val="1500"/>
+                  </a:lnSpc>
+                  <a:defRPr/>
+                </a:pPr>
+                <a:r>
+                  <a:rPr lang="en-GB" sz="3200" baseline="-9000" dirty="0">
+                    <a:solidFill>
+                      <a:schemeClr val="bg2">
+                        <a:lumMod val="40000"/>
+                        <a:lumOff val="60000"/>
+                      </a:schemeClr>
+                    </a:solidFill>
+                    <a:effectLst>
+                      <a:glow>
+                        <a:schemeClr val="bg1"/>
+                      </a:glow>
+                    </a:effectLst>
+                  </a:rPr>
+                  <a:t>  </a:t>
+                </a:r>
+                <a:endParaRPr lang="en-GB" sz="2400" dirty="0">
+                  <a:solidFill>
+                    <a:sysClr val="windowText" lastClr="000000"/>
+                  </a:solidFill>
+                  <a:latin typeface="+mj-lt"/>
+                  <a:cs typeface="Arial" panose="020B0604020202020204" pitchFamily="34" charset="0"/>
+                </a:endParaRPr>
+              </a:p>
+            </p:txBody>
+          </p:sp>
+          <p:sp>
+            <p:nvSpPr>
+              <p:cNvPr id="107" name="TextBox 106">
+                <a:extLst>
+                  <a:ext uri="{FF2B5EF4-FFF2-40B4-BE49-F238E27FC236}">
+                    <a16:creationId xmlns:a16="http://schemas.microsoft.com/office/drawing/2014/main" id="{2725FF37-354C-C613-3A0B-6F9D2C46F428}"/>
+                  </a:ext>
+                </a:extLst>
+              </p:cNvPr>
+              <p:cNvSpPr txBox="1"/>
+              <p:nvPr/>
+            </p:nvSpPr>
+            <p:spPr>
+              <a:xfrm>
+                <a:off x="6576210" y="769821"/>
+                <a:ext cx="502683" cy="769441"/>
+              </a:xfrm>
+              <a:prstGeom prst="rect">
+                <a:avLst/>
+              </a:prstGeom>
+              <a:noFill/>
+            </p:spPr>
+            <p:txBody>
+              <a:bodyPr wrap="square">
+                <a:spAutoFit/>
+              </a:bodyPr>
+              <a:lstStyle/>
+              <a:p>
+                <a:r>
+                  <a:rPr lang="en-GB" sz="4400" baseline="-9000" dirty="0">
+                    <a:solidFill>
+                      <a:schemeClr val="bg2">
+                        <a:lumMod val="40000"/>
+                        <a:lumOff val="60000"/>
+                      </a:schemeClr>
+                    </a:solidFill>
+                    <a:effectLst>
+                      <a:glow>
+                        <a:schemeClr val="bg1"/>
+                      </a:glow>
+                    </a:effectLst>
+                  </a:rPr>
+                  <a:t>🤵</a:t>
+                </a:r>
+                <a:endParaRPr lang="en-US" sz="4400" dirty="0"/>
+              </a:p>
+            </p:txBody>
+          </p:sp>
+          <p:sp>
+            <p:nvSpPr>
+              <p:cNvPr id="108" name="TextBox 107">
+                <a:extLst>
+                  <a:ext uri="{FF2B5EF4-FFF2-40B4-BE49-F238E27FC236}">
+                    <a16:creationId xmlns:a16="http://schemas.microsoft.com/office/drawing/2014/main" id="{E471EFF6-3217-275B-A710-35DA155E57A0}"/>
+                  </a:ext>
+                </a:extLst>
+              </p:cNvPr>
+              <p:cNvSpPr txBox="1"/>
+              <p:nvPr/>
+            </p:nvSpPr>
+            <p:spPr>
+              <a:xfrm>
+                <a:off x="6606493" y="192605"/>
+                <a:ext cx="574389" cy="646331"/>
+              </a:xfrm>
+              <a:prstGeom prst="rect">
+                <a:avLst/>
+              </a:prstGeom>
+              <a:noFill/>
+            </p:spPr>
+            <p:txBody>
+              <a:bodyPr wrap="square">
+                <a:spAutoFit/>
+              </a:bodyPr>
+              <a:lstStyle/>
+              <a:p>
+                <a:r>
+                  <a:rPr lang="en-GB" sz="3600" baseline="-9000" dirty="0">
+                    <a:solidFill>
+                      <a:schemeClr val="bg2">
+                        <a:lumMod val="40000"/>
+                        <a:lumOff val="60000"/>
+                      </a:schemeClr>
+                    </a:solidFill>
+                    <a:effectLst>
+                      <a:glow>
+                        <a:schemeClr val="bg1"/>
+                      </a:glow>
+                    </a:effectLst>
+                  </a:rPr>
+                  <a:t>🧑‍🦰</a:t>
+                </a:r>
+                <a:endParaRPr lang="en-US" sz="3600" dirty="0"/>
+              </a:p>
+            </p:txBody>
+          </p:sp>
+        </p:grpSp>
+        <p:sp>
+          <p:nvSpPr>
+            <p:cNvPr id="98" name="TextBox 97">
+              <a:extLst>
+                <a:ext uri="{FF2B5EF4-FFF2-40B4-BE49-F238E27FC236}">
+                  <a16:creationId xmlns:a16="http://schemas.microsoft.com/office/drawing/2014/main" id="{2A24145E-01F9-334D-07CD-C8BCE324D858}"/>
+                </a:ext>
+              </a:extLst>
+            </p:cNvPr>
+            <p:cNvSpPr txBox="1"/>
+            <p:nvPr/>
+          </p:nvSpPr>
+          <p:spPr>
+            <a:xfrm>
+              <a:off x="883786" y="719544"/>
+              <a:ext cx="1005166" cy="1446550"/>
+            </a:xfrm>
+            <a:prstGeom prst="rect">
+              <a:avLst/>
+            </a:prstGeom>
+            <a:noFill/>
+          </p:spPr>
+          <p:txBody>
+            <a:bodyPr wrap="square">
+              <a:spAutoFit/>
+            </a:bodyPr>
+            <a:lstStyle/>
+            <a:p>
+              <a:pPr algn="ctr"/>
+              <a:r>
+                <a:rPr lang="en-GB" sz="8800" baseline="-9000" dirty="0">
+                  <a:solidFill>
+                    <a:schemeClr val="bg2">
+                      <a:lumMod val="40000"/>
+                      <a:lumOff val="60000"/>
+                    </a:schemeClr>
+                  </a:solidFill>
+                  <a:effectLst>
+                    <a:glow>
+                      <a:schemeClr val="bg1"/>
+                    </a:glow>
+                  </a:effectLst>
+                </a:rPr>
+                <a:t>🧑‍🦰</a:t>
+              </a:r>
+              <a:endParaRPr lang="en-GB" sz="8800" dirty="0"/>
+            </a:p>
+          </p:txBody>
+        </p:sp>
+        <p:sp>
+          <p:nvSpPr>
+            <p:cNvPr id="99" name="Content Placeholder 2">
+              <a:extLst>
+                <a:ext uri="{FF2B5EF4-FFF2-40B4-BE49-F238E27FC236}">
+                  <a16:creationId xmlns:a16="http://schemas.microsoft.com/office/drawing/2014/main" id="{DA02FA29-A6CA-5C12-9C08-39843151E5DC}"/>
+                </a:ext>
+              </a:extLst>
+            </p:cNvPr>
+            <p:cNvSpPr txBox="1">
+              <a:spLocks/>
+            </p:cNvSpPr>
+            <p:nvPr/>
+          </p:nvSpPr>
+          <p:spPr>
+            <a:xfrm>
+              <a:off x="905366" y="753629"/>
+              <a:ext cx="962007" cy="400110"/>
+            </a:xfrm>
+            <a:prstGeom prst="rect">
+              <a:avLst/>
+            </a:prstGeom>
+          </p:spPr>
+          <p:txBody>
+            <a:bodyPr wrap="square">
+              <a:spAutoFit/>
+            </a:bodyPr>
+            <a:lstStyle>
+              <a:lvl1pPr marL="228600" indent="-228600" algn="l" defTabSz="914400" rtl="0" eaLnBrk="1" latinLnBrk="0" hangingPunct="1">
+                <a:lnSpc>
+                  <a:spcPct val="90000"/>
+                </a:lnSpc>
+                <a:spcBef>
+                  <a:spcPts val="0"/>
+                </a:spcBef>
+                <a:spcAft>
+                  <a:spcPts val="1200"/>
+                </a:spcAft>
+                <a:buSzPct val="90000"/>
+                <a:buFont typeface="Amazon Ember" panose="020B0603020204020204" pitchFamily="34" charset="0"/>
+                <a:buChar char="•"/>
+                <a:defRPr sz="2800" kern="1200">
+                  <a:solidFill>
+                    <a:schemeClr val="tx1"/>
+                  </a:solidFill>
+                  <a:latin typeface="+mn-lt"/>
+                  <a:ea typeface="+mn-ea"/>
+                  <a:cs typeface="+mn-cs"/>
+                </a:defRPr>
+              </a:lvl1pPr>
+              <a:lvl2pPr marL="457200" indent="-228600" algn="l" defTabSz="914400" rtl="0" eaLnBrk="1" latinLnBrk="0" hangingPunct="1">
+                <a:lnSpc>
+                  <a:spcPct val="90000"/>
+                </a:lnSpc>
+                <a:spcBef>
+                  <a:spcPts val="0"/>
+                </a:spcBef>
+                <a:spcAft>
+                  <a:spcPts val="1200"/>
+                </a:spcAft>
+                <a:buSzPct val="90000"/>
+                <a:buFont typeface="Wingdings" panose="05000000000000000000" pitchFamily="2" charset="2"/>
+                <a:buChar char="§"/>
+                <a:defRPr sz="2400" kern="1200">
+                  <a:solidFill>
+                    <a:schemeClr val="tx1"/>
+                  </a:solidFill>
+                  <a:latin typeface="+mn-lt"/>
+                  <a:ea typeface="+mn-ea"/>
+                  <a:cs typeface="+mn-cs"/>
+                </a:defRPr>
+              </a:lvl2pPr>
+              <a:lvl3pPr marL="685800" indent="-228600" algn="l" defTabSz="914400" rtl="0" eaLnBrk="1" latinLnBrk="0" hangingPunct="1">
+                <a:lnSpc>
+                  <a:spcPct val="90000"/>
+                </a:lnSpc>
+                <a:spcBef>
+                  <a:spcPts val="0"/>
+                </a:spcBef>
+                <a:spcAft>
+                  <a:spcPts val="1200"/>
+                </a:spcAft>
+                <a:buSzPct val="90000"/>
+                <a:buFont typeface="Amazon Ember" panose="020B0603020204020204" pitchFamily="34" charset="0"/>
+                <a:buChar char="–"/>
+                <a:defRPr sz="2000" kern="1200">
+                  <a:solidFill>
+                    <a:schemeClr val="tx1"/>
+                  </a:solidFill>
+                  <a:latin typeface="+mn-lt"/>
+                  <a:ea typeface="+mn-ea"/>
+                  <a:cs typeface="+mn-cs"/>
+                </a:defRPr>
+              </a:lvl3pPr>
+              <a:lvl4pPr marL="914400" indent="-228600" algn="l" defTabSz="914400" rtl="0" eaLnBrk="1" latinLnBrk="0" hangingPunct="1">
+                <a:lnSpc>
+                  <a:spcPct val="90000"/>
+                </a:lnSpc>
+                <a:spcBef>
+                  <a:spcPts val="0"/>
+                </a:spcBef>
+                <a:spcAft>
+                  <a:spcPts val="1200"/>
+                </a:spcAft>
+                <a:buFont typeface="Amazon Ember" panose="020B0603020204020204" pitchFamily="34" charset="0"/>
+                <a:buChar char="•"/>
+                <a:defRPr sz="1800" kern="1200">
+                  <a:solidFill>
+                    <a:schemeClr val="tx1"/>
+                  </a:solidFill>
+                  <a:latin typeface="+mn-lt"/>
+                  <a:ea typeface="+mn-ea"/>
+                  <a:cs typeface="+mn-cs"/>
+                </a:defRPr>
+              </a:lvl4pPr>
+              <a:lvl5pPr marL="1143000" indent="-228600" algn="l" defTabSz="914400" rtl="0" eaLnBrk="1" latinLnBrk="0" hangingPunct="1">
+                <a:lnSpc>
+                  <a:spcPct val="90000"/>
+                </a:lnSpc>
+                <a:spcBef>
+                  <a:spcPts val="0"/>
+                </a:spcBef>
+                <a:spcAft>
+                  <a:spcPts val="1200"/>
+                </a:spcAft>
+                <a:buFont typeface="Amazon Ember" panose="020B0603020204020204" pitchFamily="34" charset="0"/>
+                <a:buChar char="•"/>
+                <a:defRPr sz="1800" kern="1200">
+                  <a:solidFill>
+                    <a:schemeClr val="tx1"/>
+                  </a:solidFill>
+                  <a:latin typeface="+mn-lt"/>
+                  <a:ea typeface="+mn-ea"/>
+                  <a:cs typeface="+mn-cs"/>
+                </a:defRPr>
+              </a:lvl5pPr>
+              <a:lvl6pPr marL="2514600" indent="-228600" algn="l" defTabSz="914400" rtl="0" eaLnBrk="1" latinLnBrk="0" hangingPunct="1">
+                <a:lnSpc>
+                  <a:spcPct val="90000"/>
+                </a:lnSpc>
+                <a:spcBef>
+                  <a:spcPts val="500"/>
+                </a:spcBef>
+                <a:buFont typeface="Amazon Ember" panose="020B0603020204020204" pitchFamily="34" charset="0"/>
+                <a:buChar char="•"/>
+                <a:defRPr sz="1800" kern="1200">
+                  <a:solidFill>
+                    <a:schemeClr val="tx1"/>
+                  </a:solidFill>
+                  <a:latin typeface="+mn-lt"/>
+                  <a:ea typeface="+mn-ea"/>
+                  <a:cs typeface="+mn-cs"/>
+                </a:defRPr>
+              </a:lvl6pPr>
+              <a:lvl7pPr marL="2971800" indent="-228600" algn="l" defTabSz="914400" rtl="0" eaLnBrk="1" latinLnBrk="0" hangingPunct="1">
+                <a:lnSpc>
+                  <a:spcPct val="90000"/>
+                </a:lnSpc>
+                <a:spcBef>
+                  <a:spcPts val="500"/>
+                </a:spcBef>
+                <a:buFont typeface="Amazon Ember" panose="020B0603020204020204" pitchFamily="34" charset="0"/>
+                <a:buChar char="•"/>
+                <a:defRPr sz="1800" kern="1200">
+                  <a:solidFill>
+                    <a:schemeClr val="tx1"/>
+                  </a:solidFill>
+                  <a:latin typeface="+mn-lt"/>
+                  <a:ea typeface="+mn-ea"/>
+                  <a:cs typeface="+mn-cs"/>
+                </a:defRPr>
+              </a:lvl7pPr>
+              <a:lvl8pPr marL="3429000" indent="-228600" algn="l" defTabSz="914400" rtl="0" eaLnBrk="1" latinLnBrk="0" hangingPunct="1">
+                <a:lnSpc>
+                  <a:spcPct val="90000"/>
+                </a:lnSpc>
+                <a:spcBef>
+                  <a:spcPts val="500"/>
+                </a:spcBef>
+                <a:buFont typeface="Amazon Ember" panose="020B0603020204020204" pitchFamily="34" charset="0"/>
+                <a:buChar char="•"/>
+                <a:defRPr sz="1800" kern="1200">
+                  <a:solidFill>
+                    <a:schemeClr val="tx1"/>
+                  </a:solidFill>
+                  <a:latin typeface="+mn-lt"/>
+                  <a:ea typeface="+mn-ea"/>
+                  <a:cs typeface="+mn-cs"/>
+                </a:defRPr>
+              </a:lvl8pPr>
+              <a:lvl9pPr marL="3886200" indent="-228600" algn="l" defTabSz="914400" rtl="0" eaLnBrk="1" latinLnBrk="0" hangingPunct="1">
+                <a:lnSpc>
+                  <a:spcPct val="90000"/>
+                </a:lnSpc>
+                <a:spcBef>
+                  <a:spcPts val="500"/>
+                </a:spcBef>
+                <a:buFont typeface="Amazon Ember" panose="020B0603020204020204" pitchFamily="34" charset="0"/>
+                <a:buChar char="•"/>
+                <a:defRPr sz="1800" kern="1200">
+                  <a:solidFill>
+                    <a:schemeClr val="tx1"/>
+                  </a:solidFill>
+                  <a:latin typeface="+mn-lt"/>
+                  <a:ea typeface="+mn-ea"/>
+                  <a:cs typeface="+mn-cs"/>
+                </a:defRPr>
+              </a:lvl9pPr>
+            </a:lstStyle>
+            <a:p>
+              <a:pPr marL="0" indent="0" algn="ctr">
+                <a:lnSpc>
+                  <a:spcPct val="100000"/>
+                </a:lnSpc>
+                <a:spcAft>
+                  <a:spcPts val="600"/>
+                </a:spcAft>
+                <a:buNone/>
+              </a:pPr>
+              <a:r>
+                <a:rPr lang="en-US" sz="2000" i="1" dirty="0">
+                  <a:solidFill>
+                    <a:schemeClr val="bg2">
+                      <a:lumMod val="40000"/>
+                      <a:lumOff val="60000"/>
+                    </a:schemeClr>
+                  </a:solidFill>
+                  <a:effectLst>
+                    <a:glow>
+                      <a:schemeClr val="bg1"/>
+                    </a:glow>
+                  </a:effectLst>
+                </a:rPr>
+                <a:t>owner</a:t>
+              </a:r>
+            </a:p>
+          </p:txBody>
+        </p:sp>
+      </p:grpSp>
+      <p:cxnSp>
+        <p:nvCxnSpPr>
+          <p:cNvPr id="110" name="Straight Arrow Connector 12">
+            <a:extLst>
+              <a:ext uri="{FF2B5EF4-FFF2-40B4-BE49-F238E27FC236}">
+                <a16:creationId xmlns:a16="http://schemas.microsoft.com/office/drawing/2014/main" id="{E0F18326-5E1F-D67D-1A89-3FA5EB5E4BCF}"/>
+              </a:ext>
+            </a:extLst>
+          </p:cNvPr>
+          <p:cNvCxnSpPr>
+            <a:cxnSpLocks/>
+            <a:stCxn id="100" idx="3"/>
+            <a:endCxn id="17" idx="1"/>
+          </p:cNvCxnSpPr>
+          <p:nvPr/>
+        </p:nvCxnSpPr>
+        <p:spPr>
+          <a:xfrm flipV="1">
+            <a:off x="3128958" y="1538066"/>
+            <a:ext cx="5272217" cy="12759"/>
+          </a:xfrm>
+          <a:prstGeom prst="straightConnector1">
+            <a:avLst/>
+          </a:prstGeom>
+          <a:ln>
+            <a:solidFill>
+              <a:schemeClr val="tx1">
+                <a:lumMod val="85000"/>
+              </a:schemeClr>
+            </a:solidFill>
+            <a:tailEnd type="triangle" w="lg" len="lg"/>
+          </a:ln>
+        </p:spPr>
+        <p:style>
+          <a:lnRef idx="3">
+            <a:schemeClr val="accent2"/>
+          </a:lnRef>
+          <a:fillRef idx="0">
+            <a:schemeClr val="accent2"/>
+          </a:fillRef>
+          <a:effectRef idx="2">
+            <a:schemeClr val="accent2"/>
+          </a:effectRef>
+          <a:fontRef idx="minor">
+            <a:schemeClr val="tx1"/>
+          </a:fontRef>
+        </p:style>
+      </p:cxnSp>
+      <p:sp>
+        <p:nvSpPr>
+          <p:cNvPr id="143" name="Rounded Rectangle 142">
+            <a:extLst>
+              <a:ext uri="{FF2B5EF4-FFF2-40B4-BE49-F238E27FC236}">
+                <a16:creationId xmlns:a16="http://schemas.microsoft.com/office/drawing/2014/main" id="{29B1D9CC-8790-B33C-C7FD-F1667D255CEC}"/>
+              </a:ext>
+            </a:extLst>
+          </p:cNvPr>
+          <p:cNvSpPr/>
+          <p:nvPr/>
+        </p:nvSpPr>
+        <p:spPr>
+          <a:xfrm>
+            <a:off x="1171404" y="303811"/>
+            <a:ext cx="360000" cy="360000"/>
+          </a:xfrm>
+          <a:prstGeom prst="roundRect">
+            <a:avLst/>
+          </a:prstGeom>
+          <a:solidFill>
+            <a:schemeClr val="accent5"/>
+          </a:solidFill>
+          <a:ln>
+            <a:noFill/>
+          </a:ln>
+        </p:spPr>
+        <p:style>
+          <a:lnRef idx="0">
+            <a:scrgbClr r="0" g="0" b="0"/>
+          </a:lnRef>
+          <a:fillRef idx="0">
+            <a:scrgbClr r="0" g="0" b="0"/>
+          </a:fillRef>
+          <a:effectRef idx="0">
+            <a:scrgbClr r="0" g="0" b="0"/>
+          </a:effectRef>
+          <a:fontRef idx="minor">
+            <a:schemeClr val="lt1"/>
+          </a:fontRef>
+        </p:style>
+        <p:txBody>
+          <a:bodyPr lIns="45720" tIns="45720" rIns="45720" rtlCol="0" anchor="ctr"/>
+          <a:lstStyle/>
+          <a:p>
+            <a:pPr algn="ctr"/>
+            <a:r>
+              <a:rPr lang="en-GB" b="1" dirty="0">
+                <a:solidFill>
+                  <a:schemeClr val="tx1"/>
+                </a:solidFill>
+              </a:rPr>
+              <a:t>1</a:t>
+            </a:r>
+          </a:p>
+        </p:txBody>
+      </p:sp>
+      <p:sp>
+        <p:nvSpPr>
+          <p:cNvPr id="144" name="Content Placeholder 2">
+            <a:extLst>
+              <a:ext uri="{FF2B5EF4-FFF2-40B4-BE49-F238E27FC236}">
+                <a16:creationId xmlns:a16="http://schemas.microsoft.com/office/drawing/2014/main" id="{89E9F825-9475-5DCB-5853-2E5E18085A03}"/>
+              </a:ext>
+            </a:extLst>
+          </p:cNvPr>
+          <p:cNvSpPr txBox="1">
+            <a:spLocks/>
+          </p:cNvSpPr>
+          <p:nvPr/>
+        </p:nvSpPr>
+        <p:spPr>
+          <a:xfrm>
+            <a:off x="1551159" y="209259"/>
+            <a:ext cx="2543950" cy="400110"/>
+          </a:xfrm>
+          <a:prstGeom prst="rect">
+            <a:avLst/>
+          </a:prstGeom>
+        </p:spPr>
+        <p:txBody>
+          <a:bodyPr wrap="square">
+            <a:spAutoFit/>
+          </a:bodyPr>
+          <a:lstStyle>
+            <a:lvl1pPr marL="228600" indent="-228600" algn="l" defTabSz="914400" rtl="0" eaLnBrk="1" latinLnBrk="0" hangingPunct="1">
+              <a:lnSpc>
+                <a:spcPct val="90000"/>
+              </a:lnSpc>
+              <a:spcBef>
+                <a:spcPts val="0"/>
+              </a:spcBef>
+              <a:spcAft>
+                <a:spcPts val="1200"/>
+              </a:spcAft>
+              <a:buSzPct val="90000"/>
+              <a:buFont typeface="Amazon Ember" panose="020B0603020204020204" pitchFamily="34" charset="0"/>
+              <a:buChar char="•"/>
+              <a:defRPr sz="2800" kern="1200">
+                <a:solidFill>
+                  <a:schemeClr val="tx1"/>
+                </a:solidFill>
+                <a:latin typeface="+mn-lt"/>
+                <a:ea typeface="+mn-ea"/>
+                <a:cs typeface="+mn-cs"/>
+              </a:defRPr>
+            </a:lvl1pPr>
+            <a:lvl2pPr marL="457200" indent="-228600" algn="l" defTabSz="914400" rtl="0" eaLnBrk="1" latinLnBrk="0" hangingPunct="1">
+              <a:lnSpc>
+                <a:spcPct val="90000"/>
+              </a:lnSpc>
+              <a:spcBef>
+                <a:spcPts val="0"/>
+              </a:spcBef>
+              <a:spcAft>
+                <a:spcPts val="1200"/>
+              </a:spcAft>
+              <a:buSzPct val="90000"/>
+              <a:buFont typeface="Wingdings" panose="05000000000000000000" pitchFamily="2" charset="2"/>
+              <a:buChar char="§"/>
+              <a:defRPr sz="2400" kern="1200">
+                <a:solidFill>
+                  <a:schemeClr val="tx1"/>
+                </a:solidFill>
+                <a:latin typeface="+mn-lt"/>
+                <a:ea typeface="+mn-ea"/>
+                <a:cs typeface="+mn-cs"/>
+              </a:defRPr>
+            </a:lvl2pPr>
+            <a:lvl3pPr marL="685800" indent="-228600" algn="l" defTabSz="914400" rtl="0" eaLnBrk="1" latinLnBrk="0" hangingPunct="1">
+              <a:lnSpc>
+                <a:spcPct val="90000"/>
+              </a:lnSpc>
+              <a:spcBef>
+                <a:spcPts val="0"/>
+              </a:spcBef>
+              <a:spcAft>
+                <a:spcPts val="1200"/>
+              </a:spcAft>
+              <a:buSzPct val="90000"/>
+              <a:buFont typeface="Amazon Ember" panose="020B0603020204020204" pitchFamily="34" charset="0"/>
+              <a:buChar char="–"/>
+              <a:defRPr sz="2000" kern="1200">
+                <a:solidFill>
+                  <a:schemeClr val="tx1"/>
+                </a:solidFill>
+                <a:latin typeface="+mn-lt"/>
+                <a:ea typeface="+mn-ea"/>
+                <a:cs typeface="+mn-cs"/>
+              </a:defRPr>
+            </a:lvl3pPr>
+            <a:lvl4pPr marL="914400" indent="-228600" algn="l" defTabSz="914400" rtl="0" eaLnBrk="1" latinLnBrk="0" hangingPunct="1">
+              <a:lnSpc>
+                <a:spcPct val="90000"/>
+              </a:lnSpc>
+              <a:spcBef>
+                <a:spcPts val="0"/>
+              </a:spcBef>
+              <a:spcAft>
+                <a:spcPts val="1200"/>
+              </a:spcAft>
+              <a:buFont typeface="Amazon Ember" panose="020B0603020204020204" pitchFamily="34" charset="0"/>
+              <a:buChar char="•"/>
+              <a:defRPr sz="1800" kern="1200">
+                <a:solidFill>
+                  <a:schemeClr val="tx1"/>
+                </a:solidFill>
+                <a:latin typeface="+mn-lt"/>
+                <a:ea typeface="+mn-ea"/>
+                <a:cs typeface="+mn-cs"/>
+              </a:defRPr>
+            </a:lvl4pPr>
+            <a:lvl5pPr marL="1143000" indent="-228600" algn="l" defTabSz="914400" rtl="0" eaLnBrk="1" latinLnBrk="0" hangingPunct="1">
+              <a:lnSpc>
+                <a:spcPct val="90000"/>
+              </a:lnSpc>
+              <a:spcBef>
+                <a:spcPts val="0"/>
+              </a:spcBef>
+              <a:spcAft>
+                <a:spcPts val="1200"/>
+              </a:spcAft>
+              <a:buFont typeface="Amazon Ember" panose="020B0603020204020204" pitchFamily="34" charset="0"/>
+              <a:buChar char="•"/>
+              <a:defRPr sz="1800" kern="1200">
+                <a:solidFill>
+                  <a:schemeClr val="tx1"/>
+                </a:solidFill>
+                <a:latin typeface="+mn-lt"/>
+                <a:ea typeface="+mn-ea"/>
+                <a:cs typeface="+mn-cs"/>
+              </a:defRPr>
+            </a:lvl5pPr>
+            <a:lvl6pPr marL="2514600" indent="-228600" algn="l" defTabSz="914400" rtl="0" eaLnBrk="1" latinLnBrk="0" hangingPunct="1">
+              <a:lnSpc>
+                <a:spcPct val="90000"/>
+              </a:lnSpc>
+              <a:spcBef>
+                <a:spcPts val="500"/>
+              </a:spcBef>
+              <a:buFont typeface="Amazon Ember" panose="020B0603020204020204" pitchFamily="34" charset="0"/>
+              <a:buChar char="•"/>
+              <a:defRPr sz="1800" kern="1200">
+                <a:solidFill>
+                  <a:schemeClr val="tx1"/>
+                </a:solidFill>
+                <a:latin typeface="+mn-lt"/>
+                <a:ea typeface="+mn-ea"/>
+                <a:cs typeface="+mn-cs"/>
+              </a:defRPr>
+            </a:lvl6pPr>
+            <a:lvl7pPr marL="2971800" indent="-228600" algn="l" defTabSz="914400" rtl="0" eaLnBrk="1" latinLnBrk="0" hangingPunct="1">
+              <a:lnSpc>
+                <a:spcPct val="90000"/>
+              </a:lnSpc>
+              <a:spcBef>
+                <a:spcPts val="500"/>
+              </a:spcBef>
+              <a:buFont typeface="Amazon Ember" panose="020B0603020204020204" pitchFamily="34" charset="0"/>
+              <a:buChar char="•"/>
+              <a:defRPr sz="1800" kern="1200">
+                <a:solidFill>
+                  <a:schemeClr val="tx1"/>
+                </a:solidFill>
+                <a:latin typeface="+mn-lt"/>
+                <a:ea typeface="+mn-ea"/>
+                <a:cs typeface="+mn-cs"/>
+              </a:defRPr>
+            </a:lvl7pPr>
+            <a:lvl8pPr marL="3429000" indent="-228600" algn="l" defTabSz="914400" rtl="0" eaLnBrk="1" latinLnBrk="0" hangingPunct="1">
+              <a:lnSpc>
+                <a:spcPct val="90000"/>
+              </a:lnSpc>
+              <a:spcBef>
+                <a:spcPts val="500"/>
+              </a:spcBef>
+              <a:buFont typeface="Amazon Ember" panose="020B0603020204020204" pitchFamily="34" charset="0"/>
+              <a:buChar char="•"/>
+              <a:defRPr sz="1800" kern="1200">
+                <a:solidFill>
+                  <a:schemeClr val="tx1"/>
+                </a:solidFill>
+                <a:latin typeface="+mn-lt"/>
+                <a:ea typeface="+mn-ea"/>
+                <a:cs typeface="+mn-cs"/>
+              </a:defRPr>
+            </a:lvl8pPr>
+            <a:lvl9pPr marL="3886200" indent="-228600" algn="l" defTabSz="914400" rtl="0" eaLnBrk="1" latinLnBrk="0" hangingPunct="1">
+              <a:lnSpc>
+                <a:spcPct val="90000"/>
+              </a:lnSpc>
+              <a:spcBef>
+                <a:spcPts val="500"/>
+              </a:spcBef>
+              <a:buFont typeface="Amazon Ember" panose="020B0603020204020204" pitchFamily="34" charset="0"/>
+              <a:buChar char="•"/>
+              <a:defRPr sz="1800" kern="1200">
+                <a:solidFill>
+                  <a:schemeClr val="tx1"/>
+                </a:solidFill>
+                <a:latin typeface="+mn-lt"/>
+                <a:ea typeface="+mn-ea"/>
+                <a:cs typeface="+mn-cs"/>
+              </a:defRPr>
+            </a:lvl9pPr>
+          </a:lstStyle>
+          <a:p>
+            <a:pPr marL="0" indent="0">
+              <a:lnSpc>
+                <a:spcPct val="100000"/>
+              </a:lnSpc>
+              <a:spcAft>
+                <a:spcPts val="600"/>
+              </a:spcAft>
+              <a:buNone/>
+            </a:pPr>
+            <a:r>
+              <a:rPr lang="en-US" sz="2000" i="1" dirty="0">
+                <a:solidFill>
+                  <a:schemeClr val="bg2">
+                    <a:lumMod val="40000"/>
+                    <a:lumOff val="60000"/>
+                  </a:schemeClr>
+                </a:solidFill>
+                <a:effectLst>
+                  <a:glow>
+                    <a:schemeClr val="bg1"/>
+                  </a:glow>
+                </a:effectLst>
+              </a:rPr>
+              <a:t>tap/scan static </a:t>
+            </a:r>
+            <a:r>
+              <a:rPr lang="en-US" baseline="-11000" dirty="0">
+                <a:solidFill>
+                  <a:schemeClr val="bg2">
+                    <a:lumMod val="40000"/>
+                    <a:lumOff val="60000"/>
+                  </a:schemeClr>
+                </a:solidFill>
+                <a:effectLst>
+                  <a:glow>
+                    <a:schemeClr val="bg1"/>
+                  </a:glow>
+                </a:effectLst>
+              </a:rPr>
+              <a:t>🔆 </a:t>
+            </a:r>
+          </a:p>
+        </p:txBody>
+      </p:sp>
+      <p:sp>
+        <p:nvSpPr>
+          <p:cNvPr id="146" name="Rounded Rectangle 145">
+            <a:extLst>
+              <a:ext uri="{FF2B5EF4-FFF2-40B4-BE49-F238E27FC236}">
+                <a16:creationId xmlns:a16="http://schemas.microsoft.com/office/drawing/2014/main" id="{AA18DA50-3292-3660-516F-20B96C006A87}"/>
+              </a:ext>
+            </a:extLst>
+          </p:cNvPr>
+          <p:cNvSpPr/>
+          <p:nvPr/>
+        </p:nvSpPr>
+        <p:spPr>
+          <a:xfrm>
+            <a:off x="3237717" y="1078409"/>
+            <a:ext cx="360000" cy="360000"/>
+          </a:xfrm>
+          <a:prstGeom prst="roundRect">
+            <a:avLst/>
+          </a:prstGeom>
+          <a:solidFill>
+            <a:schemeClr val="accent5"/>
+          </a:solidFill>
+          <a:ln>
+            <a:noFill/>
+          </a:ln>
+        </p:spPr>
+        <p:style>
+          <a:lnRef idx="0">
+            <a:scrgbClr r="0" g="0" b="0"/>
+          </a:lnRef>
+          <a:fillRef idx="0">
+            <a:scrgbClr r="0" g="0" b="0"/>
+          </a:fillRef>
+          <a:effectRef idx="0">
+            <a:scrgbClr r="0" g="0" b="0"/>
+          </a:effectRef>
+          <a:fontRef idx="minor">
+            <a:schemeClr val="lt1"/>
+          </a:fontRef>
+        </p:style>
+        <p:txBody>
+          <a:bodyPr lIns="45720" tIns="45720" rIns="45720" rtlCol="0" anchor="ctr"/>
+          <a:lstStyle/>
+          <a:p>
+            <a:pPr algn="ctr"/>
+            <a:r>
+              <a:rPr lang="en-GB" b="1" dirty="0">
+                <a:solidFill>
+                  <a:schemeClr val="tx1"/>
+                </a:solidFill>
+              </a:rPr>
+              <a:t>2</a:t>
+            </a:r>
+          </a:p>
+        </p:txBody>
+      </p:sp>
+      <p:sp>
+        <p:nvSpPr>
+          <p:cNvPr id="147" name="Content Placeholder 2">
+            <a:extLst>
+              <a:ext uri="{FF2B5EF4-FFF2-40B4-BE49-F238E27FC236}">
+                <a16:creationId xmlns:a16="http://schemas.microsoft.com/office/drawing/2014/main" id="{FC2D55AC-5A4C-747B-3342-C7ECF9F8D99C}"/>
+              </a:ext>
+            </a:extLst>
+          </p:cNvPr>
+          <p:cNvSpPr txBox="1">
+            <a:spLocks/>
+          </p:cNvSpPr>
+          <p:nvPr/>
+        </p:nvSpPr>
+        <p:spPr>
+          <a:xfrm>
+            <a:off x="3158530" y="1532686"/>
+            <a:ext cx="1451118" cy="707886"/>
+          </a:xfrm>
+          <a:prstGeom prst="rect">
+            <a:avLst/>
+          </a:prstGeom>
+        </p:spPr>
+        <p:txBody>
+          <a:bodyPr wrap="square">
+            <a:spAutoFit/>
+          </a:bodyPr>
+          <a:lstStyle>
+            <a:lvl1pPr marL="228600" indent="-228600" algn="l" defTabSz="914400" rtl="0" eaLnBrk="1" latinLnBrk="0" hangingPunct="1">
+              <a:lnSpc>
+                <a:spcPct val="90000"/>
+              </a:lnSpc>
+              <a:spcBef>
+                <a:spcPts val="0"/>
+              </a:spcBef>
+              <a:spcAft>
+                <a:spcPts val="1200"/>
+              </a:spcAft>
+              <a:buSzPct val="90000"/>
+              <a:buFont typeface="Amazon Ember" panose="020B0603020204020204" pitchFamily="34" charset="0"/>
+              <a:buChar char="•"/>
+              <a:defRPr sz="2800" kern="1200">
+                <a:solidFill>
+                  <a:schemeClr val="tx1"/>
+                </a:solidFill>
+                <a:latin typeface="+mn-lt"/>
+                <a:ea typeface="+mn-ea"/>
+                <a:cs typeface="+mn-cs"/>
+              </a:defRPr>
+            </a:lvl1pPr>
+            <a:lvl2pPr marL="457200" indent="-228600" algn="l" defTabSz="914400" rtl="0" eaLnBrk="1" latinLnBrk="0" hangingPunct="1">
+              <a:lnSpc>
+                <a:spcPct val="90000"/>
+              </a:lnSpc>
+              <a:spcBef>
+                <a:spcPts val="0"/>
+              </a:spcBef>
+              <a:spcAft>
+                <a:spcPts val="1200"/>
+              </a:spcAft>
+              <a:buSzPct val="90000"/>
+              <a:buFont typeface="Wingdings" panose="05000000000000000000" pitchFamily="2" charset="2"/>
+              <a:buChar char="§"/>
+              <a:defRPr sz="2400" kern="1200">
+                <a:solidFill>
+                  <a:schemeClr val="tx1"/>
+                </a:solidFill>
+                <a:latin typeface="+mn-lt"/>
+                <a:ea typeface="+mn-ea"/>
+                <a:cs typeface="+mn-cs"/>
+              </a:defRPr>
+            </a:lvl2pPr>
+            <a:lvl3pPr marL="685800" indent="-228600" algn="l" defTabSz="914400" rtl="0" eaLnBrk="1" latinLnBrk="0" hangingPunct="1">
+              <a:lnSpc>
+                <a:spcPct val="90000"/>
+              </a:lnSpc>
+              <a:spcBef>
+                <a:spcPts val="0"/>
+              </a:spcBef>
+              <a:spcAft>
+                <a:spcPts val="1200"/>
+              </a:spcAft>
+              <a:buSzPct val="90000"/>
+              <a:buFont typeface="Amazon Ember" panose="020B0603020204020204" pitchFamily="34" charset="0"/>
+              <a:buChar char="–"/>
+              <a:defRPr sz="2000" kern="1200">
+                <a:solidFill>
+                  <a:schemeClr val="tx1"/>
+                </a:solidFill>
+                <a:latin typeface="+mn-lt"/>
+                <a:ea typeface="+mn-ea"/>
+                <a:cs typeface="+mn-cs"/>
+              </a:defRPr>
+            </a:lvl3pPr>
+            <a:lvl4pPr marL="914400" indent="-228600" algn="l" defTabSz="914400" rtl="0" eaLnBrk="1" latinLnBrk="0" hangingPunct="1">
+              <a:lnSpc>
+                <a:spcPct val="90000"/>
+              </a:lnSpc>
+              <a:spcBef>
+                <a:spcPts val="0"/>
+              </a:spcBef>
+              <a:spcAft>
+                <a:spcPts val="1200"/>
+              </a:spcAft>
+              <a:buFont typeface="Amazon Ember" panose="020B0603020204020204" pitchFamily="34" charset="0"/>
+              <a:buChar char="•"/>
+              <a:defRPr sz="1800" kern="1200">
+                <a:solidFill>
+                  <a:schemeClr val="tx1"/>
+                </a:solidFill>
+                <a:latin typeface="+mn-lt"/>
+                <a:ea typeface="+mn-ea"/>
+                <a:cs typeface="+mn-cs"/>
+              </a:defRPr>
+            </a:lvl4pPr>
+            <a:lvl5pPr marL="1143000" indent="-228600" algn="l" defTabSz="914400" rtl="0" eaLnBrk="1" latinLnBrk="0" hangingPunct="1">
+              <a:lnSpc>
+                <a:spcPct val="90000"/>
+              </a:lnSpc>
+              <a:spcBef>
+                <a:spcPts val="0"/>
+              </a:spcBef>
+              <a:spcAft>
+                <a:spcPts val="1200"/>
+              </a:spcAft>
+              <a:buFont typeface="Amazon Ember" panose="020B0603020204020204" pitchFamily="34" charset="0"/>
+              <a:buChar char="•"/>
+              <a:defRPr sz="1800" kern="1200">
+                <a:solidFill>
+                  <a:schemeClr val="tx1"/>
+                </a:solidFill>
+                <a:latin typeface="+mn-lt"/>
+                <a:ea typeface="+mn-ea"/>
+                <a:cs typeface="+mn-cs"/>
+              </a:defRPr>
+            </a:lvl5pPr>
+            <a:lvl6pPr marL="2514600" indent="-228600" algn="l" defTabSz="914400" rtl="0" eaLnBrk="1" latinLnBrk="0" hangingPunct="1">
+              <a:lnSpc>
+                <a:spcPct val="90000"/>
+              </a:lnSpc>
+              <a:spcBef>
+                <a:spcPts val="500"/>
+              </a:spcBef>
+              <a:buFont typeface="Amazon Ember" panose="020B0603020204020204" pitchFamily="34" charset="0"/>
+              <a:buChar char="•"/>
+              <a:defRPr sz="1800" kern="1200">
+                <a:solidFill>
+                  <a:schemeClr val="tx1"/>
+                </a:solidFill>
+                <a:latin typeface="+mn-lt"/>
+                <a:ea typeface="+mn-ea"/>
+                <a:cs typeface="+mn-cs"/>
+              </a:defRPr>
+            </a:lvl6pPr>
+            <a:lvl7pPr marL="2971800" indent="-228600" algn="l" defTabSz="914400" rtl="0" eaLnBrk="1" latinLnBrk="0" hangingPunct="1">
+              <a:lnSpc>
+                <a:spcPct val="90000"/>
+              </a:lnSpc>
+              <a:spcBef>
+                <a:spcPts val="500"/>
+              </a:spcBef>
+              <a:buFont typeface="Amazon Ember" panose="020B0603020204020204" pitchFamily="34" charset="0"/>
+              <a:buChar char="•"/>
+              <a:defRPr sz="1800" kern="1200">
+                <a:solidFill>
+                  <a:schemeClr val="tx1"/>
+                </a:solidFill>
+                <a:latin typeface="+mn-lt"/>
+                <a:ea typeface="+mn-ea"/>
+                <a:cs typeface="+mn-cs"/>
+              </a:defRPr>
+            </a:lvl7pPr>
+            <a:lvl8pPr marL="3429000" indent="-228600" algn="l" defTabSz="914400" rtl="0" eaLnBrk="1" latinLnBrk="0" hangingPunct="1">
+              <a:lnSpc>
+                <a:spcPct val="90000"/>
+              </a:lnSpc>
+              <a:spcBef>
+                <a:spcPts val="500"/>
+              </a:spcBef>
+              <a:buFont typeface="Amazon Ember" panose="020B0603020204020204" pitchFamily="34" charset="0"/>
+              <a:buChar char="•"/>
+              <a:defRPr sz="1800" kern="1200">
+                <a:solidFill>
+                  <a:schemeClr val="tx1"/>
+                </a:solidFill>
+                <a:latin typeface="+mn-lt"/>
+                <a:ea typeface="+mn-ea"/>
+                <a:cs typeface="+mn-cs"/>
+              </a:defRPr>
+            </a:lvl8pPr>
+            <a:lvl9pPr marL="3886200" indent="-228600" algn="l" defTabSz="914400" rtl="0" eaLnBrk="1" latinLnBrk="0" hangingPunct="1">
+              <a:lnSpc>
+                <a:spcPct val="90000"/>
+              </a:lnSpc>
+              <a:spcBef>
+                <a:spcPts val="500"/>
+              </a:spcBef>
+              <a:buFont typeface="Amazon Ember" panose="020B0603020204020204" pitchFamily="34" charset="0"/>
+              <a:buChar char="•"/>
+              <a:defRPr sz="1800" kern="1200">
+                <a:solidFill>
+                  <a:schemeClr val="tx1"/>
+                </a:solidFill>
+                <a:latin typeface="+mn-lt"/>
+                <a:ea typeface="+mn-ea"/>
+                <a:cs typeface="+mn-cs"/>
+              </a:defRPr>
+            </a:lvl9pPr>
+          </a:lstStyle>
+          <a:p>
+            <a:pPr marL="0" indent="0">
+              <a:lnSpc>
+                <a:spcPct val="100000"/>
+              </a:lnSpc>
+              <a:spcAft>
+                <a:spcPts val="600"/>
+              </a:spcAft>
+              <a:buNone/>
+            </a:pPr>
+            <a:r>
+              <a:rPr lang="en-US" sz="2000" i="1" dirty="0">
+                <a:solidFill>
+                  <a:schemeClr val="bg2">
+                    <a:lumMod val="40000"/>
+                    <a:lumOff val="60000"/>
+                  </a:schemeClr>
+                </a:solidFill>
+                <a:effectLst>
+                  <a:glow>
+                    <a:schemeClr val="bg1"/>
+                  </a:glow>
+                </a:effectLst>
+              </a:rPr>
+              <a:t>withdraw cash</a:t>
+            </a:r>
+          </a:p>
+        </p:txBody>
+      </p:sp>
+      <p:sp>
+        <p:nvSpPr>
+          <p:cNvPr id="148" name="Rounded Rectangle 147">
+            <a:extLst>
+              <a:ext uri="{FF2B5EF4-FFF2-40B4-BE49-F238E27FC236}">
+                <a16:creationId xmlns:a16="http://schemas.microsoft.com/office/drawing/2014/main" id="{2ADCF2D9-646A-2BC0-8DB1-D73F27201823}"/>
+              </a:ext>
+            </a:extLst>
+          </p:cNvPr>
+          <p:cNvSpPr/>
+          <p:nvPr/>
+        </p:nvSpPr>
+        <p:spPr>
+          <a:xfrm>
+            <a:off x="1207790" y="4507353"/>
+            <a:ext cx="360000" cy="360000"/>
+          </a:xfrm>
+          <a:prstGeom prst="roundRect">
+            <a:avLst/>
+          </a:prstGeom>
+          <a:solidFill>
+            <a:schemeClr val="accent5"/>
+          </a:solidFill>
+          <a:ln>
+            <a:noFill/>
+          </a:ln>
+        </p:spPr>
+        <p:style>
+          <a:lnRef idx="0">
+            <a:scrgbClr r="0" g="0" b="0"/>
+          </a:lnRef>
+          <a:fillRef idx="0">
+            <a:scrgbClr r="0" g="0" b="0"/>
+          </a:fillRef>
+          <a:effectRef idx="0">
+            <a:scrgbClr r="0" g="0" b="0"/>
+          </a:effectRef>
+          <a:fontRef idx="minor">
+            <a:schemeClr val="lt1"/>
+          </a:fontRef>
+        </p:style>
+        <p:txBody>
+          <a:bodyPr lIns="45720" tIns="45720" rIns="45720" rtlCol="0" anchor="ctr"/>
+          <a:lstStyle/>
+          <a:p>
+            <a:pPr algn="ctr"/>
+            <a:r>
+              <a:rPr lang="en-GB" b="1" dirty="0">
+                <a:solidFill>
+                  <a:schemeClr val="tx1"/>
+                </a:solidFill>
+              </a:rPr>
+              <a:t>4</a:t>
+            </a:r>
+          </a:p>
+        </p:txBody>
+      </p:sp>
+      <p:sp>
+        <p:nvSpPr>
+          <p:cNvPr id="149" name="Content Placeholder 2">
+            <a:extLst>
+              <a:ext uri="{FF2B5EF4-FFF2-40B4-BE49-F238E27FC236}">
+                <a16:creationId xmlns:a16="http://schemas.microsoft.com/office/drawing/2014/main" id="{F48F1005-6487-EA4C-D4AA-1A0150B447C4}"/>
+              </a:ext>
+            </a:extLst>
+          </p:cNvPr>
+          <p:cNvSpPr txBox="1">
+            <a:spLocks/>
+          </p:cNvSpPr>
+          <p:nvPr/>
+        </p:nvSpPr>
+        <p:spPr>
+          <a:xfrm>
+            <a:off x="1583014" y="4542503"/>
+            <a:ext cx="2543950" cy="400110"/>
+          </a:xfrm>
+          <a:prstGeom prst="rect">
+            <a:avLst/>
+          </a:prstGeom>
+        </p:spPr>
+        <p:txBody>
+          <a:bodyPr wrap="square">
+            <a:spAutoFit/>
+          </a:bodyPr>
+          <a:lstStyle>
+            <a:lvl1pPr marL="228600" indent="-228600" algn="l" defTabSz="914400" rtl="0" eaLnBrk="1" latinLnBrk="0" hangingPunct="1">
+              <a:lnSpc>
+                <a:spcPct val="90000"/>
+              </a:lnSpc>
+              <a:spcBef>
+                <a:spcPts val="0"/>
+              </a:spcBef>
+              <a:spcAft>
+                <a:spcPts val="1200"/>
+              </a:spcAft>
+              <a:buSzPct val="90000"/>
+              <a:buFont typeface="Amazon Ember" panose="020B0603020204020204" pitchFamily="34" charset="0"/>
+              <a:buChar char="•"/>
+              <a:defRPr sz="2800" kern="1200">
+                <a:solidFill>
+                  <a:schemeClr val="tx1"/>
+                </a:solidFill>
+                <a:latin typeface="+mn-lt"/>
+                <a:ea typeface="+mn-ea"/>
+                <a:cs typeface="+mn-cs"/>
+              </a:defRPr>
+            </a:lvl1pPr>
+            <a:lvl2pPr marL="457200" indent="-228600" algn="l" defTabSz="914400" rtl="0" eaLnBrk="1" latinLnBrk="0" hangingPunct="1">
+              <a:lnSpc>
+                <a:spcPct val="90000"/>
+              </a:lnSpc>
+              <a:spcBef>
+                <a:spcPts val="0"/>
+              </a:spcBef>
+              <a:spcAft>
+                <a:spcPts val="1200"/>
+              </a:spcAft>
+              <a:buSzPct val="90000"/>
+              <a:buFont typeface="Wingdings" panose="05000000000000000000" pitchFamily="2" charset="2"/>
+              <a:buChar char="§"/>
+              <a:defRPr sz="2400" kern="1200">
+                <a:solidFill>
+                  <a:schemeClr val="tx1"/>
+                </a:solidFill>
+                <a:latin typeface="+mn-lt"/>
+                <a:ea typeface="+mn-ea"/>
+                <a:cs typeface="+mn-cs"/>
+              </a:defRPr>
+            </a:lvl2pPr>
+            <a:lvl3pPr marL="685800" indent="-228600" algn="l" defTabSz="914400" rtl="0" eaLnBrk="1" latinLnBrk="0" hangingPunct="1">
+              <a:lnSpc>
+                <a:spcPct val="90000"/>
+              </a:lnSpc>
+              <a:spcBef>
+                <a:spcPts val="0"/>
+              </a:spcBef>
+              <a:spcAft>
+                <a:spcPts val="1200"/>
+              </a:spcAft>
+              <a:buSzPct val="90000"/>
+              <a:buFont typeface="Amazon Ember" panose="020B0603020204020204" pitchFamily="34" charset="0"/>
+              <a:buChar char="–"/>
+              <a:defRPr sz="2000" kern="1200">
+                <a:solidFill>
+                  <a:schemeClr val="tx1"/>
+                </a:solidFill>
+                <a:latin typeface="+mn-lt"/>
+                <a:ea typeface="+mn-ea"/>
+                <a:cs typeface="+mn-cs"/>
+              </a:defRPr>
+            </a:lvl3pPr>
+            <a:lvl4pPr marL="914400" indent="-228600" algn="l" defTabSz="914400" rtl="0" eaLnBrk="1" latinLnBrk="0" hangingPunct="1">
+              <a:lnSpc>
+                <a:spcPct val="90000"/>
+              </a:lnSpc>
+              <a:spcBef>
+                <a:spcPts val="0"/>
+              </a:spcBef>
+              <a:spcAft>
+                <a:spcPts val="1200"/>
+              </a:spcAft>
+              <a:buFont typeface="Amazon Ember" panose="020B0603020204020204" pitchFamily="34" charset="0"/>
+              <a:buChar char="•"/>
+              <a:defRPr sz="1800" kern="1200">
+                <a:solidFill>
+                  <a:schemeClr val="tx1"/>
+                </a:solidFill>
+                <a:latin typeface="+mn-lt"/>
+                <a:ea typeface="+mn-ea"/>
+                <a:cs typeface="+mn-cs"/>
+              </a:defRPr>
+            </a:lvl4pPr>
+            <a:lvl5pPr marL="1143000" indent="-228600" algn="l" defTabSz="914400" rtl="0" eaLnBrk="1" latinLnBrk="0" hangingPunct="1">
+              <a:lnSpc>
+                <a:spcPct val="90000"/>
+              </a:lnSpc>
+              <a:spcBef>
+                <a:spcPts val="0"/>
+              </a:spcBef>
+              <a:spcAft>
+                <a:spcPts val="1200"/>
+              </a:spcAft>
+              <a:buFont typeface="Amazon Ember" panose="020B0603020204020204" pitchFamily="34" charset="0"/>
+              <a:buChar char="•"/>
+              <a:defRPr sz="1800" kern="1200">
+                <a:solidFill>
+                  <a:schemeClr val="tx1"/>
+                </a:solidFill>
+                <a:latin typeface="+mn-lt"/>
+                <a:ea typeface="+mn-ea"/>
+                <a:cs typeface="+mn-cs"/>
+              </a:defRPr>
+            </a:lvl5pPr>
+            <a:lvl6pPr marL="2514600" indent="-228600" algn="l" defTabSz="914400" rtl="0" eaLnBrk="1" latinLnBrk="0" hangingPunct="1">
+              <a:lnSpc>
+                <a:spcPct val="90000"/>
+              </a:lnSpc>
+              <a:spcBef>
+                <a:spcPts val="500"/>
+              </a:spcBef>
+              <a:buFont typeface="Amazon Ember" panose="020B0603020204020204" pitchFamily="34" charset="0"/>
+              <a:buChar char="•"/>
+              <a:defRPr sz="1800" kern="1200">
+                <a:solidFill>
+                  <a:schemeClr val="tx1"/>
+                </a:solidFill>
+                <a:latin typeface="+mn-lt"/>
+                <a:ea typeface="+mn-ea"/>
+                <a:cs typeface="+mn-cs"/>
+              </a:defRPr>
+            </a:lvl6pPr>
+            <a:lvl7pPr marL="2971800" indent="-228600" algn="l" defTabSz="914400" rtl="0" eaLnBrk="1" latinLnBrk="0" hangingPunct="1">
+              <a:lnSpc>
+                <a:spcPct val="90000"/>
+              </a:lnSpc>
+              <a:spcBef>
+                <a:spcPts val="500"/>
+              </a:spcBef>
+              <a:buFont typeface="Amazon Ember" panose="020B0603020204020204" pitchFamily="34" charset="0"/>
+              <a:buChar char="•"/>
+              <a:defRPr sz="1800" kern="1200">
+                <a:solidFill>
+                  <a:schemeClr val="tx1"/>
+                </a:solidFill>
+                <a:latin typeface="+mn-lt"/>
+                <a:ea typeface="+mn-ea"/>
+                <a:cs typeface="+mn-cs"/>
+              </a:defRPr>
+            </a:lvl7pPr>
+            <a:lvl8pPr marL="3429000" indent="-228600" algn="l" defTabSz="914400" rtl="0" eaLnBrk="1" latinLnBrk="0" hangingPunct="1">
+              <a:lnSpc>
+                <a:spcPct val="90000"/>
+              </a:lnSpc>
+              <a:spcBef>
+                <a:spcPts val="500"/>
+              </a:spcBef>
+              <a:buFont typeface="Amazon Ember" panose="020B0603020204020204" pitchFamily="34" charset="0"/>
+              <a:buChar char="•"/>
+              <a:defRPr sz="1800" kern="1200">
+                <a:solidFill>
+                  <a:schemeClr val="tx1"/>
+                </a:solidFill>
+                <a:latin typeface="+mn-lt"/>
+                <a:ea typeface="+mn-ea"/>
+                <a:cs typeface="+mn-cs"/>
+              </a:defRPr>
+            </a:lvl8pPr>
+            <a:lvl9pPr marL="3886200" indent="-228600" algn="l" defTabSz="914400" rtl="0" eaLnBrk="1" latinLnBrk="0" hangingPunct="1">
+              <a:lnSpc>
+                <a:spcPct val="90000"/>
+              </a:lnSpc>
+              <a:spcBef>
+                <a:spcPts val="500"/>
+              </a:spcBef>
+              <a:buFont typeface="Amazon Ember" panose="020B0603020204020204" pitchFamily="34" charset="0"/>
+              <a:buChar char="•"/>
+              <a:defRPr sz="1800" kern="1200">
+                <a:solidFill>
+                  <a:schemeClr val="tx1"/>
+                </a:solidFill>
+                <a:latin typeface="+mn-lt"/>
+                <a:ea typeface="+mn-ea"/>
+                <a:cs typeface="+mn-cs"/>
+              </a:defRPr>
+            </a:lvl9pPr>
+          </a:lstStyle>
+          <a:p>
+            <a:pPr marL="0" indent="0">
+              <a:lnSpc>
+                <a:spcPct val="100000"/>
+              </a:lnSpc>
+              <a:spcAft>
+                <a:spcPts val="600"/>
+              </a:spcAft>
+              <a:buNone/>
+            </a:pPr>
+            <a:r>
+              <a:rPr lang="en-US" sz="2000" i="1" dirty="0">
+                <a:solidFill>
+                  <a:schemeClr val="bg2">
+                    <a:lumMod val="40000"/>
+                    <a:lumOff val="60000"/>
+                  </a:schemeClr>
+                </a:solidFill>
+                <a:effectLst>
+                  <a:glow>
+                    <a:schemeClr val="bg1"/>
+                  </a:glow>
+                </a:effectLst>
+              </a:rPr>
+              <a:t>tap/scan dynamic </a:t>
+            </a:r>
+            <a:r>
+              <a:rPr lang="en-US" baseline="-9000" dirty="0">
+                <a:solidFill>
+                  <a:schemeClr val="bg2">
+                    <a:lumMod val="40000"/>
+                    <a:lumOff val="60000"/>
+                  </a:schemeClr>
+                </a:solidFill>
+                <a:effectLst>
+                  <a:glow>
+                    <a:schemeClr val="bg1"/>
+                  </a:glow>
+                </a:effectLst>
+              </a:rPr>
+              <a:t>🦋</a:t>
+            </a:r>
+            <a:r>
+              <a:rPr lang="en-US" sz="2000" i="1" dirty="0">
+                <a:solidFill>
+                  <a:schemeClr val="bg2">
+                    <a:lumMod val="40000"/>
+                    <a:lumOff val="60000"/>
+                  </a:schemeClr>
+                </a:solidFill>
+                <a:effectLst>
+                  <a:glow>
+                    <a:schemeClr val="bg1"/>
+                  </a:glow>
+                </a:effectLst>
+              </a:rPr>
+              <a:t>  </a:t>
+            </a:r>
+          </a:p>
+        </p:txBody>
+      </p:sp>
+      <p:sp>
+        <p:nvSpPr>
+          <p:cNvPr id="155" name="Rounded Rectangle 154">
+            <a:extLst>
+              <a:ext uri="{FF2B5EF4-FFF2-40B4-BE49-F238E27FC236}">
+                <a16:creationId xmlns:a16="http://schemas.microsoft.com/office/drawing/2014/main" id="{2241187D-B352-2FFC-4383-81F7F7C1B315}"/>
+              </a:ext>
+            </a:extLst>
+          </p:cNvPr>
+          <p:cNvSpPr/>
+          <p:nvPr/>
+        </p:nvSpPr>
+        <p:spPr>
+          <a:xfrm>
+            <a:off x="8327096" y="4639913"/>
+            <a:ext cx="360000" cy="360000"/>
+          </a:xfrm>
+          <a:prstGeom prst="roundRect">
+            <a:avLst/>
+          </a:prstGeom>
+          <a:solidFill>
+            <a:schemeClr val="accent5"/>
+          </a:solidFill>
+          <a:ln>
+            <a:noFill/>
+          </a:ln>
+        </p:spPr>
+        <p:style>
+          <a:lnRef idx="0">
+            <a:scrgbClr r="0" g="0" b="0"/>
+          </a:lnRef>
+          <a:fillRef idx="0">
+            <a:scrgbClr r="0" g="0" b="0"/>
+          </a:fillRef>
+          <a:effectRef idx="0">
+            <a:scrgbClr r="0" g="0" b="0"/>
+          </a:effectRef>
+          <a:fontRef idx="minor">
+            <a:schemeClr val="lt1"/>
+          </a:fontRef>
+        </p:style>
+        <p:txBody>
+          <a:bodyPr lIns="45720" tIns="45720" rIns="45720" rtlCol="0" anchor="ctr"/>
+          <a:lstStyle/>
+          <a:p>
+            <a:pPr algn="ctr"/>
+            <a:r>
+              <a:rPr lang="en-GB" b="1" dirty="0">
+                <a:solidFill>
+                  <a:schemeClr val="tx1"/>
+                </a:solidFill>
+              </a:rPr>
+              <a:t>3</a:t>
+            </a:r>
+          </a:p>
+        </p:txBody>
+      </p:sp>
+      <p:sp>
+        <p:nvSpPr>
+          <p:cNvPr id="156" name="Content Placeholder 2">
+            <a:extLst>
+              <a:ext uri="{FF2B5EF4-FFF2-40B4-BE49-F238E27FC236}">
+                <a16:creationId xmlns:a16="http://schemas.microsoft.com/office/drawing/2014/main" id="{D23252C2-73A8-1599-2309-0801E2CF3759}"/>
+              </a:ext>
+            </a:extLst>
+          </p:cNvPr>
+          <p:cNvSpPr txBox="1">
+            <a:spLocks/>
+          </p:cNvSpPr>
+          <p:nvPr/>
+        </p:nvSpPr>
+        <p:spPr>
+          <a:xfrm>
+            <a:off x="8687097" y="4616346"/>
+            <a:ext cx="1504998" cy="400110"/>
+          </a:xfrm>
+          <a:prstGeom prst="rect">
+            <a:avLst/>
+          </a:prstGeom>
+        </p:spPr>
+        <p:txBody>
+          <a:bodyPr wrap="square">
+            <a:spAutoFit/>
+          </a:bodyPr>
+          <a:lstStyle>
+            <a:lvl1pPr marL="228600" indent="-228600" algn="l" defTabSz="914400" rtl="0" eaLnBrk="1" latinLnBrk="0" hangingPunct="1">
+              <a:lnSpc>
+                <a:spcPct val="90000"/>
+              </a:lnSpc>
+              <a:spcBef>
+                <a:spcPts val="0"/>
+              </a:spcBef>
+              <a:spcAft>
+                <a:spcPts val="1200"/>
+              </a:spcAft>
+              <a:buSzPct val="90000"/>
+              <a:buFont typeface="Amazon Ember" panose="020B0603020204020204" pitchFamily="34" charset="0"/>
+              <a:buChar char="•"/>
+              <a:defRPr sz="2800" kern="1200">
+                <a:solidFill>
+                  <a:schemeClr val="tx1"/>
+                </a:solidFill>
+                <a:latin typeface="+mn-lt"/>
+                <a:ea typeface="+mn-ea"/>
+                <a:cs typeface="+mn-cs"/>
+              </a:defRPr>
+            </a:lvl1pPr>
+            <a:lvl2pPr marL="457200" indent="-228600" algn="l" defTabSz="914400" rtl="0" eaLnBrk="1" latinLnBrk="0" hangingPunct="1">
+              <a:lnSpc>
+                <a:spcPct val="90000"/>
+              </a:lnSpc>
+              <a:spcBef>
+                <a:spcPts val="0"/>
+              </a:spcBef>
+              <a:spcAft>
+                <a:spcPts val="1200"/>
+              </a:spcAft>
+              <a:buSzPct val="90000"/>
+              <a:buFont typeface="Wingdings" panose="05000000000000000000" pitchFamily="2" charset="2"/>
+              <a:buChar char="§"/>
+              <a:defRPr sz="2400" kern="1200">
+                <a:solidFill>
+                  <a:schemeClr val="tx1"/>
+                </a:solidFill>
+                <a:latin typeface="+mn-lt"/>
+                <a:ea typeface="+mn-ea"/>
+                <a:cs typeface="+mn-cs"/>
+              </a:defRPr>
+            </a:lvl2pPr>
+            <a:lvl3pPr marL="685800" indent="-228600" algn="l" defTabSz="914400" rtl="0" eaLnBrk="1" latinLnBrk="0" hangingPunct="1">
+              <a:lnSpc>
+                <a:spcPct val="90000"/>
+              </a:lnSpc>
+              <a:spcBef>
+                <a:spcPts val="0"/>
+              </a:spcBef>
+              <a:spcAft>
+                <a:spcPts val="1200"/>
+              </a:spcAft>
+              <a:buSzPct val="90000"/>
+              <a:buFont typeface="Amazon Ember" panose="020B0603020204020204" pitchFamily="34" charset="0"/>
+              <a:buChar char="–"/>
+              <a:defRPr sz="2000" kern="1200">
+                <a:solidFill>
+                  <a:schemeClr val="tx1"/>
+                </a:solidFill>
+                <a:latin typeface="+mn-lt"/>
+                <a:ea typeface="+mn-ea"/>
+                <a:cs typeface="+mn-cs"/>
+              </a:defRPr>
+            </a:lvl3pPr>
+            <a:lvl4pPr marL="914400" indent="-228600" algn="l" defTabSz="914400" rtl="0" eaLnBrk="1" latinLnBrk="0" hangingPunct="1">
+              <a:lnSpc>
+                <a:spcPct val="90000"/>
+              </a:lnSpc>
+              <a:spcBef>
+                <a:spcPts val="0"/>
+              </a:spcBef>
+              <a:spcAft>
+                <a:spcPts val="1200"/>
+              </a:spcAft>
+              <a:buFont typeface="Amazon Ember" panose="020B0603020204020204" pitchFamily="34" charset="0"/>
+              <a:buChar char="•"/>
+              <a:defRPr sz="1800" kern="1200">
+                <a:solidFill>
+                  <a:schemeClr val="tx1"/>
+                </a:solidFill>
+                <a:latin typeface="+mn-lt"/>
+                <a:ea typeface="+mn-ea"/>
+                <a:cs typeface="+mn-cs"/>
+              </a:defRPr>
+            </a:lvl4pPr>
+            <a:lvl5pPr marL="1143000" indent="-228600" algn="l" defTabSz="914400" rtl="0" eaLnBrk="1" latinLnBrk="0" hangingPunct="1">
+              <a:lnSpc>
+                <a:spcPct val="90000"/>
+              </a:lnSpc>
+              <a:spcBef>
+                <a:spcPts val="0"/>
+              </a:spcBef>
+              <a:spcAft>
+                <a:spcPts val="1200"/>
+              </a:spcAft>
+              <a:buFont typeface="Amazon Ember" panose="020B0603020204020204" pitchFamily="34" charset="0"/>
+              <a:buChar char="•"/>
+              <a:defRPr sz="1800" kern="1200">
+                <a:solidFill>
+                  <a:schemeClr val="tx1"/>
+                </a:solidFill>
+                <a:latin typeface="+mn-lt"/>
+                <a:ea typeface="+mn-ea"/>
+                <a:cs typeface="+mn-cs"/>
+              </a:defRPr>
+            </a:lvl5pPr>
+            <a:lvl6pPr marL="2514600" indent="-228600" algn="l" defTabSz="914400" rtl="0" eaLnBrk="1" latinLnBrk="0" hangingPunct="1">
+              <a:lnSpc>
+                <a:spcPct val="90000"/>
+              </a:lnSpc>
+              <a:spcBef>
+                <a:spcPts val="500"/>
+              </a:spcBef>
+              <a:buFont typeface="Amazon Ember" panose="020B0603020204020204" pitchFamily="34" charset="0"/>
+              <a:buChar char="•"/>
+              <a:defRPr sz="1800" kern="1200">
+                <a:solidFill>
+                  <a:schemeClr val="tx1"/>
+                </a:solidFill>
+                <a:latin typeface="+mn-lt"/>
+                <a:ea typeface="+mn-ea"/>
+                <a:cs typeface="+mn-cs"/>
+              </a:defRPr>
+            </a:lvl6pPr>
+            <a:lvl7pPr marL="2971800" indent="-228600" algn="l" defTabSz="914400" rtl="0" eaLnBrk="1" latinLnBrk="0" hangingPunct="1">
+              <a:lnSpc>
+                <a:spcPct val="90000"/>
+              </a:lnSpc>
+              <a:spcBef>
+                <a:spcPts val="500"/>
+              </a:spcBef>
+              <a:buFont typeface="Amazon Ember" panose="020B0603020204020204" pitchFamily="34" charset="0"/>
+              <a:buChar char="•"/>
+              <a:defRPr sz="1800" kern="1200">
+                <a:solidFill>
+                  <a:schemeClr val="tx1"/>
+                </a:solidFill>
+                <a:latin typeface="+mn-lt"/>
+                <a:ea typeface="+mn-ea"/>
+                <a:cs typeface="+mn-cs"/>
+              </a:defRPr>
+            </a:lvl7pPr>
+            <a:lvl8pPr marL="3429000" indent="-228600" algn="l" defTabSz="914400" rtl="0" eaLnBrk="1" latinLnBrk="0" hangingPunct="1">
+              <a:lnSpc>
+                <a:spcPct val="90000"/>
+              </a:lnSpc>
+              <a:spcBef>
+                <a:spcPts val="500"/>
+              </a:spcBef>
+              <a:buFont typeface="Amazon Ember" panose="020B0603020204020204" pitchFamily="34" charset="0"/>
+              <a:buChar char="•"/>
+              <a:defRPr sz="1800" kern="1200">
+                <a:solidFill>
+                  <a:schemeClr val="tx1"/>
+                </a:solidFill>
+                <a:latin typeface="+mn-lt"/>
+                <a:ea typeface="+mn-ea"/>
+                <a:cs typeface="+mn-cs"/>
+              </a:defRPr>
+            </a:lvl8pPr>
+            <a:lvl9pPr marL="3886200" indent="-228600" algn="l" defTabSz="914400" rtl="0" eaLnBrk="1" latinLnBrk="0" hangingPunct="1">
+              <a:lnSpc>
+                <a:spcPct val="90000"/>
+              </a:lnSpc>
+              <a:spcBef>
+                <a:spcPts val="500"/>
+              </a:spcBef>
+              <a:buFont typeface="Amazon Ember" panose="020B0603020204020204" pitchFamily="34" charset="0"/>
+              <a:buChar char="•"/>
+              <a:defRPr sz="1800" kern="1200">
+                <a:solidFill>
+                  <a:schemeClr val="tx1"/>
+                </a:solidFill>
+                <a:latin typeface="+mn-lt"/>
+                <a:ea typeface="+mn-ea"/>
+                <a:cs typeface="+mn-cs"/>
+              </a:defRPr>
+            </a:lvl9pPr>
+          </a:lstStyle>
+          <a:p>
+            <a:pPr marL="0" indent="0">
+              <a:lnSpc>
+                <a:spcPct val="100000"/>
+              </a:lnSpc>
+              <a:spcAft>
+                <a:spcPts val="600"/>
+              </a:spcAft>
+              <a:buNone/>
+            </a:pPr>
+            <a:r>
+              <a:rPr lang="en-US" sz="2000" i="1" dirty="0">
+                <a:solidFill>
+                  <a:schemeClr val="bg2">
+                    <a:lumMod val="40000"/>
+                    <a:lumOff val="60000"/>
+                  </a:schemeClr>
+                </a:solidFill>
+                <a:effectLst>
+                  <a:glow>
+                    <a:schemeClr val="bg1"/>
+                  </a:glow>
+                </a:effectLst>
+              </a:rPr>
+              <a:t>activate</a:t>
+            </a:r>
+          </a:p>
+        </p:txBody>
+      </p:sp>
+      <p:sp>
+        <p:nvSpPr>
+          <p:cNvPr id="161" name="Rounded Rectangle 160">
+            <a:extLst>
+              <a:ext uri="{FF2B5EF4-FFF2-40B4-BE49-F238E27FC236}">
+                <a16:creationId xmlns:a16="http://schemas.microsoft.com/office/drawing/2014/main" id="{9BDB497E-F2E8-5F58-D256-F918475312EE}"/>
+              </a:ext>
+            </a:extLst>
+          </p:cNvPr>
+          <p:cNvSpPr/>
+          <p:nvPr/>
+        </p:nvSpPr>
+        <p:spPr>
+          <a:xfrm>
+            <a:off x="235609" y="5220833"/>
+            <a:ext cx="360000" cy="360000"/>
+          </a:xfrm>
+          <a:prstGeom prst="roundRect">
+            <a:avLst/>
+          </a:prstGeom>
+          <a:solidFill>
+            <a:schemeClr val="accent5"/>
+          </a:solidFill>
+          <a:ln>
+            <a:noFill/>
+          </a:ln>
+        </p:spPr>
+        <p:style>
+          <a:lnRef idx="0">
+            <a:scrgbClr r="0" g="0" b="0"/>
+          </a:lnRef>
+          <a:fillRef idx="0">
+            <a:scrgbClr r="0" g="0" b="0"/>
+          </a:fillRef>
+          <a:effectRef idx="0">
+            <a:scrgbClr r="0" g="0" b="0"/>
+          </a:effectRef>
+          <a:fontRef idx="minor">
+            <a:schemeClr val="lt1"/>
+          </a:fontRef>
+        </p:style>
+        <p:txBody>
+          <a:bodyPr lIns="45720" tIns="45720" rIns="45720" rtlCol="0" anchor="ctr"/>
+          <a:lstStyle/>
+          <a:p>
+            <a:pPr algn="ctr"/>
+            <a:r>
+              <a:rPr lang="en-GB" b="1" dirty="0">
+                <a:solidFill>
+                  <a:schemeClr val="tx1"/>
+                </a:solidFill>
+              </a:rPr>
+              <a:t>6</a:t>
+            </a:r>
+          </a:p>
+        </p:txBody>
+      </p:sp>
+      <p:sp>
+        <p:nvSpPr>
+          <p:cNvPr id="162" name="Content Placeholder 2">
+            <a:extLst>
+              <a:ext uri="{FF2B5EF4-FFF2-40B4-BE49-F238E27FC236}">
+                <a16:creationId xmlns:a16="http://schemas.microsoft.com/office/drawing/2014/main" id="{E7A2AD1A-B675-AB9E-BCEF-6581B97215AE}"/>
+              </a:ext>
+            </a:extLst>
+          </p:cNvPr>
+          <p:cNvSpPr txBox="1">
+            <a:spLocks/>
+          </p:cNvSpPr>
+          <p:nvPr/>
+        </p:nvSpPr>
+        <p:spPr>
+          <a:xfrm>
+            <a:off x="615522" y="5286973"/>
+            <a:ext cx="2362004" cy="400110"/>
+          </a:xfrm>
+          <a:prstGeom prst="rect">
+            <a:avLst/>
+          </a:prstGeom>
+        </p:spPr>
+        <p:txBody>
+          <a:bodyPr wrap="square">
+            <a:spAutoFit/>
+          </a:bodyPr>
+          <a:lstStyle>
+            <a:lvl1pPr marL="228600" indent="-228600" algn="l" defTabSz="914400" rtl="0" eaLnBrk="1" latinLnBrk="0" hangingPunct="1">
+              <a:lnSpc>
+                <a:spcPct val="90000"/>
+              </a:lnSpc>
+              <a:spcBef>
+                <a:spcPts val="0"/>
+              </a:spcBef>
+              <a:spcAft>
+                <a:spcPts val="1200"/>
+              </a:spcAft>
+              <a:buSzPct val="90000"/>
+              <a:buFont typeface="Amazon Ember" panose="020B0603020204020204" pitchFamily="34" charset="0"/>
+              <a:buChar char="•"/>
+              <a:defRPr sz="2800" kern="1200">
+                <a:solidFill>
+                  <a:schemeClr val="tx1"/>
+                </a:solidFill>
+                <a:latin typeface="+mn-lt"/>
+                <a:ea typeface="+mn-ea"/>
+                <a:cs typeface="+mn-cs"/>
+              </a:defRPr>
+            </a:lvl1pPr>
+            <a:lvl2pPr marL="457200" indent="-228600" algn="l" defTabSz="914400" rtl="0" eaLnBrk="1" latinLnBrk="0" hangingPunct="1">
+              <a:lnSpc>
+                <a:spcPct val="90000"/>
+              </a:lnSpc>
+              <a:spcBef>
+                <a:spcPts val="0"/>
+              </a:spcBef>
+              <a:spcAft>
+                <a:spcPts val="1200"/>
+              </a:spcAft>
+              <a:buSzPct val="90000"/>
+              <a:buFont typeface="Wingdings" panose="05000000000000000000" pitchFamily="2" charset="2"/>
+              <a:buChar char="§"/>
+              <a:defRPr sz="2400" kern="1200">
+                <a:solidFill>
+                  <a:schemeClr val="tx1"/>
+                </a:solidFill>
+                <a:latin typeface="+mn-lt"/>
+                <a:ea typeface="+mn-ea"/>
+                <a:cs typeface="+mn-cs"/>
+              </a:defRPr>
+            </a:lvl2pPr>
+            <a:lvl3pPr marL="685800" indent="-228600" algn="l" defTabSz="914400" rtl="0" eaLnBrk="1" latinLnBrk="0" hangingPunct="1">
+              <a:lnSpc>
+                <a:spcPct val="90000"/>
+              </a:lnSpc>
+              <a:spcBef>
+                <a:spcPts val="0"/>
+              </a:spcBef>
+              <a:spcAft>
+                <a:spcPts val="1200"/>
+              </a:spcAft>
+              <a:buSzPct val="90000"/>
+              <a:buFont typeface="Amazon Ember" panose="020B0603020204020204" pitchFamily="34" charset="0"/>
+              <a:buChar char="–"/>
+              <a:defRPr sz="2000" kern="1200">
+                <a:solidFill>
+                  <a:schemeClr val="tx1"/>
+                </a:solidFill>
+                <a:latin typeface="+mn-lt"/>
+                <a:ea typeface="+mn-ea"/>
+                <a:cs typeface="+mn-cs"/>
+              </a:defRPr>
+            </a:lvl3pPr>
+            <a:lvl4pPr marL="914400" indent="-228600" algn="l" defTabSz="914400" rtl="0" eaLnBrk="1" latinLnBrk="0" hangingPunct="1">
+              <a:lnSpc>
+                <a:spcPct val="90000"/>
+              </a:lnSpc>
+              <a:spcBef>
+                <a:spcPts val="0"/>
+              </a:spcBef>
+              <a:spcAft>
+                <a:spcPts val="1200"/>
+              </a:spcAft>
+              <a:buFont typeface="Amazon Ember" panose="020B0603020204020204" pitchFamily="34" charset="0"/>
+              <a:buChar char="•"/>
+              <a:defRPr sz="1800" kern="1200">
+                <a:solidFill>
+                  <a:schemeClr val="tx1"/>
+                </a:solidFill>
+                <a:latin typeface="+mn-lt"/>
+                <a:ea typeface="+mn-ea"/>
+                <a:cs typeface="+mn-cs"/>
+              </a:defRPr>
+            </a:lvl4pPr>
+            <a:lvl5pPr marL="1143000" indent="-228600" algn="l" defTabSz="914400" rtl="0" eaLnBrk="1" latinLnBrk="0" hangingPunct="1">
+              <a:lnSpc>
+                <a:spcPct val="90000"/>
+              </a:lnSpc>
+              <a:spcBef>
+                <a:spcPts val="0"/>
+              </a:spcBef>
+              <a:spcAft>
+                <a:spcPts val="1200"/>
+              </a:spcAft>
+              <a:buFont typeface="Amazon Ember" panose="020B0603020204020204" pitchFamily="34" charset="0"/>
+              <a:buChar char="•"/>
+              <a:defRPr sz="1800" kern="1200">
+                <a:solidFill>
+                  <a:schemeClr val="tx1"/>
+                </a:solidFill>
+                <a:latin typeface="+mn-lt"/>
+                <a:ea typeface="+mn-ea"/>
+                <a:cs typeface="+mn-cs"/>
+              </a:defRPr>
+            </a:lvl5pPr>
+            <a:lvl6pPr marL="2514600" indent="-228600" algn="l" defTabSz="914400" rtl="0" eaLnBrk="1" latinLnBrk="0" hangingPunct="1">
+              <a:lnSpc>
+                <a:spcPct val="90000"/>
+              </a:lnSpc>
+              <a:spcBef>
+                <a:spcPts val="500"/>
+              </a:spcBef>
+              <a:buFont typeface="Amazon Ember" panose="020B0603020204020204" pitchFamily="34" charset="0"/>
+              <a:buChar char="•"/>
+              <a:defRPr sz="1800" kern="1200">
+                <a:solidFill>
+                  <a:schemeClr val="tx1"/>
+                </a:solidFill>
+                <a:latin typeface="+mn-lt"/>
+                <a:ea typeface="+mn-ea"/>
+                <a:cs typeface="+mn-cs"/>
+              </a:defRPr>
+            </a:lvl6pPr>
+            <a:lvl7pPr marL="2971800" indent="-228600" algn="l" defTabSz="914400" rtl="0" eaLnBrk="1" latinLnBrk="0" hangingPunct="1">
+              <a:lnSpc>
+                <a:spcPct val="90000"/>
+              </a:lnSpc>
+              <a:spcBef>
+                <a:spcPts val="500"/>
+              </a:spcBef>
+              <a:buFont typeface="Amazon Ember" panose="020B0603020204020204" pitchFamily="34" charset="0"/>
+              <a:buChar char="•"/>
+              <a:defRPr sz="1800" kern="1200">
+                <a:solidFill>
+                  <a:schemeClr val="tx1"/>
+                </a:solidFill>
+                <a:latin typeface="+mn-lt"/>
+                <a:ea typeface="+mn-ea"/>
+                <a:cs typeface="+mn-cs"/>
+              </a:defRPr>
+            </a:lvl7pPr>
+            <a:lvl8pPr marL="3429000" indent="-228600" algn="l" defTabSz="914400" rtl="0" eaLnBrk="1" latinLnBrk="0" hangingPunct="1">
+              <a:lnSpc>
+                <a:spcPct val="90000"/>
+              </a:lnSpc>
+              <a:spcBef>
+                <a:spcPts val="500"/>
+              </a:spcBef>
+              <a:buFont typeface="Amazon Ember" panose="020B0603020204020204" pitchFamily="34" charset="0"/>
+              <a:buChar char="•"/>
+              <a:defRPr sz="1800" kern="1200">
+                <a:solidFill>
+                  <a:schemeClr val="tx1"/>
+                </a:solidFill>
+                <a:latin typeface="+mn-lt"/>
+                <a:ea typeface="+mn-ea"/>
+                <a:cs typeface="+mn-cs"/>
+              </a:defRPr>
+            </a:lvl8pPr>
+            <a:lvl9pPr marL="3886200" indent="-228600" algn="l" defTabSz="914400" rtl="0" eaLnBrk="1" latinLnBrk="0" hangingPunct="1">
+              <a:lnSpc>
+                <a:spcPct val="90000"/>
+              </a:lnSpc>
+              <a:spcBef>
+                <a:spcPts val="500"/>
+              </a:spcBef>
+              <a:buFont typeface="Amazon Ember" panose="020B0603020204020204" pitchFamily="34" charset="0"/>
+              <a:buChar char="•"/>
+              <a:defRPr sz="1800" kern="1200">
+                <a:solidFill>
+                  <a:schemeClr val="tx1"/>
+                </a:solidFill>
+                <a:latin typeface="+mn-lt"/>
+                <a:ea typeface="+mn-ea"/>
+                <a:cs typeface="+mn-cs"/>
+              </a:defRPr>
+            </a:lvl9pPr>
+          </a:lstStyle>
+          <a:p>
+            <a:pPr marL="0" indent="0">
+              <a:lnSpc>
+                <a:spcPct val="100000"/>
+              </a:lnSpc>
+              <a:spcAft>
+                <a:spcPts val="600"/>
+              </a:spcAft>
+              <a:buNone/>
+            </a:pPr>
+            <a:r>
+              <a:rPr lang="en-US" sz="2000" i="1" dirty="0">
+                <a:solidFill>
+                  <a:schemeClr val="bg2">
+                    <a:lumMod val="40000"/>
+                    <a:lumOff val="60000"/>
+                  </a:schemeClr>
+                </a:solidFill>
+                <a:effectLst>
+                  <a:glow>
+                    <a:schemeClr val="bg1"/>
+                  </a:glow>
+                </a:effectLst>
+              </a:rPr>
+              <a:t>collect cash</a:t>
+            </a:r>
+          </a:p>
+        </p:txBody>
+      </p:sp>
+      <p:sp>
+        <p:nvSpPr>
+          <p:cNvPr id="175" name="Rounded Rectangle 174">
+            <a:extLst>
+              <a:ext uri="{FF2B5EF4-FFF2-40B4-BE49-F238E27FC236}">
+                <a16:creationId xmlns:a16="http://schemas.microsoft.com/office/drawing/2014/main" id="{052A6BA9-F73B-A726-D000-4BB593F00F4E}"/>
+              </a:ext>
+            </a:extLst>
+          </p:cNvPr>
+          <p:cNvSpPr/>
+          <p:nvPr/>
+        </p:nvSpPr>
+        <p:spPr>
+          <a:xfrm>
+            <a:off x="8327096" y="5391190"/>
+            <a:ext cx="360000" cy="360000"/>
+          </a:xfrm>
+          <a:prstGeom prst="roundRect">
+            <a:avLst/>
+          </a:prstGeom>
+          <a:solidFill>
+            <a:schemeClr val="accent5"/>
+          </a:solidFill>
+          <a:ln>
+            <a:noFill/>
+          </a:ln>
+        </p:spPr>
+        <p:style>
+          <a:lnRef idx="0">
+            <a:scrgbClr r="0" g="0" b="0"/>
+          </a:lnRef>
+          <a:fillRef idx="0">
+            <a:scrgbClr r="0" g="0" b="0"/>
+          </a:fillRef>
+          <a:effectRef idx="0">
+            <a:scrgbClr r="0" g="0" b="0"/>
+          </a:effectRef>
+          <a:fontRef idx="minor">
+            <a:schemeClr val="lt1"/>
+          </a:fontRef>
+        </p:style>
+        <p:txBody>
+          <a:bodyPr lIns="45720" tIns="45720" rIns="45720" rtlCol="0" anchor="ctr"/>
+          <a:lstStyle/>
+          <a:p>
+            <a:pPr algn="ctr"/>
+            <a:r>
+              <a:rPr lang="en-GB" b="1" dirty="0">
+                <a:solidFill>
+                  <a:schemeClr val="tx1"/>
+                </a:solidFill>
+              </a:rPr>
+              <a:t>5</a:t>
+            </a:r>
+          </a:p>
+        </p:txBody>
+      </p:sp>
+      <p:sp>
+        <p:nvSpPr>
+          <p:cNvPr id="176" name="Content Placeholder 2">
+            <a:extLst>
+              <a:ext uri="{FF2B5EF4-FFF2-40B4-BE49-F238E27FC236}">
+                <a16:creationId xmlns:a16="http://schemas.microsoft.com/office/drawing/2014/main" id="{EA1C3C6D-31E7-E872-4AAB-CE7BDA254AEB}"/>
+              </a:ext>
+            </a:extLst>
+          </p:cNvPr>
+          <p:cNvSpPr txBox="1">
+            <a:spLocks/>
+          </p:cNvSpPr>
+          <p:nvPr/>
+        </p:nvSpPr>
+        <p:spPr>
+          <a:xfrm>
+            <a:off x="8687097" y="5362490"/>
+            <a:ext cx="1752244" cy="400110"/>
+          </a:xfrm>
+          <a:prstGeom prst="rect">
+            <a:avLst/>
+          </a:prstGeom>
+        </p:spPr>
+        <p:txBody>
+          <a:bodyPr wrap="square">
+            <a:spAutoFit/>
+          </a:bodyPr>
+          <a:lstStyle>
+            <a:lvl1pPr marL="228600" indent="-228600" algn="l" defTabSz="914400" rtl="0" eaLnBrk="1" latinLnBrk="0" hangingPunct="1">
+              <a:lnSpc>
+                <a:spcPct val="90000"/>
+              </a:lnSpc>
+              <a:spcBef>
+                <a:spcPts val="0"/>
+              </a:spcBef>
+              <a:spcAft>
+                <a:spcPts val="1200"/>
+              </a:spcAft>
+              <a:buSzPct val="90000"/>
+              <a:buFont typeface="Amazon Ember" panose="020B0603020204020204" pitchFamily="34" charset="0"/>
+              <a:buChar char="•"/>
+              <a:defRPr sz="2800" kern="1200">
+                <a:solidFill>
+                  <a:schemeClr val="tx1"/>
+                </a:solidFill>
+                <a:latin typeface="+mn-lt"/>
+                <a:ea typeface="+mn-ea"/>
+                <a:cs typeface="+mn-cs"/>
+              </a:defRPr>
+            </a:lvl1pPr>
+            <a:lvl2pPr marL="457200" indent="-228600" algn="l" defTabSz="914400" rtl="0" eaLnBrk="1" latinLnBrk="0" hangingPunct="1">
+              <a:lnSpc>
+                <a:spcPct val="90000"/>
+              </a:lnSpc>
+              <a:spcBef>
+                <a:spcPts val="0"/>
+              </a:spcBef>
+              <a:spcAft>
+                <a:spcPts val="1200"/>
+              </a:spcAft>
+              <a:buSzPct val="90000"/>
+              <a:buFont typeface="Wingdings" panose="05000000000000000000" pitchFamily="2" charset="2"/>
+              <a:buChar char="§"/>
+              <a:defRPr sz="2400" kern="1200">
+                <a:solidFill>
+                  <a:schemeClr val="tx1"/>
+                </a:solidFill>
+                <a:latin typeface="+mn-lt"/>
+                <a:ea typeface="+mn-ea"/>
+                <a:cs typeface="+mn-cs"/>
+              </a:defRPr>
+            </a:lvl2pPr>
+            <a:lvl3pPr marL="685800" indent="-228600" algn="l" defTabSz="914400" rtl="0" eaLnBrk="1" latinLnBrk="0" hangingPunct="1">
+              <a:lnSpc>
+                <a:spcPct val="90000"/>
+              </a:lnSpc>
+              <a:spcBef>
+                <a:spcPts val="0"/>
+              </a:spcBef>
+              <a:spcAft>
+                <a:spcPts val="1200"/>
+              </a:spcAft>
+              <a:buSzPct val="90000"/>
+              <a:buFont typeface="Amazon Ember" panose="020B0603020204020204" pitchFamily="34" charset="0"/>
+              <a:buChar char="–"/>
+              <a:defRPr sz="2000" kern="1200">
+                <a:solidFill>
+                  <a:schemeClr val="tx1"/>
+                </a:solidFill>
+                <a:latin typeface="+mn-lt"/>
+                <a:ea typeface="+mn-ea"/>
+                <a:cs typeface="+mn-cs"/>
+              </a:defRPr>
+            </a:lvl3pPr>
+            <a:lvl4pPr marL="914400" indent="-228600" algn="l" defTabSz="914400" rtl="0" eaLnBrk="1" latinLnBrk="0" hangingPunct="1">
+              <a:lnSpc>
+                <a:spcPct val="90000"/>
+              </a:lnSpc>
+              <a:spcBef>
+                <a:spcPts val="0"/>
+              </a:spcBef>
+              <a:spcAft>
+                <a:spcPts val="1200"/>
+              </a:spcAft>
+              <a:buFont typeface="Amazon Ember" panose="020B0603020204020204" pitchFamily="34" charset="0"/>
+              <a:buChar char="•"/>
+              <a:defRPr sz="1800" kern="1200">
+                <a:solidFill>
+                  <a:schemeClr val="tx1"/>
+                </a:solidFill>
+                <a:latin typeface="+mn-lt"/>
+                <a:ea typeface="+mn-ea"/>
+                <a:cs typeface="+mn-cs"/>
+              </a:defRPr>
+            </a:lvl4pPr>
+            <a:lvl5pPr marL="1143000" indent="-228600" algn="l" defTabSz="914400" rtl="0" eaLnBrk="1" latinLnBrk="0" hangingPunct="1">
+              <a:lnSpc>
+                <a:spcPct val="90000"/>
+              </a:lnSpc>
+              <a:spcBef>
+                <a:spcPts val="0"/>
+              </a:spcBef>
+              <a:spcAft>
+                <a:spcPts val="1200"/>
+              </a:spcAft>
+              <a:buFont typeface="Amazon Ember" panose="020B0603020204020204" pitchFamily="34" charset="0"/>
+              <a:buChar char="•"/>
+              <a:defRPr sz="1800" kern="1200">
+                <a:solidFill>
+                  <a:schemeClr val="tx1"/>
+                </a:solidFill>
+                <a:latin typeface="+mn-lt"/>
+                <a:ea typeface="+mn-ea"/>
+                <a:cs typeface="+mn-cs"/>
+              </a:defRPr>
+            </a:lvl5pPr>
+            <a:lvl6pPr marL="2514600" indent="-228600" algn="l" defTabSz="914400" rtl="0" eaLnBrk="1" latinLnBrk="0" hangingPunct="1">
+              <a:lnSpc>
+                <a:spcPct val="90000"/>
+              </a:lnSpc>
+              <a:spcBef>
+                <a:spcPts val="500"/>
+              </a:spcBef>
+              <a:buFont typeface="Amazon Ember" panose="020B0603020204020204" pitchFamily="34" charset="0"/>
+              <a:buChar char="•"/>
+              <a:defRPr sz="1800" kern="1200">
+                <a:solidFill>
+                  <a:schemeClr val="tx1"/>
+                </a:solidFill>
+                <a:latin typeface="+mn-lt"/>
+                <a:ea typeface="+mn-ea"/>
+                <a:cs typeface="+mn-cs"/>
+              </a:defRPr>
+            </a:lvl6pPr>
+            <a:lvl7pPr marL="2971800" indent="-228600" algn="l" defTabSz="914400" rtl="0" eaLnBrk="1" latinLnBrk="0" hangingPunct="1">
+              <a:lnSpc>
+                <a:spcPct val="90000"/>
+              </a:lnSpc>
+              <a:spcBef>
+                <a:spcPts val="500"/>
+              </a:spcBef>
+              <a:buFont typeface="Amazon Ember" panose="020B0603020204020204" pitchFamily="34" charset="0"/>
+              <a:buChar char="•"/>
+              <a:defRPr sz="1800" kern="1200">
+                <a:solidFill>
+                  <a:schemeClr val="tx1"/>
+                </a:solidFill>
+                <a:latin typeface="+mn-lt"/>
+                <a:ea typeface="+mn-ea"/>
+                <a:cs typeface="+mn-cs"/>
+              </a:defRPr>
+            </a:lvl7pPr>
+            <a:lvl8pPr marL="3429000" indent="-228600" algn="l" defTabSz="914400" rtl="0" eaLnBrk="1" latinLnBrk="0" hangingPunct="1">
+              <a:lnSpc>
+                <a:spcPct val="90000"/>
+              </a:lnSpc>
+              <a:spcBef>
+                <a:spcPts val="500"/>
+              </a:spcBef>
+              <a:buFont typeface="Amazon Ember" panose="020B0603020204020204" pitchFamily="34" charset="0"/>
+              <a:buChar char="•"/>
+              <a:defRPr sz="1800" kern="1200">
+                <a:solidFill>
+                  <a:schemeClr val="tx1"/>
+                </a:solidFill>
+                <a:latin typeface="+mn-lt"/>
+                <a:ea typeface="+mn-ea"/>
+                <a:cs typeface="+mn-cs"/>
+              </a:defRPr>
+            </a:lvl8pPr>
+            <a:lvl9pPr marL="3886200" indent="-228600" algn="l" defTabSz="914400" rtl="0" eaLnBrk="1" latinLnBrk="0" hangingPunct="1">
+              <a:lnSpc>
+                <a:spcPct val="90000"/>
+              </a:lnSpc>
+              <a:spcBef>
+                <a:spcPts val="500"/>
+              </a:spcBef>
+              <a:buFont typeface="Amazon Ember" panose="020B0603020204020204" pitchFamily="34" charset="0"/>
+              <a:buChar char="•"/>
+              <a:defRPr sz="1800" kern="1200">
+                <a:solidFill>
+                  <a:schemeClr val="tx1"/>
+                </a:solidFill>
+                <a:latin typeface="+mn-lt"/>
+                <a:ea typeface="+mn-ea"/>
+                <a:cs typeface="+mn-cs"/>
+              </a:defRPr>
+            </a:lvl9pPr>
+          </a:lstStyle>
+          <a:p>
+            <a:pPr marL="0" indent="0">
+              <a:lnSpc>
+                <a:spcPct val="100000"/>
+              </a:lnSpc>
+              <a:spcAft>
+                <a:spcPts val="600"/>
+              </a:spcAft>
+              <a:buNone/>
+            </a:pPr>
+            <a:r>
+              <a:rPr lang="en-US" sz="2000" i="1" dirty="0">
+                <a:solidFill>
+                  <a:schemeClr val="bg2">
+                    <a:lumMod val="40000"/>
+                    <a:lumOff val="60000"/>
+                  </a:schemeClr>
+                </a:solidFill>
+                <a:effectLst>
+                  <a:glow>
+                    <a:schemeClr val="bg1"/>
+                  </a:glow>
+                </a:effectLst>
+              </a:rPr>
+              <a:t>dispense cash</a:t>
+            </a:r>
+          </a:p>
+        </p:txBody>
+      </p:sp>
+      <p:grpSp>
+        <p:nvGrpSpPr>
+          <p:cNvPr id="182" name="Group 181">
+            <a:extLst>
+              <a:ext uri="{FF2B5EF4-FFF2-40B4-BE49-F238E27FC236}">
+                <a16:creationId xmlns:a16="http://schemas.microsoft.com/office/drawing/2014/main" id="{159D0074-E82C-BF2F-E8F8-84C2F7675CE5}"/>
+              </a:ext>
+            </a:extLst>
+          </p:cNvPr>
+          <p:cNvGrpSpPr/>
+          <p:nvPr/>
+        </p:nvGrpSpPr>
+        <p:grpSpPr>
+          <a:xfrm>
+            <a:off x="9992609" y="4047300"/>
+            <a:ext cx="2197591" cy="1081291"/>
+            <a:chOff x="10093193" y="2277339"/>
+            <a:chExt cx="2197591" cy="1081291"/>
+          </a:xfrm>
+        </p:grpSpPr>
+        <p:sp>
+          <p:nvSpPr>
+            <p:cNvPr id="181" name="Rectangle 180">
+              <a:extLst>
+                <a:ext uri="{FF2B5EF4-FFF2-40B4-BE49-F238E27FC236}">
+                  <a16:creationId xmlns:a16="http://schemas.microsoft.com/office/drawing/2014/main" id="{D22598C8-741D-A45A-80C8-5673DA482411}"/>
+                </a:ext>
+              </a:extLst>
+            </p:cNvPr>
+            <p:cNvSpPr/>
+            <p:nvPr/>
+          </p:nvSpPr>
+          <p:spPr>
+            <a:xfrm>
+              <a:off x="10093193" y="2277339"/>
+              <a:ext cx="2197591" cy="1081291"/>
+            </a:xfrm>
+            <a:prstGeom prst="rect">
+              <a:avLst/>
+            </a:prstGeom>
+            <a:solidFill>
+              <a:schemeClr val="bg1"/>
+            </a:solidFill>
+            <a:ln w="12700">
+              <a:solidFill>
+                <a:srgbClr val="5A6B86"/>
+              </a:solidFill>
+              <a:prstDash val="dash"/>
+            </a:ln>
+          </p:spPr>
+          <p:style>
+            <a:lnRef idx="2">
+              <a:schemeClr val="accent1">
+                <a:shade val="50000"/>
+              </a:schemeClr>
+            </a:lnRef>
+            <a:fillRef idx="1">
+              <a:schemeClr val="accent1"/>
+            </a:fillRef>
+            <a:effectRef idx="0">
+              <a:schemeClr val="accent1"/>
+            </a:effectRef>
+            <a:fontRef idx="minor">
+              <a:schemeClr val="lt1"/>
+            </a:fontRef>
+          </p:style>
+          <p:txBody>
+            <a:bodyPr tIns="36000"/>
+            <a:lstStyle/>
+            <a:p>
+              <a:pPr eaLnBrk="1" fontAlgn="auto" hangingPunct="1">
+                <a:spcBef>
+                  <a:spcPts val="0"/>
+                </a:spcBef>
+                <a:spcAft>
+                  <a:spcPts val="0"/>
+                </a:spcAft>
+                <a:defRPr/>
+              </a:pPr>
+              <a:r>
+                <a:rPr lang="en-GB" sz="2800" baseline="-9000" dirty="0">
+                  <a:solidFill>
+                    <a:schemeClr val="bg2">
+                      <a:lumMod val="40000"/>
+                      <a:lumOff val="60000"/>
+                    </a:schemeClr>
+                  </a:solidFill>
+                  <a:effectLst>
+                    <a:glow>
+                      <a:schemeClr val="bg1"/>
+                    </a:glow>
+                  </a:effectLst>
+                </a:rPr>
+                <a:t>🏭</a:t>
+              </a:r>
+              <a:r>
+                <a:rPr lang="en-GB" sz="2000" i="1" dirty="0">
+                  <a:solidFill>
+                    <a:schemeClr val="bg2">
+                      <a:lumMod val="40000"/>
+                      <a:lumOff val="60000"/>
+                    </a:schemeClr>
+                  </a:solidFill>
+                  <a:effectLst>
+                    <a:glow>
+                      <a:schemeClr val="bg1"/>
+                    </a:glow>
+                  </a:effectLst>
+                </a:rPr>
+                <a:t> </a:t>
+              </a:r>
+              <a:r>
+                <a:rPr lang="en-US" sz="2000" i="1" dirty="0">
+                  <a:solidFill>
+                    <a:schemeClr val="bg2">
+                      <a:lumMod val="40000"/>
+                      <a:lumOff val="60000"/>
+                    </a:schemeClr>
+                  </a:solidFill>
+                  <a:effectLst>
+                    <a:glow>
+                      <a:schemeClr val="bg1"/>
+                    </a:glow>
+                  </a:effectLst>
+                </a:rPr>
+                <a:t>supplier</a:t>
+              </a:r>
+            </a:p>
+          </p:txBody>
+        </p:sp>
+        <p:sp>
+          <p:nvSpPr>
+            <p:cNvPr id="179" name="Rectangle 178">
+              <a:extLst>
+                <a:ext uri="{FF2B5EF4-FFF2-40B4-BE49-F238E27FC236}">
+                  <a16:creationId xmlns:a16="http://schemas.microsoft.com/office/drawing/2014/main" id="{1EADAF51-1063-6DAE-DD1B-CB6DCCB1F216}"/>
+                </a:ext>
+              </a:extLst>
+            </p:cNvPr>
+            <p:cNvSpPr/>
+            <p:nvPr/>
+          </p:nvSpPr>
+          <p:spPr>
+            <a:xfrm>
+              <a:off x="10196176" y="2679899"/>
+              <a:ext cx="2013315" cy="566426"/>
+            </a:xfrm>
+            <a:prstGeom prst="rect">
+              <a:avLst/>
+            </a:prstGeom>
+            <a:solidFill>
+              <a:schemeClr val="tx1">
+                <a:lumMod val="95000"/>
+              </a:schemeClr>
+            </a:solidFill>
+            <a:ln w="28575">
+              <a:solidFill>
+                <a:schemeClr val="tx1">
+                  <a:lumMod val="50000"/>
+                </a:schemeClr>
+              </a:solidFill>
+              <a:prstDash val="solid"/>
+            </a:ln>
+          </p:spPr>
+          <p:style>
+            <a:lnRef idx="2">
+              <a:schemeClr val="accent1">
+                <a:shade val="50000"/>
+              </a:schemeClr>
+            </a:lnRef>
+            <a:fillRef idx="1">
+              <a:schemeClr val="accent1"/>
+            </a:fillRef>
+            <a:effectRef idx="0">
+              <a:schemeClr val="accent1"/>
+            </a:effectRef>
+            <a:fontRef idx="minor">
+              <a:schemeClr val="lt1"/>
+            </a:fontRef>
+          </p:style>
+          <p:txBody>
+            <a:bodyPr lIns="144000" tIns="144000" rIns="144000" bIns="144000" anchor="ctr"/>
+            <a:lstStyle/>
+            <a:p>
+              <a:r>
+                <a:rPr lang="en-GB" sz="3200" baseline="-9000" dirty="0">
+                  <a:solidFill>
+                    <a:schemeClr val="bg2">
+                      <a:lumMod val="40000"/>
+                      <a:lumOff val="60000"/>
+                    </a:schemeClr>
+                  </a:solidFill>
+                  <a:effectLst>
+                    <a:glow>
+                      <a:schemeClr val="bg1"/>
+                    </a:glow>
+                  </a:effectLst>
+                </a:rPr>
+                <a:t>💵</a:t>
+              </a:r>
+              <a:r>
+                <a:rPr lang="en-GB" sz="2400" dirty="0">
+                  <a:solidFill>
+                    <a:sysClr val="windowText" lastClr="000000"/>
+                  </a:solidFill>
+                  <a:latin typeface="+mj-lt"/>
+                  <a:cs typeface="Arial" panose="020B0604020202020204" pitchFamily="34" charset="0"/>
+                </a:rPr>
+                <a:t> Dispenser</a:t>
+              </a:r>
+              <a:endParaRPr lang="en-GB" sz="2000" dirty="0">
+                <a:solidFill>
+                  <a:sysClr val="windowText" lastClr="000000"/>
+                </a:solidFill>
+                <a:latin typeface="+mj-lt"/>
+                <a:cs typeface="Arial" panose="020B0604020202020204" pitchFamily="34" charset="0"/>
+              </a:endParaRPr>
+            </a:p>
+          </p:txBody>
+        </p:sp>
+      </p:grpSp>
+      <p:cxnSp>
+        <p:nvCxnSpPr>
+          <p:cNvPr id="183" name="Straight Arrow Connector 12">
+            <a:extLst>
+              <a:ext uri="{FF2B5EF4-FFF2-40B4-BE49-F238E27FC236}">
+                <a16:creationId xmlns:a16="http://schemas.microsoft.com/office/drawing/2014/main" id="{45F746A0-D034-B112-76DC-C328F5A91ABA}"/>
+              </a:ext>
+            </a:extLst>
+          </p:cNvPr>
+          <p:cNvCxnSpPr>
+            <a:cxnSpLocks/>
+            <a:stCxn id="17" idx="3"/>
+            <a:endCxn id="181" idx="0"/>
+          </p:cNvCxnSpPr>
+          <p:nvPr/>
+        </p:nvCxnSpPr>
+        <p:spPr>
+          <a:xfrm>
+            <a:off x="10796533" y="1538066"/>
+            <a:ext cx="294872" cy="2509234"/>
+          </a:xfrm>
+          <a:prstGeom prst="bentConnector2">
+            <a:avLst/>
+          </a:prstGeom>
+          <a:ln>
+            <a:solidFill>
+              <a:schemeClr val="tx1">
+                <a:lumMod val="85000"/>
+              </a:schemeClr>
+            </a:solidFill>
+            <a:tailEnd type="triangle" w="lg" len="lg"/>
+          </a:ln>
+        </p:spPr>
+        <p:style>
+          <a:lnRef idx="3">
+            <a:schemeClr val="accent2"/>
+          </a:lnRef>
+          <a:fillRef idx="0">
+            <a:schemeClr val="accent2"/>
+          </a:fillRef>
+          <a:effectRef idx="2">
+            <a:schemeClr val="accent2"/>
+          </a:effectRef>
+          <a:fontRef idx="minor">
+            <a:schemeClr val="tx1"/>
+          </a:fontRef>
+        </p:style>
+      </p:cxnSp>
+      <p:sp>
+        <p:nvSpPr>
+          <p:cNvPr id="186" name="TextBox 185">
+            <a:extLst>
+              <a:ext uri="{FF2B5EF4-FFF2-40B4-BE49-F238E27FC236}">
+                <a16:creationId xmlns:a16="http://schemas.microsoft.com/office/drawing/2014/main" id="{62C57BFD-B3D8-E06E-658B-43725EE7E50A}"/>
+              </a:ext>
+            </a:extLst>
+          </p:cNvPr>
+          <p:cNvSpPr txBox="1"/>
+          <p:nvPr/>
+        </p:nvSpPr>
+        <p:spPr>
+          <a:xfrm>
+            <a:off x="10204704" y="4834035"/>
+            <a:ext cx="591825" cy="369332"/>
+          </a:xfrm>
+          <a:prstGeom prst="rect">
+            <a:avLst/>
+          </a:prstGeom>
+          <a:noFill/>
+        </p:spPr>
+        <p:txBody>
+          <a:bodyPr wrap="square" lIns="0" rIns="0" rtlCol="0">
+            <a:spAutoFit/>
+          </a:bodyPr>
+          <a:lstStyle/>
+          <a:p>
+            <a:pPr algn="l"/>
+            <a:r>
+              <a:rPr lang="en-US" dirty="0"/>
+              <a:t>      </a:t>
+            </a:r>
+          </a:p>
+        </p:txBody>
+      </p:sp>
+      <p:sp>
+        <p:nvSpPr>
+          <p:cNvPr id="193" name="TextBox 192">
+            <a:extLst>
+              <a:ext uri="{FF2B5EF4-FFF2-40B4-BE49-F238E27FC236}">
+                <a16:creationId xmlns:a16="http://schemas.microsoft.com/office/drawing/2014/main" id="{A3552622-EF37-FD15-E232-9776462225F3}"/>
+              </a:ext>
+            </a:extLst>
+          </p:cNvPr>
+          <p:cNvSpPr txBox="1"/>
+          <p:nvPr/>
+        </p:nvSpPr>
+        <p:spPr>
+          <a:xfrm>
+            <a:off x="603306" y="1847406"/>
+            <a:ext cx="243656" cy="369332"/>
+          </a:xfrm>
+          <a:prstGeom prst="rect">
+            <a:avLst/>
+          </a:prstGeom>
+          <a:noFill/>
+        </p:spPr>
+        <p:txBody>
+          <a:bodyPr wrap="none" lIns="0" rIns="0" rtlCol="0">
+            <a:spAutoFit/>
+          </a:bodyPr>
+          <a:lstStyle/>
+          <a:p>
+            <a:pPr algn="l"/>
+            <a:r>
+              <a:rPr lang="en-US" dirty="0"/>
+              <a:t>    </a:t>
+            </a:r>
+          </a:p>
+        </p:txBody>
+      </p:sp>
+      <p:grpSp>
+        <p:nvGrpSpPr>
+          <p:cNvPr id="204" name="Group 203">
+            <a:extLst>
+              <a:ext uri="{FF2B5EF4-FFF2-40B4-BE49-F238E27FC236}">
+                <a16:creationId xmlns:a16="http://schemas.microsoft.com/office/drawing/2014/main" id="{872F8D2D-B37F-2B02-7B3F-6B1008002E42}"/>
+              </a:ext>
+            </a:extLst>
+          </p:cNvPr>
+          <p:cNvGrpSpPr/>
+          <p:nvPr/>
+        </p:nvGrpSpPr>
+        <p:grpSpPr>
+          <a:xfrm>
+            <a:off x="4695327" y="4682194"/>
+            <a:ext cx="1741137" cy="1033460"/>
+            <a:chOff x="4622175" y="2738497"/>
+            <a:chExt cx="1741137" cy="1033460"/>
+          </a:xfrm>
+        </p:grpSpPr>
+        <p:grpSp>
+          <p:nvGrpSpPr>
+            <p:cNvPr id="38" name="Group 37">
+              <a:extLst>
+                <a:ext uri="{FF2B5EF4-FFF2-40B4-BE49-F238E27FC236}">
+                  <a16:creationId xmlns:a16="http://schemas.microsoft.com/office/drawing/2014/main" id="{A41126A5-E3B8-5FF8-7F0C-371025D5CA28}"/>
+                </a:ext>
+              </a:extLst>
+            </p:cNvPr>
+            <p:cNvGrpSpPr/>
+            <p:nvPr/>
+          </p:nvGrpSpPr>
+          <p:grpSpPr>
+            <a:xfrm>
+              <a:off x="4622175" y="2738497"/>
+              <a:ext cx="1741137" cy="1033460"/>
+              <a:chOff x="5971132" y="3645743"/>
+              <a:chExt cx="1438957" cy="1375538"/>
+            </a:xfrm>
+          </p:grpSpPr>
+          <p:sp>
+            <p:nvSpPr>
+              <p:cNvPr id="30" name="Rectangle 29">
+                <a:extLst>
+                  <a:ext uri="{FF2B5EF4-FFF2-40B4-BE49-F238E27FC236}">
+                    <a16:creationId xmlns:a16="http://schemas.microsoft.com/office/drawing/2014/main" id="{40D70696-E320-DA27-EC69-2CE27A123E7F}"/>
+                  </a:ext>
+                </a:extLst>
+              </p:cNvPr>
+              <p:cNvSpPr/>
+              <p:nvPr/>
+            </p:nvSpPr>
+            <p:spPr>
+              <a:xfrm>
+                <a:off x="5971132" y="3860148"/>
+                <a:ext cx="1438957" cy="1161133"/>
+              </a:xfrm>
+              <a:prstGeom prst="rect">
+                <a:avLst/>
+              </a:prstGeom>
+              <a:solidFill>
+                <a:schemeClr val="bg1"/>
+              </a:solidFill>
+              <a:ln w="19050">
+                <a:solidFill>
+                  <a:srgbClr val="5A6B86"/>
+                </a:solidFill>
+                <a:prstDash val="solid"/>
+              </a:ln>
+            </p:spPr>
+            <p:style>
+              <a:lnRef idx="2">
+                <a:schemeClr val="accent1">
+                  <a:shade val="50000"/>
+                </a:schemeClr>
+              </a:lnRef>
+              <a:fillRef idx="1">
+                <a:schemeClr val="accent1"/>
+              </a:fillRef>
+              <a:effectRef idx="0">
+                <a:schemeClr val="accent1"/>
+              </a:effectRef>
+              <a:fontRef idx="minor">
+                <a:schemeClr val="lt1"/>
+              </a:fontRef>
+            </p:style>
+            <p:txBody>
+              <a:bodyPr lIns="0" tIns="36000" rIns="0" anchor="b"/>
+              <a:lstStyle/>
+              <a:p>
+                <a:pPr marL="15875" algn="ctr" eaLnBrk="1" fontAlgn="auto" hangingPunct="1">
+                  <a:spcBef>
+                    <a:spcPts val="0"/>
+                  </a:spcBef>
+                  <a:spcAft>
+                    <a:spcPts val="0"/>
+                  </a:spcAft>
+                  <a:defRPr/>
+                </a:pPr>
+                <a:endParaRPr lang="en-US" sz="2000" i="1" dirty="0">
+                  <a:solidFill>
+                    <a:schemeClr val="bg2">
+                      <a:lumMod val="40000"/>
+                      <a:lumOff val="60000"/>
+                    </a:schemeClr>
+                  </a:solidFill>
+                  <a:effectLst>
+                    <a:glow>
+                      <a:schemeClr val="bg1"/>
+                    </a:glow>
+                  </a:effectLst>
+                </a:endParaRPr>
+              </a:p>
+              <a:p>
+                <a:pPr marL="15875" algn="ctr" eaLnBrk="1" fontAlgn="auto" hangingPunct="1">
+                  <a:spcBef>
+                    <a:spcPts val="0"/>
+                  </a:spcBef>
+                  <a:spcAft>
+                    <a:spcPts val="0"/>
+                  </a:spcAft>
+                  <a:defRPr/>
+                </a:pPr>
+                <a:r>
+                  <a:rPr lang="en-US" sz="2000" dirty="0">
+                    <a:solidFill>
+                      <a:schemeClr val="bg2">
+                        <a:lumMod val="40000"/>
+                        <a:lumOff val="60000"/>
+                      </a:schemeClr>
+                    </a:solidFill>
+                    <a:effectLst>
+                      <a:glow>
+                        <a:schemeClr val="bg1"/>
+                      </a:glow>
+                    </a:effectLst>
+                  </a:rPr>
+                  <a:t>dispenser #1</a:t>
+                </a:r>
+              </a:p>
+            </p:txBody>
+          </p:sp>
+          <p:sp>
+            <p:nvSpPr>
+              <p:cNvPr id="37" name="TextBox 36">
+                <a:extLst>
+                  <a:ext uri="{FF2B5EF4-FFF2-40B4-BE49-F238E27FC236}">
+                    <a16:creationId xmlns:a16="http://schemas.microsoft.com/office/drawing/2014/main" id="{135AA78D-8FF1-F600-6AC9-DCADCA2EB86D}"/>
+                  </a:ext>
+                </a:extLst>
+              </p:cNvPr>
+              <p:cNvSpPr txBox="1"/>
+              <p:nvPr/>
+            </p:nvSpPr>
+            <p:spPr>
+              <a:xfrm>
+                <a:off x="6267377" y="3645743"/>
+                <a:ext cx="1133631" cy="830998"/>
+              </a:xfrm>
+              <a:prstGeom prst="rect">
+                <a:avLst/>
+              </a:prstGeom>
+              <a:noFill/>
+            </p:spPr>
+            <p:txBody>
+              <a:bodyPr wrap="square">
+                <a:spAutoFit/>
+              </a:bodyPr>
+              <a:lstStyle/>
+              <a:p>
+                <a:pPr algn="ctr"/>
+                <a:r>
+                  <a:rPr lang="en-GB" sz="4800" baseline="-11000" dirty="0">
+                    <a:solidFill>
+                      <a:schemeClr val="bg2">
+                        <a:lumMod val="40000"/>
+                        <a:lumOff val="60000"/>
+                      </a:schemeClr>
+                    </a:solidFill>
+                    <a:effectLst>
+                      <a:glow>
+                        <a:schemeClr val="bg1"/>
+                      </a:glow>
+                    </a:effectLst>
+                  </a:rPr>
+                  <a:t>💵</a:t>
+                </a:r>
+                <a:endParaRPr lang="en-US" sz="4800" dirty="0"/>
+              </a:p>
+            </p:txBody>
+          </p:sp>
+        </p:grpSp>
+        <p:sp>
+          <p:nvSpPr>
+            <p:cNvPr id="203" name="TextBox 202">
+              <a:extLst>
+                <a:ext uri="{FF2B5EF4-FFF2-40B4-BE49-F238E27FC236}">
+                  <a16:creationId xmlns:a16="http://schemas.microsoft.com/office/drawing/2014/main" id="{20115B28-DB94-D78D-A563-D69B13B248C1}"/>
+                </a:ext>
+              </a:extLst>
+            </p:cNvPr>
+            <p:cNvSpPr txBox="1"/>
+            <p:nvPr/>
+          </p:nvSpPr>
+          <p:spPr>
+            <a:xfrm>
+              <a:off x="5073090" y="3056716"/>
+              <a:ext cx="447501" cy="369332"/>
+            </a:xfrm>
+            <a:prstGeom prst="rect">
+              <a:avLst/>
+            </a:prstGeom>
+            <a:noFill/>
+          </p:spPr>
+          <p:txBody>
+            <a:bodyPr wrap="square">
+              <a:spAutoFit/>
+            </a:bodyPr>
+            <a:lstStyle/>
+            <a:p>
+              <a:r>
+                <a:rPr lang="en-GB" b="0" dirty="0">
+                  <a:solidFill>
+                    <a:srgbClr val="CE9178"/>
+                  </a:solidFill>
+                  <a:effectLst/>
+                  <a:latin typeface="Menlo" panose="020B0609030804020204" pitchFamily="49" charset="0"/>
+                </a:rPr>
+                <a:t>🔌</a:t>
+              </a:r>
+              <a:endParaRPr lang="en-GB" b="0" dirty="0">
+                <a:solidFill>
+                  <a:srgbClr val="D4D4D4"/>
+                </a:solidFill>
+                <a:effectLst/>
+                <a:latin typeface="Menlo" panose="020B0609030804020204" pitchFamily="49" charset="0"/>
+              </a:endParaRPr>
+            </a:p>
+          </p:txBody>
+        </p:sp>
+      </p:grpSp>
+      <p:sp>
+        <p:nvSpPr>
+          <p:cNvPr id="209" name="Rectangle 208">
+            <a:extLst>
+              <a:ext uri="{FF2B5EF4-FFF2-40B4-BE49-F238E27FC236}">
+                <a16:creationId xmlns:a16="http://schemas.microsoft.com/office/drawing/2014/main" id="{5683E6F5-2770-DCA7-4FD5-52A6CC216E4B}"/>
+              </a:ext>
+            </a:extLst>
+          </p:cNvPr>
+          <p:cNvSpPr/>
+          <p:nvPr/>
+        </p:nvSpPr>
+        <p:spPr>
+          <a:xfrm>
+            <a:off x="4619850" y="4265337"/>
+            <a:ext cx="1872390" cy="1529178"/>
+          </a:xfrm>
+          <a:prstGeom prst="rect">
+            <a:avLst/>
+          </a:prstGeom>
+          <a:noFill/>
+          <a:ln w="12700">
+            <a:solidFill>
+              <a:srgbClr val="5A6B86"/>
+            </a:solidFill>
+            <a:prstDash val="dash"/>
+          </a:ln>
+        </p:spPr>
+        <p:style>
+          <a:lnRef idx="2">
+            <a:schemeClr val="accent1">
+              <a:shade val="50000"/>
+            </a:schemeClr>
+          </a:lnRef>
+          <a:fillRef idx="1">
+            <a:schemeClr val="accent1"/>
+          </a:fillRef>
+          <a:effectRef idx="0">
+            <a:schemeClr val="accent1"/>
+          </a:effectRef>
+          <a:fontRef idx="minor">
+            <a:schemeClr val="lt1"/>
+          </a:fontRef>
+        </p:style>
+        <p:txBody>
+          <a:bodyPr tIns="36000"/>
+          <a:lstStyle/>
+          <a:p>
+            <a:pPr eaLnBrk="1" fontAlgn="auto" hangingPunct="1">
+              <a:spcBef>
+                <a:spcPts val="0"/>
+              </a:spcBef>
+              <a:spcAft>
+                <a:spcPts val="0"/>
+              </a:spcAft>
+              <a:defRPr/>
+            </a:pPr>
+            <a:endParaRPr lang="en-US" sz="2000" i="1" dirty="0">
+              <a:solidFill>
+                <a:schemeClr val="bg2">
+                  <a:lumMod val="40000"/>
+                  <a:lumOff val="60000"/>
+                </a:schemeClr>
+              </a:solidFill>
+              <a:effectLst>
+                <a:glow>
+                  <a:schemeClr val="bg1"/>
+                </a:glow>
+              </a:effectLst>
+            </a:endParaRPr>
+          </a:p>
+        </p:txBody>
+      </p:sp>
+      <p:sp>
+        <p:nvSpPr>
+          <p:cNvPr id="210" name="Rectangle 209">
+            <a:extLst>
+              <a:ext uri="{FF2B5EF4-FFF2-40B4-BE49-F238E27FC236}">
+                <a16:creationId xmlns:a16="http://schemas.microsoft.com/office/drawing/2014/main" id="{588488EB-CC05-1C8D-7403-2DFFD319C435}"/>
+              </a:ext>
+            </a:extLst>
+          </p:cNvPr>
+          <p:cNvSpPr/>
+          <p:nvPr/>
+        </p:nvSpPr>
+        <p:spPr>
+          <a:xfrm>
+            <a:off x="6609442" y="4263668"/>
+            <a:ext cx="660038" cy="1529178"/>
+          </a:xfrm>
+          <a:prstGeom prst="rect">
+            <a:avLst/>
+          </a:prstGeom>
+          <a:noFill/>
+          <a:ln w="12700">
+            <a:solidFill>
+              <a:srgbClr val="5A6B86"/>
+            </a:solidFill>
+            <a:prstDash val="dash"/>
+          </a:ln>
+        </p:spPr>
+        <p:style>
+          <a:lnRef idx="2">
+            <a:schemeClr val="accent1">
+              <a:shade val="50000"/>
+            </a:schemeClr>
+          </a:lnRef>
+          <a:fillRef idx="1">
+            <a:schemeClr val="accent1"/>
+          </a:fillRef>
+          <a:effectRef idx="0">
+            <a:schemeClr val="accent1"/>
+          </a:effectRef>
+          <a:fontRef idx="minor">
+            <a:schemeClr val="lt1"/>
+          </a:fontRef>
+        </p:style>
+        <p:txBody>
+          <a:bodyPr tIns="36000"/>
+          <a:lstStyle/>
+          <a:p>
+            <a:pPr eaLnBrk="1" fontAlgn="auto" hangingPunct="1">
+              <a:spcBef>
+                <a:spcPts val="0"/>
+              </a:spcBef>
+              <a:spcAft>
+                <a:spcPts val="0"/>
+              </a:spcAft>
+              <a:defRPr/>
+            </a:pPr>
+            <a:endParaRPr lang="en-US" sz="2000" i="1" dirty="0">
+              <a:solidFill>
+                <a:schemeClr val="bg2">
+                  <a:lumMod val="40000"/>
+                  <a:lumOff val="60000"/>
+                </a:schemeClr>
+              </a:solidFill>
+              <a:effectLst>
+                <a:glow>
+                  <a:schemeClr val="bg1"/>
+                </a:glow>
+              </a:effectLst>
+            </a:endParaRPr>
+          </a:p>
+        </p:txBody>
+      </p:sp>
+      <p:sp>
+        <p:nvSpPr>
+          <p:cNvPr id="211" name="Rectangle 210">
+            <a:extLst>
+              <a:ext uri="{FF2B5EF4-FFF2-40B4-BE49-F238E27FC236}">
+                <a16:creationId xmlns:a16="http://schemas.microsoft.com/office/drawing/2014/main" id="{705CE470-A80E-B13F-1641-43810226E530}"/>
+              </a:ext>
+            </a:extLst>
+          </p:cNvPr>
+          <p:cNvSpPr/>
+          <p:nvPr/>
+        </p:nvSpPr>
+        <p:spPr>
+          <a:xfrm>
+            <a:off x="7374760" y="4263668"/>
+            <a:ext cx="675935" cy="1529178"/>
+          </a:xfrm>
+          <a:prstGeom prst="rect">
+            <a:avLst/>
+          </a:prstGeom>
+          <a:noFill/>
+          <a:ln w="12700">
+            <a:solidFill>
+              <a:srgbClr val="5A6B86"/>
+            </a:solidFill>
+            <a:prstDash val="dash"/>
+          </a:ln>
+        </p:spPr>
+        <p:style>
+          <a:lnRef idx="2">
+            <a:schemeClr val="accent1">
+              <a:shade val="50000"/>
+            </a:schemeClr>
+          </a:lnRef>
+          <a:fillRef idx="1">
+            <a:schemeClr val="accent1"/>
+          </a:fillRef>
+          <a:effectRef idx="0">
+            <a:schemeClr val="accent1"/>
+          </a:effectRef>
+          <a:fontRef idx="minor">
+            <a:schemeClr val="lt1"/>
+          </a:fontRef>
+        </p:style>
+        <p:txBody>
+          <a:bodyPr tIns="36000"/>
+          <a:lstStyle/>
+          <a:p>
+            <a:pPr eaLnBrk="1" fontAlgn="auto" hangingPunct="1">
+              <a:spcBef>
+                <a:spcPts val="0"/>
+              </a:spcBef>
+              <a:spcAft>
+                <a:spcPts val="0"/>
+              </a:spcAft>
+              <a:defRPr/>
+            </a:pPr>
+            <a:endParaRPr lang="en-US" sz="2000" i="1" dirty="0">
+              <a:solidFill>
+                <a:schemeClr val="bg2">
+                  <a:lumMod val="40000"/>
+                  <a:lumOff val="60000"/>
+                </a:schemeClr>
+              </a:solidFill>
+              <a:effectLst>
+                <a:glow>
+                  <a:schemeClr val="bg1"/>
+                </a:glow>
+              </a:effectLst>
+            </a:endParaRPr>
+          </a:p>
+        </p:txBody>
+      </p:sp>
+      <p:cxnSp>
+        <p:nvCxnSpPr>
+          <p:cNvPr id="157" name="Straight Arrow Connector 12">
+            <a:extLst>
+              <a:ext uri="{FF2B5EF4-FFF2-40B4-BE49-F238E27FC236}">
+                <a16:creationId xmlns:a16="http://schemas.microsoft.com/office/drawing/2014/main" id="{9C171483-0620-4F28-E5F4-A33F9252BC38}"/>
+              </a:ext>
+            </a:extLst>
+          </p:cNvPr>
+          <p:cNvCxnSpPr>
+            <a:cxnSpLocks/>
+            <a:endCxn id="77" idx="3"/>
+          </p:cNvCxnSpPr>
+          <p:nvPr/>
+        </p:nvCxnSpPr>
+        <p:spPr>
+          <a:xfrm flipH="1">
+            <a:off x="7985999" y="4531963"/>
+            <a:ext cx="2208589" cy="0"/>
+          </a:xfrm>
+          <a:prstGeom prst="straightConnector1">
+            <a:avLst/>
+          </a:prstGeom>
+          <a:ln>
+            <a:solidFill>
+              <a:schemeClr val="tx1">
+                <a:lumMod val="85000"/>
+              </a:schemeClr>
+            </a:solidFill>
+            <a:tailEnd type="triangle" w="lg" len="lg"/>
+          </a:ln>
+        </p:spPr>
+        <p:style>
+          <a:lnRef idx="3">
+            <a:schemeClr val="accent2"/>
+          </a:lnRef>
+          <a:fillRef idx="0">
+            <a:schemeClr val="accent2"/>
+          </a:fillRef>
+          <a:effectRef idx="2">
+            <a:schemeClr val="accent2"/>
+          </a:effectRef>
+          <a:fontRef idx="minor">
+            <a:schemeClr val="tx1"/>
+          </a:fontRef>
+        </p:style>
+      </p:cxnSp>
+      <p:cxnSp>
+        <p:nvCxnSpPr>
+          <p:cNvPr id="113" name="Straight Arrow Connector 12">
+            <a:extLst>
+              <a:ext uri="{FF2B5EF4-FFF2-40B4-BE49-F238E27FC236}">
+                <a16:creationId xmlns:a16="http://schemas.microsoft.com/office/drawing/2014/main" id="{3AC4D88E-E18F-91EA-44AC-BEEFA1E36CD1}"/>
+              </a:ext>
+            </a:extLst>
+          </p:cNvPr>
+          <p:cNvCxnSpPr>
+            <a:cxnSpLocks/>
+            <a:stCxn id="100" idx="2"/>
+            <a:endCxn id="70" idx="1"/>
+          </p:cNvCxnSpPr>
+          <p:nvPr/>
+        </p:nvCxnSpPr>
+        <p:spPr>
+          <a:xfrm rot="16200000" flipH="1">
+            <a:off x="2024241" y="1860878"/>
+            <a:ext cx="2322730" cy="3019439"/>
+          </a:xfrm>
+          <a:prstGeom prst="bentConnector2">
+            <a:avLst/>
+          </a:prstGeom>
+          <a:ln>
+            <a:solidFill>
+              <a:schemeClr val="tx1">
+                <a:lumMod val="85000"/>
+              </a:schemeClr>
+            </a:solidFill>
+            <a:tailEnd type="triangle" w="lg" len="lg"/>
+          </a:ln>
+        </p:spPr>
+        <p:style>
+          <a:lnRef idx="3">
+            <a:schemeClr val="accent2"/>
+          </a:lnRef>
+          <a:fillRef idx="0">
+            <a:schemeClr val="accent2"/>
+          </a:fillRef>
+          <a:effectRef idx="2">
+            <a:schemeClr val="accent2"/>
+          </a:effectRef>
+          <a:fontRef idx="minor">
+            <a:schemeClr val="tx1"/>
+          </a:fontRef>
+        </p:style>
+      </p:cxnSp>
+      <p:cxnSp>
+        <p:nvCxnSpPr>
+          <p:cNvPr id="117" name="Straight Arrow Connector 12">
+            <a:extLst>
+              <a:ext uri="{FF2B5EF4-FFF2-40B4-BE49-F238E27FC236}">
+                <a16:creationId xmlns:a16="http://schemas.microsoft.com/office/drawing/2014/main" id="{532B7B00-4F09-C1B6-6B31-0FFA79606DBB}"/>
+              </a:ext>
+            </a:extLst>
+          </p:cNvPr>
+          <p:cNvCxnSpPr>
+            <a:cxnSpLocks/>
+            <a:stCxn id="193" idx="2"/>
+            <a:endCxn id="30" idx="1"/>
+          </p:cNvCxnSpPr>
+          <p:nvPr/>
+        </p:nvCxnSpPr>
+        <p:spPr>
+          <a:xfrm rot="16200000" flipH="1">
+            <a:off x="1178866" y="1763005"/>
+            <a:ext cx="3062729" cy="3970193"/>
+          </a:xfrm>
+          <a:prstGeom prst="bentConnector2">
+            <a:avLst/>
+          </a:prstGeom>
+          <a:ln>
+            <a:solidFill>
+              <a:schemeClr val="tx1">
+                <a:lumMod val="85000"/>
+              </a:schemeClr>
+            </a:solidFill>
+            <a:tailEnd type="triangle" w="lg" len="lg"/>
+          </a:ln>
+        </p:spPr>
+        <p:style>
+          <a:lnRef idx="3">
+            <a:schemeClr val="accent2"/>
+          </a:lnRef>
+          <a:fillRef idx="0">
+            <a:schemeClr val="accent2"/>
+          </a:fillRef>
+          <a:effectRef idx="2">
+            <a:schemeClr val="accent2"/>
+          </a:effectRef>
+          <a:fontRef idx="minor">
+            <a:schemeClr val="tx1"/>
+          </a:fontRef>
+        </p:style>
+      </p:cxnSp>
+      <p:cxnSp>
+        <p:nvCxnSpPr>
+          <p:cNvPr id="217" name="Straight Arrow Connector 12">
+            <a:extLst>
+              <a:ext uri="{FF2B5EF4-FFF2-40B4-BE49-F238E27FC236}">
+                <a16:creationId xmlns:a16="http://schemas.microsoft.com/office/drawing/2014/main" id="{D8BC1B86-F614-89B2-3E2B-6DC69AD52CFC}"/>
+              </a:ext>
+            </a:extLst>
+          </p:cNvPr>
+          <p:cNvCxnSpPr>
+            <a:cxnSpLocks/>
+          </p:cNvCxnSpPr>
+          <p:nvPr/>
+        </p:nvCxnSpPr>
+        <p:spPr>
+          <a:xfrm>
+            <a:off x="5556045" y="3388747"/>
+            <a:ext cx="0" cy="874921"/>
+          </a:xfrm>
+          <a:prstGeom prst="straightConnector1">
+            <a:avLst/>
+          </a:prstGeom>
+          <a:ln>
+            <a:solidFill>
+              <a:schemeClr val="tx1">
+                <a:lumMod val="85000"/>
+              </a:schemeClr>
+            </a:solidFill>
+            <a:tailEnd type="triangle" w="lg" len="lg"/>
+          </a:ln>
+        </p:spPr>
+        <p:style>
+          <a:lnRef idx="3">
+            <a:schemeClr val="accent2"/>
+          </a:lnRef>
+          <a:fillRef idx="0">
+            <a:schemeClr val="accent2"/>
+          </a:fillRef>
+          <a:effectRef idx="2">
+            <a:schemeClr val="accent2"/>
+          </a:effectRef>
+          <a:fontRef idx="minor">
+            <a:schemeClr val="tx1"/>
+          </a:fontRef>
+        </p:style>
+      </p:cxnSp>
+      <p:cxnSp>
+        <p:nvCxnSpPr>
+          <p:cNvPr id="220" name="Straight Arrow Connector 12">
+            <a:extLst>
+              <a:ext uri="{FF2B5EF4-FFF2-40B4-BE49-F238E27FC236}">
+                <a16:creationId xmlns:a16="http://schemas.microsoft.com/office/drawing/2014/main" id="{3D19ED90-B028-EDC8-03A4-54DA30013530}"/>
+              </a:ext>
+            </a:extLst>
+          </p:cNvPr>
+          <p:cNvCxnSpPr>
+            <a:cxnSpLocks/>
+          </p:cNvCxnSpPr>
+          <p:nvPr/>
+        </p:nvCxnSpPr>
+        <p:spPr>
+          <a:xfrm>
+            <a:off x="6939461" y="3388747"/>
+            <a:ext cx="0" cy="874921"/>
+          </a:xfrm>
+          <a:prstGeom prst="straightConnector1">
+            <a:avLst/>
+          </a:prstGeom>
+          <a:ln>
+            <a:solidFill>
+              <a:schemeClr val="tx1">
+                <a:lumMod val="85000"/>
+              </a:schemeClr>
+            </a:solidFill>
+            <a:tailEnd type="triangle" w="lg" len="lg"/>
+          </a:ln>
+        </p:spPr>
+        <p:style>
+          <a:lnRef idx="3">
+            <a:schemeClr val="accent2"/>
+          </a:lnRef>
+          <a:fillRef idx="0">
+            <a:schemeClr val="accent2"/>
+          </a:fillRef>
+          <a:effectRef idx="2">
+            <a:schemeClr val="accent2"/>
+          </a:effectRef>
+          <a:fontRef idx="minor">
+            <a:schemeClr val="tx1"/>
+          </a:fontRef>
+        </p:style>
+      </p:cxnSp>
+      <p:cxnSp>
+        <p:nvCxnSpPr>
+          <p:cNvPr id="223" name="Straight Arrow Connector 12">
+            <a:extLst>
+              <a:ext uri="{FF2B5EF4-FFF2-40B4-BE49-F238E27FC236}">
+                <a16:creationId xmlns:a16="http://schemas.microsoft.com/office/drawing/2014/main" id="{5A124ACF-65DB-D378-D265-5873B48E6802}"/>
+              </a:ext>
+            </a:extLst>
+          </p:cNvPr>
+          <p:cNvCxnSpPr>
+            <a:cxnSpLocks/>
+          </p:cNvCxnSpPr>
+          <p:nvPr/>
+        </p:nvCxnSpPr>
+        <p:spPr>
+          <a:xfrm>
+            <a:off x="7704779" y="3388747"/>
+            <a:ext cx="1" cy="874921"/>
+          </a:xfrm>
+          <a:prstGeom prst="straightConnector1">
+            <a:avLst/>
+          </a:prstGeom>
+          <a:ln>
+            <a:solidFill>
+              <a:schemeClr val="tx1">
+                <a:lumMod val="85000"/>
+              </a:schemeClr>
+            </a:solidFill>
+            <a:tailEnd type="triangle" w="lg" len="lg"/>
+          </a:ln>
+        </p:spPr>
+        <p:style>
+          <a:lnRef idx="3">
+            <a:schemeClr val="accent2"/>
+          </a:lnRef>
+          <a:fillRef idx="0">
+            <a:schemeClr val="accent2"/>
+          </a:fillRef>
+          <a:effectRef idx="2">
+            <a:schemeClr val="accent2"/>
+          </a:effectRef>
+          <a:fontRef idx="minor">
+            <a:schemeClr val="tx1"/>
+          </a:fontRef>
+        </p:style>
+      </p:cxnSp>
+      <p:cxnSp>
+        <p:nvCxnSpPr>
+          <p:cNvPr id="235" name="Straight Arrow Connector 12">
+            <a:extLst>
+              <a:ext uri="{FF2B5EF4-FFF2-40B4-BE49-F238E27FC236}">
+                <a16:creationId xmlns:a16="http://schemas.microsoft.com/office/drawing/2014/main" id="{C4F31ECE-4486-96B4-950B-B44E8C697A5B}"/>
+              </a:ext>
+            </a:extLst>
+          </p:cNvPr>
+          <p:cNvCxnSpPr>
+            <a:cxnSpLocks/>
+          </p:cNvCxnSpPr>
+          <p:nvPr/>
+        </p:nvCxnSpPr>
+        <p:spPr>
+          <a:xfrm rot="10800000" flipV="1">
+            <a:off x="8044738" y="2920332"/>
+            <a:ext cx="821104" cy="12757"/>
+          </a:xfrm>
+          <a:prstGeom prst="bentConnector3">
+            <a:avLst>
+              <a:gd name="adj1" fmla="val 50000"/>
+            </a:avLst>
+          </a:prstGeom>
+          <a:ln>
+            <a:solidFill>
+              <a:schemeClr val="bg1">
+                <a:lumMod val="50000"/>
+                <a:lumOff val="50000"/>
+              </a:schemeClr>
+            </a:solidFill>
+            <a:prstDash val="dash"/>
+            <a:tailEnd type="triangle" w="lg" len="lg"/>
+          </a:ln>
+        </p:spPr>
+        <p:style>
+          <a:lnRef idx="3">
+            <a:schemeClr val="accent2"/>
+          </a:lnRef>
+          <a:fillRef idx="0">
+            <a:schemeClr val="accent2"/>
+          </a:fillRef>
+          <a:effectRef idx="2">
+            <a:schemeClr val="accent2"/>
+          </a:effectRef>
+          <a:fontRef idx="minor">
+            <a:schemeClr val="tx1"/>
+          </a:fontRef>
+        </p:style>
+      </p:cxnSp>
+      <p:cxnSp>
+        <p:nvCxnSpPr>
+          <p:cNvPr id="171" name="Straight Arrow Connector 12">
+            <a:extLst>
+              <a:ext uri="{FF2B5EF4-FFF2-40B4-BE49-F238E27FC236}">
+                <a16:creationId xmlns:a16="http://schemas.microsoft.com/office/drawing/2014/main" id="{AFB4CD8C-2D17-AB02-8315-857B3A0F414A}"/>
+              </a:ext>
+            </a:extLst>
+          </p:cNvPr>
+          <p:cNvCxnSpPr>
+            <a:cxnSpLocks/>
+            <a:stCxn id="181" idx="2"/>
+            <a:endCxn id="80" idx="3"/>
+          </p:cNvCxnSpPr>
+          <p:nvPr/>
+        </p:nvCxnSpPr>
+        <p:spPr>
+          <a:xfrm rot="5400000">
+            <a:off x="9463660" y="3651722"/>
+            <a:ext cx="150876" cy="3104614"/>
+          </a:xfrm>
+          <a:prstGeom prst="bentConnector2">
+            <a:avLst/>
+          </a:prstGeom>
+          <a:ln>
+            <a:solidFill>
+              <a:schemeClr val="tx1">
+                <a:lumMod val="85000"/>
+              </a:schemeClr>
+            </a:solidFill>
+            <a:tailEnd type="triangle" w="lg" len="lg"/>
+          </a:ln>
+        </p:spPr>
+        <p:style>
+          <a:lnRef idx="3">
+            <a:schemeClr val="accent2"/>
+          </a:lnRef>
+          <a:fillRef idx="0">
+            <a:schemeClr val="accent2"/>
+          </a:fillRef>
+          <a:effectRef idx="2">
+            <a:schemeClr val="accent2"/>
+          </a:effectRef>
+          <a:fontRef idx="minor">
+            <a:schemeClr val="tx1"/>
+          </a:fontRef>
+        </p:style>
+      </p:cxnSp>
+      <p:sp>
+        <p:nvSpPr>
+          <p:cNvPr id="7" name="TextBox 6">
+            <a:extLst>
+              <a:ext uri="{FF2B5EF4-FFF2-40B4-BE49-F238E27FC236}">
+                <a16:creationId xmlns:a16="http://schemas.microsoft.com/office/drawing/2014/main" id="{867BCCCF-0CF6-F82E-7359-E4A4B313E977}"/>
+              </a:ext>
+            </a:extLst>
+          </p:cNvPr>
+          <p:cNvSpPr txBox="1"/>
+          <p:nvPr/>
+        </p:nvSpPr>
+        <p:spPr>
+          <a:xfrm>
+            <a:off x="218143" y="6278524"/>
+            <a:ext cx="1739259" cy="523220"/>
+          </a:xfrm>
+          <a:prstGeom prst="rect">
+            <a:avLst/>
+          </a:prstGeom>
+          <a:noFill/>
+        </p:spPr>
+        <p:txBody>
+          <a:bodyPr wrap="none" lIns="0" rIns="0" rtlCol="0">
+            <a:spAutoFit/>
+          </a:bodyPr>
+          <a:lstStyle/>
+          <a:p>
+            <a:pPr algn="l"/>
+            <a:r>
+              <a:rPr lang="en-GB" sz="2800" dirty="0">
+                <a:solidFill>
+                  <a:srgbClr val="FFFF00"/>
+                </a:solidFill>
+              </a:rPr>
+              <a:t>EFEMERAL</a:t>
+            </a:r>
+          </a:p>
+        </p:txBody>
+      </p:sp>
+      <p:grpSp>
+        <p:nvGrpSpPr>
+          <p:cNvPr id="8" name="Group 7">
+            <a:extLst>
+              <a:ext uri="{FF2B5EF4-FFF2-40B4-BE49-F238E27FC236}">
+                <a16:creationId xmlns:a16="http://schemas.microsoft.com/office/drawing/2014/main" id="{3A42FD5F-5A10-D0F3-BF1B-E6CC5923DECC}"/>
+              </a:ext>
+            </a:extLst>
+          </p:cNvPr>
+          <p:cNvGrpSpPr/>
+          <p:nvPr/>
+        </p:nvGrpSpPr>
+        <p:grpSpPr>
+          <a:xfrm>
+            <a:off x="8417278" y="2719031"/>
+            <a:ext cx="2379251" cy="1038741"/>
+            <a:chOff x="10283893" y="2277339"/>
+            <a:chExt cx="2379251" cy="1038741"/>
+          </a:xfrm>
+        </p:grpSpPr>
+        <p:sp>
+          <p:nvSpPr>
+            <p:cNvPr id="9" name="Rectangle 8">
+              <a:extLst>
+                <a:ext uri="{FF2B5EF4-FFF2-40B4-BE49-F238E27FC236}">
+                  <a16:creationId xmlns:a16="http://schemas.microsoft.com/office/drawing/2014/main" id="{A263DDEE-5ABB-36FD-8B5C-0CD7D8DD94CB}"/>
+                </a:ext>
+              </a:extLst>
+            </p:cNvPr>
+            <p:cNvSpPr/>
+            <p:nvPr/>
+          </p:nvSpPr>
+          <p:spPr>
+            <a:xfrm>
+              <a:off x="10283893" y="2277339"/>
+              <a:ext cx="2379251" cy="1038741"/>
+            </a:xfrm>
+            <a:prstGeom prst="rect">
+              <a:avLst/>
+            </a:prstGeom>
+            <a:solidFill>
+              <a:schemeClr val="bg1"/>
+            </a:solidFill>
+            <a:ln w="12700">
+              <a:solidFill>
+                <a:srgbClr val="5A6B86"/>
+              </a:solidFill>
+              <a:prstDash val="dash"/>
+            </a:ln>
+          </p:spPr>
+          <p:style>
+            <a:lnRef idx="2">
+              <a:schemeClr val="accent1">
+                <a:shade val="50000"/>
+              </a:schemeClr>
+            </a:lnRef>
+            <a:fillRef idx="1">
+              <a:schemeClr val="accent1"/>
+            </a:fillRef>
+            <a:effectRef idx="0">
+              <a:schemeClr val="accent1"/>
+            </a:effectRef>
+            <a:fontRef idx="minor">
+              <a:schemeClr val="lt1"/>
+            </a:fontRef>
+          </p:style>
+          <p:txBody>
+            <a:bodyPr tIns="36000"/>
+            <a:lstStyle/>
+            <a:p>
+              <a:pPr eaLnBrk="1" fontAlgn="auto" hangingPunct="1">
+                <a:spcBef>
+                  <a:spcPts val="0"/>
+                </a:spcBef>
+                <a:spcAft>
+                  <a:spcPts val="0"/>
+                </a:spcAft>
+                <a:defRPr/>
+              </a:pPr>
+              <a:r>
+                <a:rPr lang="en-GB" sz="2800" baseline="-9000" dirty="0">
+                  <a:solidFill>
+                    <a:schemeClr val="bg2">
+                      <a:lumMod val="40000"/>
+                      <a:lumOff val="60000"/>
+                    </a:schemeClr>
+                  </a:solidFill>
+                  <a:effectLst>
+                    <a:glow>
+                      <a:schemeClr val="bg1"/>
+                    </a:glow>
+                  </a:effectLst>
+                </a:rPr>
+                <a:t>🏭</a:t>
+              </a:r>
+              <a:r>
+                <a:rPr lang="en-GB" sz="2000" i="1" dirty="0">
+                  <a:solidFill>
+                    <a:schemeClr val="bg2">
+                      <a:lumMod val="40000"/>
+                      <a:lumOff val="60000"/>
+                    </a:schemeClr>
+                  </a:solidFill>
+                  <a:effectLst>
+                    <a:glow>
+                      <a:schemeClr val="bg1"/>
+                    </a:glow>
+                  </a:effectLst>
+                </a:rPr>
+                <a:t> </a:t>
+              </a:r>
+              <a:r>
+                <a:rPr lang="en-US" sz="2000" i="1" dirty="0">
+                  <a:solidFill>
+                    <a:schemeClr val="bg2">
+                      <a:lumMod val="40000"/>
+                      <a:lumOff val="60000"/>
+                    </a:schemeClr>
+                  </a:solidFill>
+                  <a:effectLst>
+                    <a:glow>
+                      <a:schemeClr val="bg1"/>
+                    </a:glow>
+                  </a:effectLst>
+                </a:rPr>
+                <a:t>supplier</a:t>
+              </a:r>
+            </a:p>
+          </p:txBody>
+        </p:sp>
+        <p:sp>
+          <p:nvSpPr>
+            <p:cNvPr id="10" name="Rectangle 9">
+              <a:extLst>
+                <a:ext uri="{FF2B5EF4-FFF2-40B4-BE49-F238E27FC236}">
+                  <a16:creationId xmlns:a16="http://schemas.microsoft.com/office/drawing/2014/main" id="{CC5F89F0-56B3-BB14-710A-011DC89F8D10}"/>
+                </a:ext>
+              </a:extLst>
+            </p:cNvPr>
+            <p:cNvSpPr/>
+            <p:nvPr/>
+          </p:nvSpPr>
+          <p:spPr>
+            <a:xfrm>
+              <a:off x="10370885" y="2679899"/>
+              <a:ext cx="2202768" cy="566426"/>
+            </a:xfrm>
+            <a:prstGeom prst="rect">
+              <a:avLst/>
+            </a:prstGeom>
+            <a:solidFill>
+              <a:schemeClr val="tx1">
+                <a:lumMod val="95000"/>
+              </a:schemeClr>
+            </a:solidFill>
+            <a:ln w="28575">
+              <a:solidFill>
+                <a:schemeClr val="tx1">
+                  <a:lumMod val="50000"/>
+                </a:schemeClr>
+              </a:solidFill>
+              <a:prstDash val="solid"/>
+            </a:ln>
+          </p:spPr>
+          <p:style>
+            <a:lnRef idx="2">
+              <a:schemeClr val="accent1">
+                <a:shade val="50000"/>
+              </a:schemeClr>
+            </a:lnRef>
+            <a:fillRef idx="1">
+              <a:schemeClr val="accent1"/>
+            </a:fillRef>
+            <a:effectRef idx="0">
+              <a:schemeClr val="accent1"/>
+            </a:effectRef>
+            <a:fontRef idx="minor">
+              <a:schemeClr val="lt1"/>
+            </a:fontRef>
+          </p:style>
+          <p:txBody>
+            <a:bodyPr lIns="144000" tIns="144000" rIns="144000" bIns="144000" anchor="ctr"/>
+            <a:lstStyle/>
+            <a:p>
+              <a:r>
+                <a:rPr lang="en-GB" sz="3200" baseline="-9000" dirty="0">
+                  <a:solidFill>
+                    <a:schemeClr val="bg2">
+                      <a:lumMod val="40000"/>
+                      <a:lumOff val="60000"/>
+                    </a:schemeClr>
+                  </a:solidFill>
+                  <a:effectLst>
+                    <a:glow>
+                      <a:schemeClr val="bg1"/>
+                    </a:glow>
+                  </a:effectLst>
+                </a:rPr>
+                <a:t>🦋</a:t>
+              </a:r>
+              <a:r>
+                <a:rPr lang="en-GB" sz="2400" dirty="0">
+                  <a:solidFill>
+                    <a:sysClr val="windowText" lastClr="000000"/>
+                  </a:solidFill>
+                  <a:latin typeface="+mj-lt"/>
+                  <a:cs typeface="Arial" panose="020B0604020202020204" pitchFamily="34" charset="0"/>
+                </a:rPr>
+                <a:t> Ephemeral</a:t>
+              </a:r>
+              <a:endParaRPr lang="en-GB" sz="2000" dirty="0">
+                <a:solidFill>
+                  <a:sysClr val="windowText" lastClr="000000"/>
+                </a:solidFill>
+                <a:latin typeface="+mj-lt"/>
+                <a:cs typeface="Arial" panose="020B0604020202020204" pitchFamily="34" charset="0"/>
+              </a:endParaRPr>
+            </a:p>
+          </p:txBody>
+        </p:sp>
+      </p:grpSp>
+      <p:cxnSp>
+        <p:nvCxnSpPr>
+          <p:cNvPr id="28" name="Straight Arrow Connector 12">
+            <a:extLst>
+              <a:ext uri="{FF2B5EF4-FFF2-40B4-BE49-F238E27FC236}">
+                <a16:creationId xmlns:a16="http://schemas.microsoft.com/office/drawing/2014/main" id="{D1FE7E5A-5653-0899-05CF-9675B0E0F41B}"/>
+              </a:ext>
+            </a:extLst>
+          </p:cNvPr>
+          <p:cNvCxnSpPr>
+            <a:cxnSpLocks/>
+            <a:stCxn id="17" idx="2"/>
+            <a:endCxn id="9" idx="0"/>
+          </p:cNvCxnSpPr>
+          <p:nvPr/>
+        </p:nvCxnSpPr>
+        <p:spPr>
+          <a:xfrm rot="16200000" flipH="1">
+            <a:off x="9272082" y="2384208"/>
+            <a:ext cx="661595" cy="8050"/>
+          </a:xfrm>
+          <a:prstGeom prst="bentConnector3">
+            <a:avLst>
+              <a:gd name="adj1" fmla="val 50000"/>
+            </a:avLst>
+          </a:prstGeom>
+          <a:ln>
+            <a:solidFill>
+              <a:schemeClr val="bg1">
+                <a:lumMod val="50000"/>
+                <a:lumOff val="50000"/>
+              </a:schemeClr>
+            </a:solidFill>
+            <a:prstDash val="dash"/>
+            <a:tailEnd type="triangle" w="lg" len="lg"/>
+          </a:ln>
+        </p:spPr>
+        <p:style>
+          <a:lnRef idx="3">
+            <a:schemeClr val="accent2"/>
+          </a:lnRef>
+          <a:fillRef idx="0">
+            <a:schemeClr val="accent2"/>
+          </a:fillRef>
+          <a:effectRef idx="2">
+            <a:schemeClr val="accent2"/>
+          </a:effectRef>
+          <a:fontRef idx="minor">
+            <a:schemeClr val="tx1"/>
+          </a:fontRef>
+        </p:style>
+      </p:cxnSp>
+    </p:spTree>
+    <p:extLst>
+      <p:ext uri="{BB962C8B-B14F-4D97-AF65-F5344CB8AC3E}">
+        <p14:creationId xmlns:p14="http://schemas.microsoft.com/office/powerpoint/2010/main" val="2983509835"/>
+      </p:ext>
+    </p:extLst>
+  </p:cSld>
+  <p:clrMapOvr>
+    <a:masterClrMapping/>
+  </p:clrMapOvr>
+  <mc:AlternateContent xmlns:mc="http://schemas.openxmlformats.org/markup-compatibility/2006" xmlns:p14="http://schemas.microsoft.com/office/powerpoint/2010/main">
+    <mc:Choice Requires="p14">
+      <p:transition spd="med" p14:dur="700">
+        <p:fade/>
+      </p:transition>
+    </mc:Choice>
+    <mc:Fallback xmlns="">
+      <p:transition spd="med">
+        <p:fade/>
+      </p:transition>
+    </mc:Fallback>
+  </mc:AlternateContent>
+</p:sld>
+</file>
+
+<file path=ppt/slides/slide4.xml><?xml version="1.0" encoding="utf-8"?>
+<p:sld xmlns:a="http://schemas.openxmlformats.org/drawingml/2006/main" xmlns:r="http://schemas.openxmlformats.org/officeDocument/2006/relationships" xmlns:p="http://schemas.openxmlformats.org/presentationml/2006/main">
+  <p:cSld>
+    <p:spTree>
+      <p:nvGrpSpPr>
+        <p:cNvPr id="1" name="">
+          <a:extLst>
+            <a:ext uri="{FF2B5EF4-FFF2-40B4-BE49-F238E27FC236}">
               <a16:creationId xmlns:a16="http://schemas.microsoft.com/office/drawing/2014/main" id="{7D29B0C4-8223-B74F-A380-D79AC6CE2359}"/>
             </a:ext>
           </a:extLst>
